--- a/study-note/자바/2022-09-15 내용정리.pptx
+++ b/study-note/자바/2022-09-15 내용정리.pptx
@@ -10915,6 +10915,815 @@
           <a:chExt cx="0" cy="0"/>
         </a:xfrm>
       </p:grpSpPr>
+      <p:cxnSp>
+        <p:nvCxnSpPr>
+          <p:cNvPr id="6" name="직선 화살표 연결선 5">
+            <a:extLst>
+              <a:ext uri="{FF2B5EF4-FFF2-40B4-BE49-F238E27FC236}">
+                <a16:creationId xmlns:a16="http://schemas.microsoft.com/office/drawing/2014/main" id="{18A6BBAB-C7EA-9535-BBD5-33891E6F097E}"/>
+              </a:ext>
+            </a:extLst>
+          </p:cNvPr>
+          <p:cNvCxnSpPr>
+            <a:cxnSpLocks/>
+            <a:stCxn id="2" idx="6"/>
+            <a:endCxn id="3" idx="2"/>
+          </p:cNvCxnSpPr>
+          <p:nvPr/>
+        </p:nvCxnSpPr>
+        <p:spPr>
+          <a:xfrm>
+            <a:off x="3030280" y="2488019"/>
+            <a:ext cx="4160875" cy="0"/>
+          </a:xfrm>
+          <a:prstGeom prst="straightConnector1">
+            <a:avLst/>
+          </a:prstGeom>
+          <a:ln>
+            <a:headEnd type="triangle"/>
+            <a:tailEnd type="triangle"/>
+          </a:ln>
+        </p:spPr>
+        <p:style>
+          <a:lnRef idx="3">
+            <a:schemeClr val="accent1"/>
+          </a:lnRef>
+          <a:fillRef idx="0">
+            <a:schemeClr val="accent1"/>
+          </a:fillRef>
+          <a:effectRef idx="2">
+            <a:schemeClr val="accent1"/>
+          </a:effectRef>
+          <a:fontRef idx="minor">
+            <a:schemeClr val="tx1"/>
+          </a:fontRef>
+        </p:style>
+      </p:cxnSp>
+      <p:sp>
+        <p:nvSpPr>
+          <p:cNvPr id="2" name="타원 1">
+            <a:extLst>
+              <a:ext uri="{FF2B5EF4-FFF2-40B4-BE49-F238E27FC236}">
+                <a16:creationId xmlns:a16="http://schemas.microsoft.com/office/drawing/2014/main" id="{81428D2E-70FE-2257-EF68-EE0DC91EDA84}"/>
+              </a:ext>
+            </a:extLst>
+          </p:cNvPr>
+          <p:cNvSpPr/>
+          <p:nvPr/>
+        </p:nvSpPr>
+        <p:spPr>
+          <a:xfrm>
+            <a:off x="1499192" y="1722475"/>
+            <a:ext cx="1531088" cy="1531088"/>
+          </a:xfrm>
+          <a:prstGeom prst="ellipse">
+            <a:avLst/>
+          </a:prstGeom>
+        </p:spPr>
+        <p:style>
+          <a:lnRef idx="2">
+            <a:schemeClr val="accent1">
+              <a:shade val="50000"/>
+            </a:schemeClr>
+          </a:lnRef>
+          <a:fillRef idx="1">
+            <a:schemeClr val="accent1"/>
+          </a:fillRef>
+          <a:effectRef idx="0">
+            <a:schemeClr val="accent1"/>
+          </a:effectRef>
+          <a:fontRef idx="minor">
+            <a:schemeClr val="lt1"/>
+          </a:fontRef>
+        </p:style>
+        <p:txBody>
+          <a:bodyPr rtlCol="0" anchor="ctr"/>
+          <a:lstStyle/>
+          <a:p>
+            <a:pPr algn="ctr"/>
+            <a:r>
+              <a:rPr kumimoji="1" lang="en-US" altLang="ko-Kore-KR" dirty="0"/>
+              <a:t>HTTP</a:t>
+            </a:r>
+          </a:p>
+          <a:p>
+            <a:pPr algn="ctr"/>
+            <a:r>
+              <a:rPr kumimoji="1" lang="en-US" altLang="ko-Kore-KR" dirty="0"/>
+              <a:t>Client</a:t>
+            </a:r>
+            <a:endParaRPr kumimoji="1" lang="ko-Kore-KR" altLang="en-US" dirty="0"/>
+          </a:p>
+        </p:txBody>
+      </p:sp>
+      <p:sp>
+        <p:nvSpPr>
+          <p:cNvPr id="3" name="타원 2">
+            <a:extLst>
+              <a:ext uri="{FF2B5EF4-FFF2-40B4-BE49-F238E27FC236}">
+                <a16:creationId xmlns:a16="http://schemas.microsoft.com/office/drawing/2014/main" id="{F4AB5A0E-6CEC-EED7-7128-397406F45C5A}"/>
+              </a:ext>
+            </a:extLst>
+          </p:cNvPr>
+          <p:cNvSpPr/>
+          <p:nvPr/>
+        </p:nvSpPr>
+        <p:spPr>
+          <a:xfrm>
+            <a:off x="7191155" y="1722475"/>
+            <a:ext cx="1531088" cy="1531088"/>
+          </a:xfrm>
+          <a:prstGeom prst="ellipse">
+            <a:avLst/>
+          </a:prstGeom>
+        </p:spPr>
+        <p:style>
+          <a:lnRef idx="2">
+            <a:schemeClr val="accent1">
+              <a:shade val="50000"/>
+            </a:schemeClr>
+          </a:lnRef>
+          <a:fillRef idx="1">
+            <a:schemeClr val="accent1"/>
+          </a:fillRef>
+          <a:effectRef idx="0">
+            <a:schemeClr val="accent1"/>
+          </a:effectRef>
+          <a:fontRef idx="minor">
+            <a:schemeClr val="lt1"/>
+          </a:fontRef>
+        </p:style>
+        <p:txBody>
+          <a:bodyPr rtlCol="0" anchor="ctr"/>
+          <a:lstStyle/>
+          <a:p>
+            <a:pPr algn="ctr"/>
+            <a:r>
+              <a:rPr kumimoji="1" lang="en-US" altLang="ko-Kore-KR" dirty="0"/>
+              <a:t>HTTP</a:t>
+            </a:r>
+          </a:p>
+          <a:p>
+            <a:pPr algn="ctr"/>
+            <a:r>
+              <a:rPr kumimoji="1" lang="en-US" altLang="ko-Kore-KR" dirty="0"/>
+              <a:t>Server</a:t>
+            </a:r>
+            <a:endParaRPr kumimoji="1" lang="ko-Kore-KR" altLang="en-US" dirty="0"/>
+          </a:p>
+        </p:txBody>
+      </p:sp>
+      <p:sp>
+        <p:nvSpPr>
+          <p:cNvPr id="5" name="TextBox 4">
+            <a:extLst>
+              <a:ext uri="{FF2B5EF4-FFF2-40B4-BE49-F238E27FC236}">
+                <a16:creationId xmlns:a16="http://schemas.microsoft.com/office/drawing/2014/main" id="{69F7A673-1C40-2D4D-937A-757300379F43}"/>
+              </a:ext>
+            </a:extLst>
+          </p:cNvPr>
+          <p:cNvSpPr txBox="1"/>
+          <p:nvPr/>
+        </p:nvSpPr>
+        <p:spPr>
+          <a:xfrm>
+            <a:off x="4389475" y="2172123"/>
+            <a:ext cx="1415902" cy="646331"/>
+          </a:xfrm>
+          <a:prstGeom prst="rect">
+            <a:avLst/>
+          </a:prstGeom>
+          <a:ln/>
+        </p:spPr>
+        <p:style>
+          <a:lnRef idx="3">
+            <a:schemeClr val="lt1"/>
+          </a:lnRef>
+          <a:fillRef idx="1">
+            <a:schemeClr val="accent2"/>
+          </a:fillRef>
+          <a:effectRef idx="1">
+            <a:schemeClr val="accent2"/>
+          </a:effectRef>
+          <a:fontRef idx="minor">
+            <a:schemeClr val="lt1"/>
+          </a:fontRef>
+        </p:style>
+        <p:txBody>
+          <a:bodyPr wrap="square" rtlCol="0">
+            <a:spAutoFit/>
+          </a:bodyPr>
+          <a:lstStyle/>
+          <a:p>
+            <a:pPr algn="ctr"/>
+            <a:r>
+              <a:rPr kumimoji="1" lang="en-US" altLang="ko-KR" b="1" dirty="0"/>
+              <a:t>HTTP</a:t>
+            </a:r>
+          </a:p>
+          <a:p>
+            <a:pPr algn="ctr"/>
+            <a:r>
+              <a:rPr kumimoji="1" lang="ko-KR" altLang="en-US" b="1" dirty="0"/>
+              <a:t>통신</a:t>
+            </a:r>
+            <a:endParaRPr kumimoji="1" lang="ko-Kore-KR" altLang="en-US" b="1" dirty="0"/>
+          </a:p>
+        </p:txBody>
+      </p:sp>
+      <p:sp>
+        <p:nvSpPr>
+          <p:cNvPr id="9" name="TextBox 8">
+            <a:extLst>
+              <a:ext uri="{FF2B5EF4-FFF2-40B4-BE49-F238E27FC236}">
+                <a16:creationId xmlns:a16="http://schemas.microsoft.com/office/drawing/2014/main" id="{80AE8777-CDD9-F6A6-E448-5469C58F4AC6}"/>
+              </a:ext>
+            </a:extLst>
+          </p:cNvPr>
+          <p:cNvSpPr txBox="1"/>
+          <p:nvPr/>
+        </p:nvSpPr>
+        <p:spPr>
+          <a:xfrm>
+            <a:off x="1578049" y="3604438"/>
+            <a:ext cx="1373373" cy="276999"/>
+          </a:xfrm>
+          <a:prstGeom prst="rect">
+            <a:avLst/>
+          </a:prstGeom>
+          <a:ln/>
+        </p:spPr>
+        <p:style>
+          <a:lnRef idx="2">
+            <a:schemeClr val="accent1"/>
+          </a:lnRef>
+          <a:fillRef idx="1">
+            <a:schemeClr val="lt1"/>
+          </a:fillRef>
+          <a:effectRef idx="0">
+            <a:schemeClr val="accent1"/>
+          </a:effectRef>
+          <a:fontRef idx="minor">
+            <a:schemeClr val="dk1"/>
+          </a:fontRef>
+        </p:style>
+        <p:txBody>
+          <a:bodyPr wrap="square" rtlCol="0">
+            <a:spAutoFit/>
+          </a:bodyPr>
+          <a:lstStyle/>
+          <a:p>
+            <a:pPr algn="ctr"/>
+            <a:r>
+              <a:rPr kumimoji="1" lang="en-US" altLang="ko-Kore-KR" sz="1200" dirty="0"/>
+              <a:t>Web Browser</a:t>
+            </a:r>
+            <a:endParaRPr kumimoji="1" lang="ko-Kore-KR" altLang="en-US" sz="1200" dirty="0"/>
+          </a:p>
+        </p:txBody>
+      </p:sp>
+      <p:sp>
+        <p:nvSpPr>
+          <p:cNvPr id="10" name="TextBox 9">
+            <a:extLst>
+              <a:ext uri="{FF2B5EF4-FFF2-40B4-BE49-F238E27FC236}">
+                <a16:creationId xmlns:a16="http://schemas.microsoft.com/office/drawing/2014/main" id="{BC97B6CF-47FD-D18A-C9F5-B3BFA647F5CE}"/>
+              </a:ext>
+            </a:extLst>
+          </p:cNvPr>
+          <p:cNvSpPr txBox="1"/>
+          <p:nvPr/>
+        </p:nvSpPr>
+        <p:spPr>
+          <a:xfrm>
+            <a:off x="7270012" y="3604437"/>
+            <a:ext cx="1373373" cy="276999"/>
+          </a:xfrm>
+          <a:prstGeom prst="rect">
+            <a:avLst/>
+          </a:prstGeom>
+          <a:ln/>
+        </p:spPr>
+        <p:style>
+          <a:lnRef idx="2">
+            <a:schemeClr val="accent1"/>
+          </a:lnRef>
+          <a:fillRef idx="1">
+            <a:schemeClr val="lt1"/>
+          </a:fillRef>
+          <a:effectRef idx="0">
+            <a:schemeClr val="accent1"/>
+          </a:effectRef>
+          <a:fontRef idx="minor">
+            <a:schemeClr val="dk1"/>
+          </a:fontRef>
+        </p:style>
+        <p:txBody>
+          <a:bodyPr wrap="square" rtlCol="0">
+            <a:spAutoFit/>
+          </a:bodyPr>
+          <a:lstStyle/>
+          <a:p>
+            <a:pPr algn="ctr"/>
+            <a:r>
+              <a:rPr kumimoji="1" lang="en-US" altLang="ko-Kore-KR" sz="1200" dirty="0"/>
+              <a:t>Web Server</a:t>
+            </a:r>
+            <a:endParaRPr kumimoji="1" lang="ko-Kore-KR" altLang="en-US" sz="1200" dirty="0"/>
+          </a:p>
+        </p:txBody>
+      </p:sp>
+      <p:cxnSp>
+        <p:nvCxnSpPr>
+          <p:cNvPr id="12" name="직선 화살표 연결선 11">
+            <a:extLst>
+              <a:ext uri="{FF2B5EF4-FFF2-40B4-BE49-F238E27FC236}">
+                <a16:creationId xmlns:a16="http://schemas.microsoft.com/office/drawing/2014/main" id="{5E6A91F5-C7FA-763F-ED11-37B10D430C83}"/>
+              </a:ext>
+            </a:extLst>
+          </p:cNvPr>
+          <p:cNvCxnSpPr>
+            <a:stCxn id="2" idx="4"/>
+            <a:endCxn id="9" idx="0"/>
+          </p:cNvCxnSpPr>
+          <p:nvPr/>
+        </p:nvCxnSpPr>
+        <p:spPr>
+          <a:xfrm>
+            <a:off x="2264736" y="3253563"/>
+            <a:ext cx="0" cy="350875"/>
+          </a:xfrm>
+          <a:prstGeom prst="straightConnector1">
+            <a:avLst/>
+          </a:prstGeom>
+          <a:ln>
+            <a:tailEnd type="triangle"/>
+          </a:ln>
+        </p:spPr>
+        <p:style>
+          <a:lnRef idx="3">
+            <a:schemeClr val="accent1"/>
+          </a:lnRef>
+          <a:fillRef idx="0">
+            <a:schemeClr val="accent1"/>
+          </a:fillRef>
+          <a:effectRef idx="2">
+            <a:schemeClr val="accent1"/>
+          </a:effectRef>
+          <a:fontRef idx="minor">
+            <a:schemeClr val="tx1"/>
+          </a:fontRef>
+        </p:style>
+      </p:cxnSp>
+      <p:cxnSp>
+        <p:nvCxnSpPr>
+          <p:cNvPr id="13" name="직선 화살표 연결선 12">
+            <a:extLst>
+              <a:ext uri="{FF2B5EF4-FFF2-40B4-BE49-F238E27FC236}">
+                <a16:creationId xmlns:a16="http://schemas.microsoft.com/office/drawing/2014/main" id="{CC5E0829-2A11-190A-F42B-2CE33F0957BE}"/>
+              </a:ext>
+            </a:extLst>
+          </p:cNvPr>
+          <p:cNvCxnSpPr>
+            <a:cxnSpLocks/>
+            <a:stCxn id="3" idx="4"/>
+            <a:endCxn id="10" idx="0"/>
+          </p:cNvCxnSpPr>
+          <p:nvPr/>
+        </p:nvCxnSpPr>
+        <p:spPr>
+          <a:xfrm>
+            <a:off x="7956699" y="3253563"/>
+            <a:ext cx="0" cy="350874"/>
+          </a:xfrm>
+          <a:prstGeom prst="straightConnector1">
+            <a:avLst/>
+          </a:prstGeom>
+          <a:ln>
+            <a:tailEnd type="triangle"/>
+          </a:ln>
+        </p:spPr>
+        <p:style>
+          <a:lnRef idx="3">
+            <a:schemeClr val="accent1"/>
+          </a:lnRef>
+          <a:fillRef idx="0">
+            <a:schemeClr val="accent1"/>
+          </a:fillRef>
+          <a:effectRef idx="2">
+            <a:schemeClr val="accent1"/>
+          </a:effectRef>
+          <a:fontRef idx="minor">
+            <a:schemeClr val="tx1"/>
+          </a:fontRef>
+        </p:style>
+      </p:cxnSp>
+      <p:sp>
+        <p:nvSpPr>
+          <p:cNvPr id="16" name="TextBox 15">
+            <a:extLst>
+              <a:ext uri="{FF2B5EF4-FFF2-40B4-BE49-F238E27FC236}">
+                <a16:creationId xmlns:a16="http://schemas.microsoft.com/office/drawing/2014/main" id="{104CE183-D61C-1B25-742D-7F87EA955008}"/>
+              </a:ext>
+            </a:extLst>
+          </p:cNvPr>
+          <p:cNvSpPr txBox="1"/>
+          <p:nvPr/>
+        </p:nvSpPr>
+        <p:spPr>
+          <a:xfrm>
+            <a:off x="985727" y="4231481"/>
+            <a:ext cx="2558016" cy="276999"/>
+          </a:xfrm>
+          <a:prstGeom prst="rect">
+            <a:avLst/>
+          </a:prstGeom>
+          <a:ln/>
+        </p:spPr>
+        <p:style>
+          <a:lnRef idx="2">
+            <a:schemeClr val="accent1"/>
+          </a:lnRef>
+          <a:fillRef idx="1">
+            <a:schemeClr val="lt1"/>
+          </a:fillRef>
+          <a:effectRef idx="0">
+            <a:schemeClr val="accent1"/>
+          </a:effectRef>
+          <a:fontRef idx="minor">
+            <a:schemeClr val="dk1"/>
+          </a:fontRef>
+        </p:style>
+        <p:txBody>
+          <a:bodyPr wrap="square" rtlCol="0">
+            <a:spAutoFit/>
+          </a:bodyPr>
+          <a:lstStyle/>
+          <a:p>
+            <a:pPr algn="ctr"/>
+            <a:r>
+              <a:rPr kumimoji="1" lang="en-US" altLang="ko-Kore-KR" sz="1200" dirty="0"/>
+              <a:t>(</a:t>
+            </a:r>
+            <a:r>
+              <a:rPr kumimoji="1" lang="ko-KR" altLang="en-US" sz="1200" dirty="0"/>
+              <a:t>거미줄과 같이 돌아다닐 수 있다</a:t>
+            </a:r>
+            <a:r>
+              <a:rPr kumimoji="1" lang="en-US" altLang="ko-KR" sz="1200" dirty="0"/>
+              <a:t>.</a:t>
+            </a:r>
+            <a:r>
+              <a:rPr kumimoji="1" lang="en-US" altLang="ko-Kore-KR" sz="1200" dirty="0"/>
+              <a:t>)</a:t>
+            </a:r>
+            <a:endParaRPr kumimoji="1" lang="ko-Kore-KR" altLang="en-US" sz="1200" dirty="0"/>
+          </a:p>
+        </p:txBody>
+      </p:sp>
+      <p:cxnSp>
+        <p:nvCxnSpPr>
+          <p:cNvPr id="18" name="직선 화살표 연결선 17">
+            <a:extLst>
+              <a:ext uri="{FF2B5EF4-FFF2-40B4-BE49-F238E27FC236}">
+                <a16:creationId xmlns:a16="http://schemas.microsoft.com/office/drawing/2014/main" id="{23DBD424-FA01-8A47-3D72-4D955B8EF2D5}"/>
+              </a:ext>
+            </a:extLst>
+          </p:cNvPr>
+          <p:cNvCxnSpPr>
+            <a:stCxn id="16" idx="0"/>
+            <a:endCxn id="9" idx="2"/>
+          </p:cNvCxnSpPr>
+          <p:nvPr/>
+        </p:nvCxnSpPr>
+        <p:spPr>
+          <a:xfrm flipV="1">
+            <a:off x="2264735" y="3881437"/>
+            <a:ext cx="1" cy="350044"/>
+          </a:xfrm>
+          <a:prstGeom prst="straightConnector1">
+            <a:avLst/>
+          </a:prstGeom>
+          <a:ln>
+            <a:tailEnd type="triangle"/>
+          </a:ln>
+        </p:spPr>
+        <p:style>
+          <a:lnRef idx="3">
+            <a:schemeClr val="accent1"/>
+          </a:lnRef>
+          <a:fillRef idx="0">
+            <a:schemeClr val="accent1"/>
+          </a:fillRef>
+          <a:effectRef idx="2">
+            <a:schemeClr val="accent1"/>
+          </a:effectRef>
+          <a:fontRef idx="minor">
+            <a:schemeClr val="tx1"/>
+          </a:fontRef>
+        </p:style>
+      </p:cxnSp>
+      <p:sp>
+        <p:nvSpPr>
+          <p:cNvPr id="19" name="타원 18">
+            <a:extLst>
+              <a:ext uri="{FF2B5EF4-FFF2-40B4-BE49-F238E27FC236}">
+                <a16:creationId xmlns:a16="http://schemas.microsoft.com/office/drawing/2014/main" id="{75326742-CDA4-AF71-D6BF-1B1D73E2C34A}"/>
+              </a:ext>
+            </a:extLst>
+          </p:cNvPr>
+          <p:cNvSpPr/>
+          <p:nvPr/>
+        </p:nvSpPr>
+        <p:spPr>
+          <a:xfrm>
+            <a:off x="6727751" y="4668244"/>
+            <a:ext cx="542261" cy="542261"/>
+          </a:xfrm>
+          <a:prstGeom prst="ellipse">
+            <a:avLst/>
+          </a:prstGeom>
+        </p:spPr>
+        <p:style>
+          <a:lnRef idx="2">
+            <a:schemeClr val="accent1">
+              <a:shade val="50000"/>
+            </a:schemeClr>
+          </a:lnRef>
+          <a:fillRef idx="1">
+            <a:schemeClr val="accent1"/>
+          </a:fillRef>
+          <a:effectRef idx="0">
+            <a:schemeClr val="accent1"/>
+          </a:effectRef>
+          <a:fontRef idx="minor">
+            <a:schemeClr val="lt1"/>
+          </a:fontRef>
+        </p:style>
+        <p:txBody>
+          <a:bodyPr rtlCol="0" anchor="ctr"/>
+          <a:lstStyle/>
+          <a:p>
+            <a:pPr algn="ctr"/>
+            <a:r>
+              <a:rPr kumimoji="1" lang="en-US" altLang="ko-Kore-KR" sz="1100" dirty="0"/>
+              <a:t>S1</a:t>
+            </a:r>
+            <a:endParaRPr kumimoji="1" lang="ko-Kore-KR" altLang="en-US" dirty="0"/>
+          </a:p>
+        </p:txBody>
+      </p:sp>
+      <p:sp>
+        <p:nvSpPr>
+          <p:cNvPr id="20" name="타원 19">
+            <a:extLst>
+              <a:ext uri="{FF2B5EF4-FFF2-40B4-BE49-F238E27FC236}">
+                <a16:creationId xmlns:a16="http://schemas.microsoft.com/office/drawing/2014/main" id="{6776F16A-6A17-A730-7D24-2F964608F5EB}"/>
+              </a:ext>
+            </a:extLst>
+          </p:cNvPr>
+          <p:cNvSpPr/>
+          <p:nvPr/>
+        </p:nvSpPr>
+        <p:spPr>
+          <a:xfrm>
+            <a:off x="8372254" y="5210505"/>
+            <a:ext cx="542261" cy="542261"/>
+          </a:xfrm>
+          <a:prstGeom prst="ellipse">
+            <a:avLst/>
+          </a:prstGeom>
+        </p:spPr>
+        <p:style>
+          <a:lnRef idx="2">
+            <a:schemeClr val="accent1">
+              <a:shade val="50000"/>
+            </a:schemeClr>
+          </a:lnRef>
+          <a:fillRef idx="1">
+            <a:schemeClr val="accent1"/>
+          </a:fillRef>
+          <a:effectRef idx="0">
+            <a:schemeClr val="accent1"/>
+          </a:effectRef>
+          <a:fontRef idx="minor">
+            <a:schemeClr val="lt1"/>
+          </a:fontRef>
+        </p:style>
+        <p:txBody>
+          <a:bodyPr rtlCol="0" anchor="ctr"/>
+          <a:lstStyle/>
+          <a:p>
+            <a:pPr algn="ctr"/>
+            <a:r>
+              <a:rPr kumimoji="1" lang="en-US" altLang="ko-Kore-KR" sz="1100" dirty="0"/>
+              <a:t>S1</a:t>
+            </a:r>
+            <a:endParaRPr kumimoji="1" lang="ko-Kore-KR" altLang="en-US" dirty="0"/>
+          </a:p>
+        </p:txBody>
+      </p:sp>
+      <p:sp>
+        <p:nvSpPr>
+          <p:cNvPr id="21" name="타원 20">
+            <a:extLst>
+              <a:ext uri="{FF2B5EF4-FFF2-40B4-BE49-F238E27FC236}">
+                <a16:creationId xmlns:a16="http://schemas.microsoft.com/office/drawing/2014/main" id="{E46C439C-1A1B-0FC8-E198-1B5A52262E0D}"/>
+              </a:ext>
+            </a:extLst>
+          </p:cNvPr>
+          <p:cNvSpPr/>
+          <p:nvPr/>
+        </p:nvSpPr>
+        <p:spPr>
+          <a:xfrm>
+            <a:off x="9910430" y="4125983"/>
+            <a:ext cx="542261" cy="542261"/>
+          </a:xfrm>
+          <a:prstGeom prst="ellipse">
+            <a:avLst/>
+          </a:prstGeom>
+        </p:spPr>
+        <p:style>
+          <a:lnRef idx="2">
+            <a:schemeClr val="accent1">
+              <a:shade val="50000"/>
+            </a:schemeClr>
+          </a:lnRef>
+          <a:fillRef idx="1">
+            <a:schemeClr val="accent1"/>
+          </a:fillRef>
+          <a:effectRef idx="0">
+            <a:schemeClr val="accent1"/>
+          </a:effectRef>
+          <a:fontRef idx="minor">
+            <a:schemeClr val="lt1"/>
+          </a:fontRef>
+        </p:style>
+        <p:txBody>
+          <a:bodyPr rtlCol="0" anchor="ctr"/>
+          <a:lstStyle/>
+          <a:p>
+            <a:pPr algn="ctr"/>
+            <a:r>
+              <a:rPr kumimoji="1" lang="en-US" altLang="ko-Kore-KR" sz="1100" dirty="0"/>
+              <a:t>S1</a:t>
+            </a:r>
+            <a:endParaRPr kumimoji="1" lang="ko-Kore-KR" altLang="en-US" dirty="0"/>
+          </a:p>
+        </p:txBody>
+      </p:sp>
+      <p:sp>
+        <p:nvSpPr>
+          <p:cNvPr id="22" name="타원 21">
+            <a:extLst>
+              <a:ext uri="{FF2B5EF4-FFF2-40B4-BE49-F238E27FC236}">
+                <a16:creationId xmlns:a16="http://schemas.microsoft.com/office/drawing/2014/main" id="{C6902EAF-CC64-6F63-157B-E487AE3C2B37}"/>
+              </a:ext>
+            </a:extLst>
+          </p:cNvPr>
+          <p:cNvSpPr/>
+          <p:nvPr/>
+        </p:nvSpPr>
+        <p:spPr>
+          <a:xfrm>
+            <a:off x="7028121" y="5883900"/>
+            <a:ext cx="542261" cy="542261"/>
+          </a:xfrm>
+          <a:prstGeom prst="ellipse">
+            <a:avLst/>
+          </a:prstGeom>
+        </p:spPr>
+        <p:style>
+          <a:lnRef idx="2">
+            <a:schemeClr val="accent1">
+              <a:shade val="50000"/>
+            </a:schemeClr>
+          </a:lnRef>
+          <a:fillRef idx="1">
+            <a:schemeClr val="accent1"/>
+          </a:fillRef>
+          <a:effectRef idx="0">
+            <a:schemeClr val="accent1"/>
+          </a:effectRef>
+          <a:fontRef idx="minor">
+            <a:schemeClr val="lt1"/>
+          </a:fontRef>
+        </p:style>
+        <p:txBody>
+          <a:bodyPr rtlCol="0" anchor="ctr"/>
+          <a:lstStyle/>
+          <a:p>
+            <a:pPr algn="ctr"/>
+            <a:r>
+              <a:rPr kumimoji="1" lang="en-US" altLang="ko-Kore-KR" sz="1100" dirty="0"/>
+              <a:t>S1</a:t>
+            </a:r>
+            <a:endParaRPr kumimoji="1" lang="ko-Kore-KR" altLang="en-US" dirty="0"/>
+          </a:p>
+        </p:txBody>
+      </p:sp>
+      <p:sp>
+        <p:nvSpPr>
+          <p:cNvPr id="23" name="타원 22">
+            <a:extLst>
+              <a:ext uri="{FF2B5EF4-FFF2-40B4-BE49-F238E27FC236}">
+                <a16:creationId xmlns:a16="http://schemas.microsoft.com/office/drawing/2014/main" id="{49927EBA-EA1E-D5C1-57FB-5FD213901A1D}"/>
+              </a:ext>
+            </a:extLst>
+          </p:cNvPr>
+          <p:cNvSpPr/>
+          <p:nvPr/>
+        </p:nvSpPr>
+        <p:spPr>
+          <a:xfrm>
+            <a:off x="10675974" y="5033295"/>
+            <a:ext cx="542261" cy="542261"/>
+          </a:xfrm>
+          <a:prstGeom prst="ellipse">
+            <a:avLst/>
+          </a:prstGeom>
+        </p:spPr>
+        <p:style>
+          <a:lnRef idx="2">
+            <a:schemeClr val="accent1">
+              <a:shade val="50000"/>
+            </a:schemeClr>
+          </a:lnRef>
+          <a:fillRef idx="1">
+            <a:schemeClr val="accent1"/>
+          </a:fillRef>
+          <a:effectRef idx="0">
+            <a:schemeClr val="accent1"/>
+          </a:effectRef>
+          <a:fontRef idx="minor">
+            <a:schemeClr val="lt1"/>
+          </a:fontRef>
+        </p:style>
+        <p:txBody>
+          <a:bodyPr rtlCol="0" anchor="ctr"/>
+          <a:lstStyle/>
+          <a:p>
+            <a:pPr algn="ctr"/>
+            <a:r>
+              <a:rPr kumimoji="1" lang="en-US" altLang="ko-Kore-KR" sz="1100" dirty="0"/>
+              <a:t>S1</a:t>
+            </a:r>
+            <a:endParaRPr kumimoji="1" lang="ko-Kore-KR" altLang="en-US" dirty="0"/>
+          </a:p>
+        </p:txBody>
+      </p:sp>
+      <p:sp>
+        <p:nvSpPr>
+          <p:cNvPr id="25" name="TextBox 24">
+            <a:extLst>
+              <a:ext uri="{FF2B5EF4-FFF2-40B4-BE49-F238E27FC236}">
+                <a16:creationId xmlns:a16="http://schemas.microsoft.com/office/drawing/2014/main" id="{C21478EB-EE98-2B39-30C9-DE9A9B68A551}"/>
+              </a:ext>
+            </a:extLst>
+          </p:cNvPr>
+          <p:cNvSpPr txBox="1"/>
+          <p:nvPr/>
+        </p:nvSpPr>
+        <p:spPr>
+          <a:xfrm>
+            <a:off x="4133407" y="5745400"/>
+            <a:ext cx="1373373" cy="276999"/>
+          </a:xfrm>
+          <a:prstGeom prst="rect">
+            <a:avLst/>
+          </a:prstGeom>
+          <a:ln/>
+        </p:spPr>
+        <p:style>
+          <a:lnRef idx="2">
+            <a:schemeClr val="accent1"/>
+          </a:lnRef>
+          <a:fillRef idx="1">
+            <a:schemeClr val="lt1"/>
+          </a:fillRef>
+          <a:effectRef idx="0">
+            <a:schemeClr val="accent1"/>
+          </a:effectRef>
+          <a:fontRef idx="minor">
+            <a:schemeClr val="dk1"/>
+          </a:fontRef>
+        </p:style>
+        <p:txBody>
+          <a:bodyPr wrap="square" rtlCol="0">
+            <a:spAutoFit/>
+          </a:bodyPr>
+          <a:lstStyle/>
+          <a:p>
+            <a:pPr algn="ctr"/>
+            <a:r>
+              <a:rPr kumimoji="1" lang="en-US" altLang="ko-Kore-KR" sz="1200"/>
+              <a:t>Web Client</a:t>
+            </a:r>
+            <a:endParaRPr kumimoji="1" lang="ko-Kore-KR" altLang="en-US" sz="1200" dirty="0"/>
+          </a:p>
+        </p:txBody>
+      </p:sp>
     </p:spTree>
     <p:extLst>
       <p:ext uri="{BB962C8B-B14F-4D97-AF65-F5344CB8AC3E}">

--- a/study-note/자바/2022-09-15 내용정리.pptx
+++ b/study-note/자바/2022-09-15 내용정리.pptx
@@ -5,7 +5,7 @@
     <p:sldMasterId id="2147483648" r:id="rId1"/>
   </p:sldMasterIdLst>
   <p:notesMasterIdLst>
-    <p:notesMasterId r:id="rId50"/>
+    <p:notesMasterId r:id="rId52"/>
   </p:notesMasterIdLst>
   <p:sldIdLst>
     <p:sldId id="256" r:id="rId2"/>
@@ -29,33 +29,35 @@
     <p:sldId id="373" r:id="rId20"/>
     <p:sldId id="374" r:id="rId21"/>
     <p:sldId id="375" r:id="rId22"/>
-    <p:sldId id="376" r:id="rId23"/>
-    <p:sldId id="377" r:id="rId24"/>
-    <p:sldId id="378" r:id="rId25"/>
-    <p:sldId id="379" r:id="rId26"/>
-    <p:sldId id="380" r:id="rId27"/>
-    <p:sldId id="381" r:id="rId28"/>
-    <p:sldId id="382" r:id="rId29"/>
-    <p:sldId id="383" r:id="rId30"/>
-    <p:sldId id="384" r:id="rId31"/>
-    <p:sldId id="385" r:id="rId32"/>
-    <p:sldId id="386" r:id="rId33"/>
-    <p:sldId id="387" r:id="rId34"/>
-    <p:sldId id="388" r:id="rId35"/>
-    <p:sldId id="389" r:id="rId36"/>
-    <p:sldId id="390" r:id="rId37"/>
-    <p:sldId id="391" r:id="rId38"/>
-    <p:sldId id="392" r:id="rId39"/>
-    <p:sldId id="393" r:id="rId40"/>
-    <p:sldId id="394" r:id="rId41"/>
-    <p:sldId id="395" r:id="rId42"/>
-    <p:sldId id="396" r:id="rId43"/>
-    <p:sldId id="397" r:id="rId44"/>
-    <p:sldId id="398" r:id="rId45"/>
-    <p:sldId id="399" r:id="rId46"/>
-    <p:sldId id="400" r:id="rId47"/>
-    <p:sldId id="401" r:id="rId48"/>
-    <p:sldId id="402" r:id="rId49"/>
+    <p:sldId id="408" r:id="rId23"/>
+    <p:sldId id="409" r:id="rId24"/>
+    <p:sldId id="376" r:id="rId25"/>
+    <p:sldId id="377" r:id="rId26"/>
+    <p:sldId id="378" r:id="rId27"/>
+    <p:sldId id="379" r:id="rId28"/>
+    <p:sldId id="380" r:id="rId29"/>
+    <p:sldId id="381" r:id="rId30"/>
+    <p:sldId id="382" r:id="rId31"/>
+    <p:sldId id="383" r:id="rId32"/>
+    <p:sldId id="384" r:id="rId33"/>
+    <p:sldId id="385" r:id="rId34"/>
+    <p:sldId id="386" r:id="rId35"/>
+    <p:sldId id="387" r:id="rId36"/>
+    <p:sldId id="388" r:id="rId37"/>
+    <p:sldId id="389" r:id="rId38"/>
+    <p:sldId id="390" r:id="rId39"/>
+    <p:sldId id="391" r:id="rId40"/>
+    <p:sldId id="392" r:id="rId41"/>
+    <p:sldId id="393" r:id="rId42"/>
+    <p:sldId id="394" r:id="rId43"/>
+    <p:sldId id="395" r:id="rId44"/>
+    <p:sldId id="396" r:id="rId45"/>
+    <p:sldId id="397" r:id="rId46"/>
+    <p:sldId id="398" r:id="rId47"/>
+    <p:sldId id="399" r:id="rId48"/>
+    <p:sldId id="400" r:id="rId49"/>
+    <p:sldId id="401" r:id="rId50"/>
+    <p:sldId id="402" r:id="rId51"/>
   </p:sldIdLst>
   <p:sldSz cx="12192000" cy="6858000"/>
   <p:notesSz cx="6858000" cy="9144000"/>
@@ -10946,13 +10948,13 @@
         </p:spPr>
         <p:style>
           <a:lnRef idx="3">
-            <a:schemeClr val="accent1"/>
+            <a:schemeClr val="accent2"/>
           </a:lnRef>
           <a:fillRef idx="0">
-            <a:schemeClr val="accent1"/>
+            <a:schemeClr val="accent2"/>
           </a:fillRef>
           <a:effectRef idx="2">
-            <a:schemeClr val="accent1"/>
+            <a:schemeClr val="accent2"/>
           </a:effectRef>
           <a:fontRef idx="minor">
             <a:schemeClr val="tx1"/>
@@ -10974,6 +10976,61 @@
         <p:spPr>
           <a:xfrm>
             <a:off x="1499192" y="1722475"/>
+            <a:ext cx="1531088" cy="1531088"/>
+          </a:xfrm>
+          <a:prstGeom prst="ellipse">
+            <a:avLst/>
+          </a:prstGeom>
+        </p:spPr>
+        <p:style>
+          <a:lnRef idx="3">
+            <a:schemeClr val="lt1"/>
+          </a:lnRef>
+          <a:fillRef idx="1">
+            <a:schemeClr val="accent6"/>
+          </a:fillRef>
+          <a:effectRef idx="1">
+            <a:schemeClr val="accent6"/>
+          </a:effectRef>
+          <a:fontRef idx="minor">
+            <a:schemeClr val="lt1"/>
+          </a:fontRef>
+        </p:style>
+        <p:txBody>
+          <a:bodyPr rtlCol="0" anchor="ctr"/>
+          <a:lstStyle/>
+          <a:p>
+            <a:pPr algn="ctr"/>
+            <a:r>
+              <a:rPr kumimoji="1" lang="en-US" altLang="ko-Kore-KR" dirty="0"/>
+              <a:t>HTTP</a:t>
+            </a:r>
+          </a:p>
+          <a:p>
+            <a:pPr algn="ctr"/>
+            <a:r>
+              <a:rPr kumimoji="1" lang="en-US" altLang="ko-Kore-KR" dirty="0"/>
+              <a:t>Client</a:t>
+            </a:r>
+            <a:endParaRPr kumimoji="1" lang="ko-Kore-KR" altLang="en-US" dirty="0"/>
+          </a:p>
+        </p:txBody>
+      </p:sp>
+      <p:sp>
+        <p:nvSpPr>
+          <p:cNvPr id="3" name="타원 2">
+            <a:extLst>
+              <a:ext uri="{FF2B5EF4-FFF2-40B4-BE49-F238E27FC236}">
+                <a16:creationId xmlns:a16="http://schemas.microsoft.com/office/drawing/2014/main" id="{F4AB5A0E-6CEC-EED7-7128-397406F45C5A}"/>
+              </a:ext>
+            </a:extLst>
+          </p:cNvPr>
+          <p:cNvSpPr/>
+          <p:nvPr/>
+        </p:nvSpPr>
+        <p:spPr>
+          <a:xfrm>
+            <a:off x="7191155" y="1722475"/>
             <a:ext cx="1531088" cy="1531088"/>
           </a:xfrm>
           <a:prstGeom prst="ellipse">
@@ -11010,63 +11067,6 @@
             <a:pPr algn="ctr"/>
             <a:r>
               <a:rPr kumimoji="1" lang="en-US" altLang="ko-Kore-KR" dirty="0"/>
-              <a:t>Client</a:t>
-            </a:r>
-            <a:endParaRPr kumimoji="1" lang="ko-Kore-KR" altLang="en-US" dirty="0"/>
-          </a:p>
-        </p:txBody>
-      </p:sp>
-      <p:sp>
-        <p:nvSpPr>
-          <p:cNvPr id="3" name="타원 2">
-            <a:extLst>
-              <a:ext uri="{FF2B5EF4-FFF2-40B4-BE49-F238E27FC236}">
-                <a16:creationId xmlns:a16="http://schemas.microsoft.com/office/drawing/2014/main" id="{F4AB5A0E-6CEC-EED7-7128-397406F45C5A}"/>
-              </a:ext>
-            </a:extLst>
-          </p:cNvPr>
-          <p:cNvSpPr/>
-          <p:nvPr/>
-        </p:nvSpPr>
-        <p:spPr>
-          <a:xfrm>
-            <a:off x="7191155" y="1722475"/>
-            <a:ext cx="1531088" cy="1531088"/>
-          </a:xfrm>
-          <a:prstGeom prst="ellipse">
-            <a:avLst/>
-          </a:prstGeom>
-        </p:spPr>
-        <p:style>
-          <a:lnRef idx="2">
-            <a:schemeClr val="accent1">
-              <a:shade val="50000"/>
-            </a:schemeClr>
-          </a:lnRef>
-          <a:fillRef idx="1">
-            <a:schemeClr val="accent1"/>
-          </a:fillRef>
-          <a:effectRef idx="0">
-            <a:schemeClr val="accent1"/>
-          </a:effectRef>
-          <a:fontRef idx="minor">
-            <a:schemeClr val="lt1"/>
-          </a:fontRef>
-        </p:style>
-        <p:txBody>
-          <a:bodyPr rtlCol="0" anchor="ctr"/>
-          <a:lstStyle/>
-          <a:p>
-            <a:pPr algn="ctr"/>
-            <a:r>
-              <a:rPr kumimoji="1" lang="en-US" altLang="ko-Kore-KR" dirty="0"/>
-              <a:t>HTTP</a:t>
-            </a:r>
-          </a:p>
-          <a:p>
-            <a:pPr algn="ctr"/>
-            <a:r>
-              <a:rPr kumimoji="1" lang="en-US" altLang="ko-Kore-KR" dirty="0"/>
               <a:t>Server</a:t>
             </a:r>
             <a:endParaRPr kumimoji="1" lang="ko-Kore-KR" altLang="en-US" dirty="0"/>
@@ -11155,13 +11155,13 @@
         </p:spPr>
         <p:style>
           <a:lnRef idx="2">
-            <a:schemeClr val="accent1"/>
+            <a:schemeClr val="accent6"/>
           </a:lnRef>
           <a:fillRef idx="1">
             <a:schemeClr val="lt1"/>
           </a:fillRef>
           <a:effectRef idx="0">
-            <a:schemeClr val="accent1"/>
+            <a:schemeClr val="accent6"/>
           </a:effectRef>
           <a:fontRef idx="minor">
             <a:schemeClr val="dk1"/>
@@ -11262,13 +11262,13 @@
         </p:spPr>
         <p:style>
           <a:lnRef idx="3">
-            <a:schemeClr val="accent1"/>
+            <a:schemeClr val="accent6"/>
           </a:lnRef>
           <a:fillRef idx="0">
-            <a:schemeClr val="accent1"/>
+            <a:schemeClr val="accent6"/>
           </a:fillRef>
           <a:effectRef idx="2">
-            <a:schemeClr val="accent1"/>
+            <a:schemeClr val="accent6"/>
           </a:effectRef>
           <a:fontRef idx="minor">
             <a:schemeClr val="tx1"/>
@@ -11342,13 +11342,13 @@
         </p:spPr>
         <p:style>
           <a:lnRef idx="2">
-            <a:schemeClr val="accent1"/>
+            <a:schemeClr val="accent6"/>
           </a:lnRef>
           <a:fillRef idx="1">
             <a:schemeClr val="lt1"/>
           </a:fillRef>
           <a:effectRef idx="0">
-            <a:schemeClr val="accent1"/>
+            <a:schemeClr val="accent6"/>
           </a:effectRef>
           <a:fontRef idx="minor">
             <a:schemeClr val="dk1"/>
@@ -11410,13 +11410,13 @@
         </p:spPr>
         <p:style>
           <a:lnRef idx="3">
-            <a:schemeClr val="accent1"/>
+            <a:schemeClr val="accent6"/>
           </a:lnRef>
           <a:fillRef idx="0">
-            <a:schemeClr val="accent1"/>
+            <a:schemeClr val="accent6"/>
           </a:fillRef>
           <a:effectRef idx="2">
-            <a:schemeClr val="accent1"/>
+            <a:schemeClr val="accent6"/>
           </a:effectRef>
           <a:fontRef idx="minor">
             <a:schemeClr val="tx1"/>
@@ -11517,7 +11517,11 @@
             <a:pPr algn="ctr"/>
             <a:r>
               <a:rPr kumimoji="1" lang="en-US" altLang="ko-Kore-KR" sz="1100" dirty="0"/>
-              <a:t>S1</a:t>
+              <a:t>S</a:t>
+            </a:r>
+            <a:r>
+              <a:rPr kumimoji="1" lang="en-US" altLang="ko-KR" sz="1100" dirty="0"/>
+              <a:t>3</a:t>
             </a:r>
             <a:endParaRPr kumimoji="1" lang="ko-Kore-KR" altLang="en-US" dirty="0"/>
           </a:p>
@@ -11567,7 +11571,11 @@
             <a:pPr algn="ctr"/>
             <a:r>
               <a:rPr kumimoji="1" lang="en-US" altLang="ko-Kore-KR" sz="1100" dirty="0"/>
-              <a:t>S1</a:t>
+              <a:t>S</a:t>
+            </a:r>
+            <a:r>
+              <a:rPr kumimoji="1" lang="en-US" altLang="ko-KR" sz="1100" dirty="0"/>
+              <a:t>4</a:t>
             </a:r>
             <a:endParaRPr kumimoji="1" lang="ko-Kore-KR" altLang="en-US" dirty="0"/>
           </a:p>
@@ -11617,7 +11625,11 @@
             <a:pPr algn="ctr"/>
             <a:r>
               <a:rPr kumimoji="1" lang="en-US" altLang="ko-Kore-KR" sz="1100" dirty="0"/>
-              <a:t>S1</a:t>
+              <a:t>S</a:t>
+            </a:r>
+            <a:r>
+              <a:rPr kumimoji="1" lang="en-US" altLang="ko-KR" sz="1100" dirty="0"/>
+              <a:t>2</a:t>
             </a:r>
             <a:endParaRPr kumimoji="1" lang="ko-Kore-KR" altLang="en-US" dirty="0"/>
           </a:p>
@@ -11667,7 +11679,11 @@
             <a:pPr algn="ctr"/>
             <a:r>
               <a:rPr kumimoji="1" lang="en-US" altLang="ko-Kore-KR" sz="1100" dirty="0"/>
-              <a:t>S1</a:t>
+              <a:t>S</a:t>
+            </a:r>
+            <a:r>
+              <a:rPr kumimoji="1" lang="en-US" altLang="ko-KR" sz="1100" dirty="0"/>
+              <a:t>5</a:t>
             </a:r>
             <a:endParaRPr kumimoji="1" lang="ko-Kore-KR" altLang="en-US" dirty="0"/>
           </a:p>
@@ -11696,17 +11712,17 @@
           <a:ln/>
         </p:spPr>
         <p:style>
-          <a:lnRef idx="2">
-            <a:schemeClr val="accent1"/>
+          <a:lnRef idx="3">
+            <a:schemeClr val="lt1"/>
           </a:lnRef>
           <a:fillRef idx="1">
-            <a:schemeClr val="lt1"/>
-          </a:fillRef>
-          <a:effectRef idx="0">
-            <a:schemeClr val="accent1"/>
-          </a:effectRef>
-          <a:fontRef idx="minor">
-            <a:schemeClr val="dk1"/>
+            <a:schemeClr val="accent6"/>
+          </a:fillRef>
+          <a:effectRef idx="1">
+            <a:schemeClr val="accent6"/>
+          </a:effectRef>
+          <a:fontRef idx="minor">
+            <a:schemeClr val="lt1"/>
           </a:fontRef>
         </p:style>
         <p:txBody>
@@ -11717,8 +11733,513 @@
           <a:p>
             <a:pPr algn="ctr"/>
             <a:r>
-              <a:rPr kumimoji="1" lang="en-US" altLang="ko-Kore-KR" sz="1200"/>
+              <a:rPr kumimoji="1" lang="en-US" altLang="ko-Kore-KR" sz="1200" dirty="0"/>
               <a:t>Web Client</a:t>
+            </a:r>
+            <a:endParaRPr kumimoji="1" lang="ko-Kore-KR" altLang="en-US" sz="1200" dirty="0"/>
+          </a:p>
+        </p:txBody>
+      </p:sp>
+      <p:cxnSp>
+        <p:nvCxnSpPr>
+          <p:cNvPr id="27" name="구부러진 연결선[U] 26">
+            <a:extLst>
+              <a:ext uri="{FF2B5EF4-FFF2-40B4-BE49-F238E27FC236}">
+                <a16:creationId xmlns:a16="http://schemas.microsoft.com/office/drawing/2014/main" id="{291895B2-762B-2A14-CBC8-A8AC9793F4B1}"/>
+              </a:ext>
+            </a:extLst>
+          </p:cNvPr>
+          <p:cNvCxnSpPr>
+            <a:stCxn id="25" idx="0"/>
+            <a:endCxn id="19" idx="2"/>
+          </p:cNvCxnSpPr>
+          <p:nvPr/>
+        </p:nvCxnSpPr>
+        <p:spPr>
+          <a:xfrm rot="5400000" flipH="1" flipV="1">
+            <a:off x="5370910" y="4388560"/>
+            <a:ext cx="806025" cy="1907657"/>
+          </a:xfrm>
+          <a:prstGeom prst="curvedConnector2">
+            <a:avLst/>
+          </a:prstGeom>
+          <a:ln>
+            <a:tailEnd type="triangle"/>
+          </a:ln>
+        </p:spPr>
+        <p:style>
+          <a:lnRef idx="3">
+            <a:schemeClr val="accent6"/>
+          </a:lnRef>
+          <a:fillRef idx="0">
+            <a:schemeClr val="accent6"/>
+          </a:fillRef>
+          <a:effectRef idx="2">
+            <a:schemeClr val="accent6"/>
+          </a:effectRef>
+          <a:fontRef idx="minor">
+            <a:schemeClr val="tx1"/>
+          </a:fontRef>
+        </p:style>
+      </p:cxnSp>
+      <p:cxnSp>
+        <p:nvCxnSpPr>
+          <p:cNvPr id="28" name="구부러진 연결선[U] 27">
+            <a:extLst>
+              <a:ext uri="{FF2B5EF4-FFF2-40B4-BE49-F238E27FC236}">
+                <a16:creationId xmlns:a16="http://schemas.microsoft.com/office/drawing/2014/main" id="{8EDA0D30-CB69-9331-E613-ABDD89C12A2F}"/>
+              </a:ext>
+            </a:extLst>
+          </p:cNvPr>
+          <p:cNvCxnSpPr>
+            <a:cxnSpLocks/>
+            <a:stCxn id="19" idx="4"/>
+            <a:endCxn id="22" idx="2"/>
+          </p:cNvCxnSpPr>
+          <p:nvPr/>
+        </p:nvCxnSpPr>
+        <p:spPr>
+          <a:xfrm rot="16200000" flipH="1">
+            <a:off x="6541238" y="5668148"/>
+            <a:ext cx="944526" cy="29239"/>
+          </a:xfrm>
+          <a:prstGeom prst="curvedConnector2">
+            <a:avLst/>
+          </a:prstGeom>
+          <a:ln>
+            <a:tailEnd type="triangle"/>
+          </a:ln>
+        </p:spPr>
+        <p:style>
+          <a:lnRef idx="3">
+            <a:schemeClr val="accent6"/>
+          </a:lnRef>
+          <a:fillRef idx="0">
+            <a:schemeClr val="accent6"/>
+          </a:fillRef>
+          <a:effectRef idx="2">
+            <a:schemeClr val="accent6"/>
+          </a:effectRef>
+          <a:fontRef idx="minor">
+            <a:schemeClr val="tx1"/>
+          </a:fontRef>
+        </p:style>
+      </p:cxnSp>
+      <p:cxnSp>
+        <p:nvCxnSpPr>
+          <p:cNvPr id="31" name="구부러진 연결선[U] 30">
+            <a:extLst>
+              <a:ext uri="{FF2B5EF4-FFF2-40B4-BE49-F238E27FC236}">
+                <a16:creationId xmlns:a16="http://schemas.microsoft.com/office/drawing/2014/main" id="{4EE61F8E-3094-7793-9C4C-8C5F9102FB8A}"/>
+              </a:ext>
+            </a:extLst>
+          </p:cNvPr>
+          <p:cNvCxnSpPr>
+            <a:cxnSpLocks/>
+            <a:stCxn id="22" idx="6"/>
+            <a:endCxn id="20" idx="2"/>
+          </p:cNvCxnSpPr>
+          <p:nvPr/>
+        </p:nvCxnSpPr>
+        <p:spPr>
+          <a:xfrm flipV="1">
+            <a:off x="7570382" y="5481636"/>
+            <a:ext cx="801872" cy="673395"/>
+          </a:xfrm>
+          <a:prstGeom prst="curvedConnector3">
+            <a:avLst>
+              <a:gd name="adj1" fmla="val 50000"/>
+            </a:avLst>
+          </a:prstGeom>
+          <a:ln>
+            <a:tailEnd type="triangle"/>
+          </a:ln>
+        </p:spPr>
+        <p:style>
+          <a:lnRef idx="3">
+            <a:schemeClr val="accent6"/>
+          </a:lnRef>
+          <a:fillRef idx="0">
+            <a:schemeClr val="accent6"/>
+          </a:fillRef>
+          <a:effectRef idx="2">
+            <a:schemeClr val="accent6"/>
+          </a:effectRef>
+          <a:fontRef idx="minor">
+            <a:schemeClr val="tx1"/>
+          </a:fontRef>
+        </p:style>
+      </p:cxnSp>
+      <p:cxnSp>
+        <p:nvCxnSpPr>
+          <p:cNvPr id="34" name="구부러진 연결선[U] 33">
+            <a:extLst>
+              <a:ext uri="{FF2B5EF4-FFF2-40B4-BE49-F238E27FC236}">
+                <a16:creationId xmlns:a16="http://schemas.microsoft.com/office/drawing/2014/main" id="{1D948A0B-A027-C9F7-3F81-D462B6778B76}"/>
+              </a:ext>
+            </a:extLst>
+          </p:cNvPr>
+          <p:cNvCxnSpPr>
+            <a:cxnSpLocks/>
+            <a:stCxn id="20" idx="6"/>
+            <a:endCxn id="21" idx="2"/>
+          </p:cNvCxnSpPr>
+          <p:nvPr/>
+        </p:nvCxnSpPr>
+        <p:spPr>
+          <a:xfrm flipV="1">
+            <a:off x="8914515" y="4397114"/>
+            <a:ext cx="995915" cy="1084522"/>
+          </a:xfrm>
+          <a:prstGeom prst="curvedConnector3">
+            <a:avLst>
+              <a:gd name="adj1" fmla="val 50000"/>
+            </a:avLst>
+          </a:prstGeom>
+          <a:ln>
+            <a:tailEnd type="triangle"/>
+          </a:ln>
+        </p:spPr>
+        <p:style>
+          <a:lnRef idx="3">
+            <a:schemeClr val="accent6"/>
+          </a:lnRef>
+          <a:fillRef idx="0">
+            <a:schemeClr val="accent6"/>
+          </a:fillRef>
+          <a:effectRef idx="2">
+            <a:schemeClr val="accent6"/>
+          </a:effectRef>
+          <a:fontRef idx="minor">
+            <a:schemeClr val="tx1"/>
+          </a:fontRef>
+        </p:style>
+      </p:cxnSp>
+      <p:cxnSp>
+        <p:nvCxnSpPr>
+          <p:cNvPr id="37" name="구부러진 연결선[U] 36">
+            <a:extLst>
+              <a:ext uri="{FF2B5EF4-FFF2-40B4-BE49-F238E27FC236}">
+                <a16:creationId xmlns:a16="http://schemas.microsoft.com/office/drawing/2014/main" id="{F1EFC19C-C28D-5C07-4AB8-FC97173F5480}"/>
+              </a:ext>
+            </a:extLst>
+          </p:cNvPr>
+          <p:cNvCxnSpPr>
+            <a:cxnSpLocks/>
+            <a:stCxn id="21" idx="6"/>
+            <a:endCxn id="23" idx="2"/>
+          </p:cNvCxnSpPr>
+          <p:nvPr/>
+        </p:nvCxnSpPr>
+        <p:spPr>
+          <a:xfrm>
+            <a:off x="10452691" y="4397114"/>
+            <a:ext cx="223283" cy="907312"/>
+          </a:xfrm>
+          <a:prstGeom prst="curvedConnector3">
+            <a:avLst>
+              <a:gd name="adj1" fmla="val 50000"/>
+            </a:avLst>
+          </a:prstGeom>
+          <a:ln>
+            <a:tailEnd type="triangle"/>
+          </a:ln>
+        </p:spPr>
+        <p:style>
+          <a:lnRef idx="3">
+            <a:schemeClr val="accent6"/>
+          </a:lnRef>
+          <a:fillRef idx="0">
+            <a:schemeClr val="accent6"/>
+          </a:fillRef>
+          <a:effectRef idx="2">
+            <a:schemeClr val="accent6"/>
+          </a:effectRef>
+          <a:fontRef idx="minor">
+            <a:schemeClr val="tx1"/>
+          </a:fontRef>
+        </p:style>
+      </p:cxnSp>
+      <p:cxnSp>
+        <p:nvCxnSpPr>
+          <p:cNvPr id="40" name="구부러진 연결선[U] 39">
+            <a:extLst>
+              <a:ext uri="{FF2B5EF4-FFF2-40B4-BE49-F238E27FC236}">
+                <a16:creationId xmlns:a16="http://schemas.microsoft.com/office/drawing/2014/main" id="{04410B71-E748-81C4-9186-1C8677313ECE}"/>
+              </a:ext>
+            </a:extLst>
+          </p:cNvPr>
+          <p:cNvCxnSpPr>
+            <a:cxnSpLocks/>
+            <a:stCxn id="23" idx="4"/>
+            <a:endCxn id="20" idx="4"/>
+          </p:cNvCxnSpPr>
+          <p:nvPr/>
+        </p:nvCxnSpPr>
+        <p:spPr>
+          <a:xfrm rot="5400000">
+            <a:off x="9706640" y="4512301"/>
+            <a:ext cx="177210" cy="2303720"/>
+          </a:xfrm>
+          <a:prstGeom prst="curvedConnector3">
+            <a:avLst>
+              <a:gd name="adj1" fmla="val 228999"/>
+            </a:avLst>
+          </a:prstGeom>
+          <a:ln>
+            <a:tailEnd type="triangle"/>
+          </a:ln>
+        </p:spPr>
+        <p:style>
+          <a:lnRef idx="3">
+            <a:schemeClr val="accent6"/>
+          </a:lnRef>
+          <a:fillRef idx="0">
+            <a:schemeClr val="accent6"/>
+          </a:fillRef>
+          <a:effectRef idx="2">
+            <a:schemeClr val="accent6"/>
+          </a:effectRef>
+          <a:fontRef idx="minor">
+            <a:schemeClr val="tx1"/>
+          </a:fontRef>
+        </p:style>
+      </p:cxnSp>
+      <p:cxnSp>
+        <p:nvCxnSpPr>
+          <p:cNvPr id="44" name="구부러진 연결선[U] 43">
+            <a:extLst>
+              <a:ext uri="{FF2B5EF4-FFF2-40B4-BE49-F238E27FC236}">
+                <a16:creationId xmlns:a16="http://schemas.microsoft.com/office/drawing/2014/main" id="{05FFA490-98EA-C3E4-5094-6B35DC7452AE}"/>
+              </a:ext>
+            </a:extLst>
+          </p:cNvPr>
+          <p:cNvCxnSpPr>
+            <a:cxnSpLocks/>
+            <a:stCxn id="21" idx="0"/>
+            <a:endCxn id="19" idx="6"/>
+          </p:cNvCxnSpPr>
+          <p:nvPr/>
+        </p:nvCxnSpPr>
+        <p:spPr>
+          <a:xfrm rot="16200000" flipH="1" flipV="1">
+            <a:off x="8319091" y="3076904"/>
+            <a:ext cx="813392" cy="2911549"/>
+          </a:xfrm>
+          <a:prstGeom prst="curvedConnector4">
+            <a:avLst>
+              <a:gd name="adj1" fmla="val -28105"/>
+              <a:gd name="adj2" fmla="val 54656"/>
+            </a:avLst>
+          </a:prstGeom>
+          <a:ln>
+            <a:tailEnd type="triangle"/>
+          </a:ln>
+        </p:spPr>
+        <p:style>
+          <a:lnRef idx="3">
+            <a:schemeClr val="accent6"/>
+          </a:lnRef>
+          <a:fillRef idx="0">
+            <a:schemeClr val="accent6"/>
+          </a:fillRef>
+          <a:effectRef idx="2">
+            <a:schemeClr val="accent6"/>
+          </a:effectRef>
+          <a:fontRef idx="minor">
+            <a:schemeClr val="tx1"/>
+          </a:fontRef>
+        </p:style>
+      </p:cxnSp>
+      <p:cxnSp>
+        <p:nvCxnSpPr>
+          <p:cNvPr id="47" name="구부러진 연결선[U] 46">
+            <a:extLst>
+              <a:ext uri="{FF2B5EF4-FFF2-40B4-BE49-F238E27FC236}">
+                <a16:creationId xmlns:a16="http://schemas.microsoft.com/office/drawing/2014/main" id="{58F80E5E-4825-38D0-630D-724BC4744F25}"/>
+              </a:ext>
+            </a:extLst>
+          </p:cNvPr>
+          <p:cNvCxnSpPr>
+            <a:cxnSpLocks/>
+            <a:stCxn id="22" idx="4"/>
+            <a:endCxn id="21" idx="4"/>
+          </p:cNvCxnSpPr>
+          <p:nvPr/>
+        </p:nvCxnSpPr>
+        <p:spPr>
+          <a:xfrm rot="5400000" flipH="1" flipV="1">
+            <a:off x="7861447" y="4106048"/>
+            <a:ext cx="1757917" cy="2882309"/>
+          </a:xfrm>
+          <a:prstGeom prst="curvedConnector3">
+            <a:avLst>
+              <a:gd name="adj1" fmla="val -13004"/>
+            </a:avLst>
+          </a:prstGeom>
+          <a:ln>
+            <a:tailEnd type="triangle"/>
+          </a:ln>
+        </p:spPr>
+        <p:style>
+          <a:lnRef idx="3">
+            <a:schemeClr val="accent6"/>
+          </a:lnRef>
+          <a:fillRef idx="0">
+            <a:schemeClr val="accent6"/>
+          </a:fillRef>
+          <a:effectRef idx="2">
+            <a:schemeClr val="accent6"/>
+          </a:effectRef>
+          <a:fontRef idx="minor">
+            <a:schemeClr val="tx1"/>
+          </a:fontRef>
+        </p:style>
+      </p:cxnSp>
+      <p:cxnSp>
+        <p:nvCxnSpPr>
+          <p:cNvPr id="50" name="구부러진 연결선[U] 49">
+            <a:extLst>
+              <a:ext uri="{FF2B5EF4-FFF2-40B4-BE49-F238E27FC236}">
+                <a16:creationId xmlns:a16="http://schemas.microsoft.com/office/drawing/2014/main" id="{8C312A05-068C-2043-5ADC-4ED43AD20125}"/>
+              </a:ext>
+            </a:extLst>
+          </p:cNvPr>
+          <p:cNvCxnSpPr>
+            <a:cxnSpLocks/>
+            <a:stCxn id="19" idx="5"/>
+            <a:endCxn id="20" idx="0"/>
+          </p:cNvCxnSpPr>
+          <p:nvPr/>
+        </p:nvCxnSpPr>
+        <p:spPr>
+          <a:xfrm rot="16200000" flipH="1">
+            <a:off x="7877286" y="4444406"/>
+            <a:ext cx="79412" cy="1452785"/>
+          </a:xfrm>
+          <a:prstGeom prst="curvedConnector5">
+            <a:avLst>
+              <a:gd name="adj1" fmla="val 287866"/>
+              <a:gd name="adj2" fmla="val 43402"/>
+              <a:gd name="adj3" fmla="val -187866"/>
+            </a:avLst>
+          </a:prstGeom>
+          <a:ln>
+            <a:tailEnd type="triangle"/>
+          </a:ln>
+        </p:spPr>
+        <p:style>
+          <a:lnRef idx="3">
+            <a:schemeClr val="accent6"/>
+          </a:lnRef>
+          <a:fillRef idx="0">
+            <a:schemeClr val="accent6"/>
+          </a:fillRef>
+          <a:effectRef idx="2">
+            <a:schemeClr val="accent6"/>
+          </a:effectRef>
+          <a:fontRef idx="minor">
+            <a:schemeClr val="tx1"/>
+          </a:fontRef>
+        </p:style>
+      </p:cxnSp>
+      <p:sp>
+        <p:nvSpPr>
+          <p:cNvPr id="53" name="TextBox 52">
+            <a:extLst>
+              <a:ext uri="{FF2B5EF4-FFF2-40B4-BE49-F238E27FC236}">
+                <a16:creationId xmlns:a16="http://schemas.microsoft.com/office/drawing/2014/main" id="{D58BA744-2D9F-328F-55AF-8F9AB8858DAB}"/>
+              </a:ext>
+            </a:extLst>
+          </p:cNvPr>
+          <p:cNvSpPr txBox="1"/>
+          <p:nvPr/>
+        </p:nvSpPr>
+        <p:spPr>
+          <a:xfrm>
+            <a:off x="3537984" y="6149162"/>
+            <a:ext cx="2558016" cy="276999"/>
+          </a:xfrm>
+          <a:prstGeom prst="rect">
+            <a:avLst/>
+          </a:prstGeom>
+          <a:ln/>
+        </p:spPr>
+        <p:style>
+          <a:lnRef idx="2">
+            <a:schemeClr val="accent6"/>
+          </a:lnRef>
+          <a:fillRef idx="1">
+            <a:schemeClr val="lt1"/>
+          </a:fillRef>
+          <a:effectRef idx="0">
+            <a:schemeClr val="accent6"/>
+          </a:effectRef>
+          <a:fontRef idx="minor">
+            <a:schemeClr val="dk1"/>
+          </a:fontRef>
+        </p:style>
+        <p:txBody>
+          <a:bodyPr wrap="square" rtlCol="0">
+            <a:spAutoFit/>
+          </a:bodyPr>
+          <a:lstStyle/>
+          <a:p>
+            <a:pPr algn="ctr"/>
+            <a:r>
+              <a:rPr kumimoji="1" lang="ko-KR" altLang="en-US" sz="1200" dirty="0"/>
+              <a:t>링크를 타며 이리저리 돌아다님</a:t>
+            </a:r>
+            <a:endParaRPr kumimoji="1" lang="ko-Kore-KR" altLang="en-US" sz="1200" dirty="0"/>
+          </a:p>
+        </p:txBody>
+      </p:sp>
+      <p:sp>
+        <p:nvSpPr>
+          <p:cNvPr id="54" name="TextBox 53">
+            <a:extLst>
+              <a:ext uri="{FF2B5EF4-FFF2-40B4-BE49-F238E27FC236}">
+                <a16:creationId xmlns:a16="http://schemas.microsoft.com/office/drawing/2014/main" id="{52DE4E31-CC89-84C2-D04C-753A6296899B}"/>
+              </a:ext>
+            </a:extLst>
+          </p:cNvPr>
+          <p:cNvSpPr txBox="1"/>
+          <p:nvPr/>
+        </p:nvSpPr>
+        <p:spPr>
+          <a:xfrm>
+            <a:off x="8195930" y="4451828"/>
+            <a:ext cx="1373373" cy="276999"/>
+          </a:xfrm>
+          <a:prstGeom prst="rect">
+            <a:avLst/>
+          </a:prstGeom>
+          <a:ln/>
+        </p:spPr>
+        <p:style>
+          <a:lnRef idx="2">
+            <a:schemeClr val="accent6"/>
+          </a:lnRef>
+          <a:fillRef idx="1">
+            <a:schemeClr val="lt1"/>
+          </a:fillRef>
+          <a:effectRef idx="0">
+            <a:schemeClr val="accent6"/>
+          </a:effectRef>
+          <a:fontRef idx="minor">
+            <a:schemeClr val="dk1"/>
+          </a:fontRef>
+        </p:style>
+        <p:txBody>
+          <a:bodyPr wrap="square" rtlCol="0">
+            <a:spAutoFit/>
+          </a:bodyPr>
+          <a:lstStyle/>
+          <a:p>
+            <a:pPr algn="ctr"/>
+            <a:r>
+              <a:rPr kumimoji="1" lang="en-US" altLang="ko-Kore-KR" sz="1200" dirty="0"/>
+              <a:t>browsing</a:t>
             </a:r>
             <a:endParaRPr kumimoji="1" lang="ko-Kore-KR" altLang="en-US" sz="1200" dirty="0"/>
           </a:p>
@@ -13165,6 +13686,1150 @@
           <a:chExt cx="0" cy="0"/>
         </a:xfrm>
       </p:grpSpPr>
+      <p:sp>
+        <p:nvSpPr>
+          <p:cNvPr id="3" name="타원 2">
+            <a:extLst>
+              <a:ext uri="{FF2B5EF4-FFF2-40B4-BE49-F238E27FC236}">
+                <a16:creationId xmlns:a16="http://schemas.microsoft.com/office/drawing/2014/main" id="{6ED6EF4B-D0FD-469E-FD2E-A58CDA90053F}"/>
+              </a:ext>
+            </a:extLst>
+          </p:cNvPr>
+          <p:cNvSpPr/>
+          <p:nvPr/>
+        </p:nvSpPr>
+        <p:spPr>
+          <a:xfrm>
+            <a:off x="1499192" y="1722475"/>
+            <a:ext cx="1531088" cy="1531088"/>
+          </a:xfrm>
+          <a:prstGeom prst="ellipse">
+            <a:avLst/>
+          </a:prstGeom>
+        </p:spPr>
+        <p:style>
+          <a:lnRef idx="3">
+            <a:schemeClr val="lt1"/>
+          </a:lnRef>
+          <a:fillRef idx="1">
+            <a:schemeClr val="accent6"/>
+          </a:fillRef>
+          <a:effectRef idx="1">
+            <a:schemeClr val="accent6"/>
+          </a:effectRef>
+          <a:fontRef idx="minor">
+            <a:schemeClr val="lt1"/>
+          </a:fontRef>
+        </p:style>
+        <p:txBody>
+          <a:bodyPr rtlCol="0" anchor="ctr"/>
+          <a:lstStyle/>
+          <a:p>
+            <a:pPr algn="ctr"/>
+            <a:r>
+              <a:rPr kumimoji="1" lang="en-US" altLang="ko-Kore-KR" dirty="0"/>
+              <a:t>HTTP</a:t>
+            </a:r>
+          </a:p>
+          <a:p>
+            <a:pPr algn="ctr"/>
+            <a:r>
+              <a:rPr kumimoji="1" lang="en-US" altLang="ko-Kore-KR" dirty="0"/>
+              <a:t>Client</a:t>
+            </a:r>
+            <a:endParaRPr kumimoji="1" lang="ko-Kore-KR" altLang="en-US" dirty="0"/>
+          </a:p>
+        </p:txBody>
+      </p:sp>
+      <p:sp>
+        <p:nvSpPr>
+          <p:cNvPr id="4" name="타원 3">
+            <a:extLst>
+              <a:ext uri="{FF2B5EF4-FFF2-40B4-BE49-F238E27FC236}">
+                <a16:creationId xmlns:a16="http://schemas.microsoft.com/office/drawing/2014/main" id="{BC986997-CFD9-6780-1C3B-CD917D5A3F0A}"/>
+              </a:ext>
+            </a:extLst>
+          </p:cNvPr>
+          <p:cNvSpPr/>
+          <p:nvPr/>
+        </p:nvSpPr>
+        <p:spPr>
+          <a:xfrm>
+            <a:off x="7191155" y="1722475"/>
+            <a:ext cx="1531088" cy="1531088"/>
+          </a:xfrm>
+          <a:prstGeom prst="ellipse">
+            <a:avLst/>
+          </a:prstGeom>
+        </p:spPr>
+        <p:style>
+          <a:lnRef idx="2">
+            <a:schemeClr val="accent1">
+              <a:shade val="50000"/>
+            </a:schemeClr>
+          </a:lnRef>
+          <a:fillRef idx="1">
+            <a:schemeClr val="accent1"/>
+          </a:fillRef>
+          <a:effectRef idx="0">
+            <a:schemeClr val="accent1"/>
+          </a:effectRef>
+          <a:fontRef idx="minor">
+            <a:schemeClr val="lt1"/>
+          </a:fontRef>
+        </p:style>
+        <p:txBody>
+          <a:bodyPr rtlCol="0" anchor="ctr"/>
+          <a:lstStyle/>
+          <a:p>
+            <a:pPr algn="ctr"/>
+            <a:r>
+              <a:rPr kumimoji="1" lang="en-US" altLang="ko-Kore-KR" dirty="0"/>
+              <a:t>HTTP</a:t>
+            </a:r>
+          </a:p>
+          <a:p>
+            <a:pPr algn="ctr"/>
+            <a:r>
+              <a:rPr kumimoji="1" lang="en-US" altLang="ko-Kore-KR" dirty="0"/>
+              <a:t>Server</a:t>
+            </a:r>
+            <a:endParaRPr kumimoji="1" lang="ko-Kore-KR" altLang="en-US" dirty="0"/>
+          </a:p>
+        </p:txBody>
+      </p:sp>
+      <p:sp>
+        <p:nvSpPr>
+          <p:cNvPr id="5" name="TextBox 4">
+            <a:extLst>
+              <a:ext uri="{FF2B5EF4-FFF2-40B4-BE49-F238E27FC236}">
+                <a16:creationId xmlns:a16="http://schemas.microsoft.com/office/drawing/2014/main" id="{0659E035-1C0B-5245-C671-F967B5F4646F}"/>
+              </a:ext>
+            </a:extLst>
+          </p:cNvPr>
+          <p:cNvSpPr txBox="1"/>
+          <p:nvPr/>
+        </p:nvSpPr>
+        <p:spPr>
+          <a:xfrm>
+            <a:off x="4389475" y="2172123"/>
+            <a:ext cx="1415902" cy="646331"/>
+          </a:xfrm>
+          <a:prstGeom prst="rect">
+            <a:avLst/>
+          </a:prstGeom>
+          <a:ln/>
+        </p:spPr>
+        <p:style>
+          <a:lnRef idx="3">
+            <a:schemeClr val="lt1"/>
+          </a:lnRef>
+          <a:fillRef idx="1">
+            <a:schemeClr val="accent2"/>
+          </a:fillRef>
+          <a:effectRef idx="1">
+            <a:schemeClr val="accent2"/>
+          </a:effectRef>
+          <a:fontRef idx="minor">
+            <a:schemeClr val="lt1"/>
+          </a:fontRef>
+        </p:style>
+        <p:txBody>
+          <a:bodyPr wrap="square" rtlCol="0">
+            <a:spAutoFit/>
+          </a:bodyPr>
+          <a:lstStyle/>
+          <a:p>
+            <a:pPr algn="ctr"/>
+            <a:r>
+              <a:rPr kumimoji="1" lang="en-US" altLang="ko-KR" b="1" dirty="0"/>
+              <a:t>HTTP</a:t>
+            </a:r>
+          </a:p>
+          <a:p>
+            <a:pPr algn="ctr"/>
+            <a:r>
+              <a:rPr kumimoji="1" lang="ko-KR" altLang="en-US" b="1" dirty="0"/>
+              <a:t>통신</a:t>
+            </a:r>
+            <a:endParaRPr kumimoji="1" lang="ko-Kore-KR" altLang="en-US" b="1" dirty="0"/>
+          </a:p>
+        </p:txBody>
+      </p:sp>
+      <p:cxnSp>
+        <p:nvCxnSpPr>
+          <p:cNvPr id="7" name="구부러진 연결선[U] 6">
+            <a:extLst>
+              <a:ext uri="{FF2B5EF4-FFF2-40B4-BE49-F238E27FC236}">
+                <a16:creationId xmlns:a16="http://schemas.microsoft.com/office/drawing/2014/main" id="{4CB5EEA1-F5B0-9054-DEE6-D55AC0E16050}"/>
+              </a:ext>
+            </a:extLst>
+          </p:cNvPr>
+          <p:cNvCxnSpPr>
+            <a:stCxn id="3" idx="0"/>
+            <a:endCxn id="4" idx="0"/>
+          </p:cNvCxnSpPr>
+          <p:nvPr/>
+        </p:nvCxnSpPr>
+        <p:spPr>
+          <a:xfrm rot="5400000" flipH="1" flipV="1">
+            <a:off x="5110717" y="-1123506"/>
+            <a:ext cx="12700" cy="5691963"/>
+          </a:xfrm>
+          <a:prstGeom prst="curvedConnector3">
+            <a:avLst>
+              <a:gd name="adj1" fmla="val 1800000"/>
+            </a:avLst>
+          </a:prstGeom>
+          <a:ln>
+            <a:tailEnd type="triangle"/>
+          </a:ln>
+        </p:spPr>
+        <p:style>
+          <a:lnRef idx="3">
+            <a:schemeClr val="accent2"/>
+          </a:lnRef>
+          <a:fillRef idx="0">
+            <a:schemeClr val="accent2"/>
+          </a:fillRef>
+          <a:effectRef idx="2">
+            <a:schemeClr val="accent2"/>
+          </a:effectRef>
+          <a:fontRef idx="minor">
+            <a:schemeClr val="tx1"/>
+          </a:fontRef>
+        </p:style>
+      </p:cxnSp>
+      <p:cxnSp>
+        <p:nvCxnSpPr>
+          <p:cNvPr id="8" name="구부러진 연결선[U] 7">
+            <a:extLst>
+              <a:ext uri="{FF2B5EF4-FFF2-40B4-BE49-F238E27FC236}">
+                <a16:creationId xmlns:a16="http://schemas.microsoft.com/office/drawing/2014/main" id="{8FCFA3AF-05F8-E288-4CF3-661C3851BEC0}"/>
+              </a:ext>
+            </a:extLst>
+          </p:cNvPr>
+          <p:cNvCxnSpPr>
+            <a:cxnSpLocks/>
+            <a:stCxn id="4" idx="4"/>
+            <a:endCxn id="3" idx="4"/>
+          </p:cNvCxnSpPr>
+          <p:nvPr/>
+        </p:nvCxnSpPr>
+        <p:spPr>
+          <a:xfrm rot="5400000">
+            <a:off x="5110718" y="407582"/>
+            <a:ext cx="12700" cy="5691963"/>
+          </a:xfrm>
+          <a:prstGeom prst="curvedConnector3">
+            <a:avLst>
+              <a:gd name="adj1" fmla="val 1800000"/>
+            </a:avLst>
+          </a:prstGeom>
+          <a:ln>
+            <a:tailEnd type="triangle"/>
+          </a:ln>
+        </p:spPr>
+        <p:style>
+          <a:lnRef idx="3">
+            <a:schemeClr val="accent2"/>
+          </a:lnRef>
+          <a:fillRef idx="0">
+            <a:schemeClr val="accent2"/>
+          </a:fillRef>
+          <a:effectRef idx="2">
+            <a:schemeClr val="accent2"/>
+          </a:effectRef>
+          <a:fontRef idx="minor">
+            <a:schemeClr val="tx1"/>
+          </a:fontRef>
+        </p:style>
+      </p:cxnSp>
+      <p:sp>
+        <p:nvSpPr>
+          <p:cNvPr id="11" name="TextBox 10">
+            <a:extLst>
+              <a:ext uri="{FF2B5EF4-FFF2-40B4-BE49-F238E27FC236}">
+                <a16:creationId xmlns:a16="http://schemas.microsoft.com/office/drawing/2014/main" id="{C7C0E68C-A497-74BF-A019-B59CDB92094F}"/>
+              </a:ext>
+            </a:extLst>
+          </p:cNvPr>
+          <p:cNvSpPr txBox="1"/>
+          <p:nvPr/>
+        </p:nvSpPr>
+        <p:spPr>
+          <a:xfrm>
+            <a:off x="4273919" y="1355977"/>
+            <a:ext cx="1647013" cy="276999"/>
+          </a:xfrm>
+          <a:prstGeom prst="rect">
+            <a:avLst/>
+          </a:prstGeom>
+          <a:ln/>
+        </p:spPr>
+        <p:style>
+          <a:lnRef idx="2">
+            <a:schemeClr val="accent2"/>
+          </a:lnRef>
+          <a:fillRef idx="1">
+            <a:schemeClr val="lt1"/>
+          </a:fillRef>
+          <a:effectRef idx="0">
+            <a:schemeClr val="accent2"/>
+          </a:effectRef>
+          <a:fontRef idx="minor">
+            <a:schemeClr val="dk1"/>
+          </a:fontRef>
+        </p:style>
+        <p:txBody>
+          <a:bodyPr wrap="square" rtlCol="0">
+            <a:spAutoFit/>
+          </a:bodyPr>
+          <a:lstStyle/>
+          <a:p>
+            <a:pPr algn="ctr"/>
+            <a:r>
+              <a:rPr kumimoji="1" lang="en-US" altLang="ko-KR" sz="1200" dirty="0"/>
+              <a:t>/</a:t>
+            </a:r>
+            <a:r>
+              <a:rPr kumimoji="1" lang="en-US" altLang="ko-KR" sz="1200" dirty="0" err="1"/>
+              <a:t>index.html</a:t>
+            </a:r>
+            <a:r>
+              <a:rPr kumimoji="1" lang="en-US" altLang="ko-KR" sz="1200" dirty="0"/>
+              <a:t> </a:t>
+            </a:r>
+            <a:r>
+              <a:rPr kumimoji="1" lang="ko-KR" altLang="en-US" sz="1200" dirty="0"/>
+              <a:t>요청</a:t>
+            </a:r>
+            <a:endParaRPr kumimoji="1" lang="ko-Kore-KR" altLang="en-US" sz="1200" dirty="0"/>
+          </a:p>
+        </p:txBody>
+      </p:sp>
+      <p:sp>
+        <p:nvSpPr>
+          <p:cNvPr id="12" name="한쪽 모서리는 잘리고 다른 쪽 모서리는 둥근 사각형 11">
+            <a:extLst>
+              <a:ext uri="{FF2B5EF4-FFF2-40B4-BE49-F238E27FC236}">
+                <a16:creationId xmlns:a16="http://schemas.microsoft.com/office/drawing/2014/main" id="{519525F2-E1DD-1BF9-F18F-4A788653A168}"/>
+              </a:ext>
+            </a:extLst>
+          </p:cNvPr>
+          <p:cNvSpPr/>
+          <p:nvPr/>
+        </p:nvSpPr>
+        <p:spPr>
+          <a:xfrm>
+            <a:off x="4842761" y="3259914"/>
+            <a:ext cx="633005" cy="548610"/>
+          </a:xfrm>
+          <a:prstGeom prst="snipRoundRect">
+            <a:avLst/>
+          </a:prstGeom>
+        </p:spPr>
+        <p:style>
+          <a:lnRef idx="1">
+            <a:schemeClr val="accent2"/>
+          </a:lnRef>
+          <a:fillRef idx="2">
+            <a:schemeClr val="accent2"/>
+          </a:fillRef>
+          <a:effectRef idx="1">
+            <a:schemeClr val="accent2"/>
+          </a:effectRef>
+          <a:fontRef idx="minor">
+            <a:schemeClr val="dk1"/>
+          </a:fontRef>
+        </p:style>
+        <p:txBody>
+          <a:bodyPr rtlCol="0" anchor="ctr"/>
+          <a:lstStyle/>
+          <a:p>
+            <a:pPr algn="ctr"/>
+            <a:r>
+              <a:rPr kumimoji="1" lang="en-US" altLang="ko-Kore-KR" sz="1000" dirty="0"/>
+              <a:t>HTML</a:t>
+            </a:r>
+            <a:endParaRPr kumimoji="1" lang="ko-Kore-KR" altLang="en-US" sz="1000" dirty="0"/>
+          </a:p>
+        </p:txBody>
+      </p:sp>
+      <p:sp>
+        <p:nvSpPr>
+          <p:cNvPr id="13" name="직사각형 12">
+            <a:extLst>
+              <a:ext uri="{FF2B5EF4-FFF2-40B4-BE49-F238E27FC236}">
+                <a16:creationId xmlns:a16="http://schemas.microsoft.com/office/drawing/2014/main" id="{782D2CD1-866E-BFDB-3725-B739D39CD4AB}"/>
+              </a:ext>
+            </a:extLst>
+          </p:cNvPr>
+          <p:cNvSpPr/>
+          <p:nvPr/>
+        </p:nvSpPr>
+        <p:spPr>
+          <a:xfrm>
+            <a:off x="10008044" y="569167"/>
+            <a:ext cx="893135" cy="786810"/>
+          </a:xfrm>
+          <a:prstGeom prst="rect">
+            <a:avLst/>
+          </a:prstGeom>
+        </p:spPr>
+        <p:style>
+          <a:lnRef idx="2">
+            <a:schemeClr val="accent1">
+              <a:shade val="50000"/>
+            </a:schemeClr>
+          </a:lnRef>
+          <a:fillRef idx="1">
+            <a:schemeClr val="accent1"/>
+          </a:fillRef>
+          <a:effectRef idx="0">
+            <a:schemeClr val="accent1"/>
+          </a:effectRef>
+          <a:fontRef idx="minor">
+            <a:schemeClr val="lt1"/>
+          </a:fontRef>
+        </p:style>
+        <p:txBody>
+          <a:bodyPr rtlCol="0" anchor="ctr"/>
+          <a:lstStyle/>
+          <a:p>
+            <a:pPr algn="ctr"/>
+            <a:r>
+              <a:rPr kumimoji="1" lang="en-US" altLang="ko-Kore-KR" dirty="0"/>
+              <a:t>App</a:t>
+            </a:r>
+            <a:endParaRPr kumimoji="1" lang="ko-Kore-KR" altLang="en-US" dirty="0"/>
+          </a:p>
+        </p:txBody>
+      </p:sp>
+      <p:cxnSp>
+        <p:nvCxnSpPr>
+          <p:cNvPr id="15" name="직선 화살표 연결선 14">
+            <a:extLst>
+              <a:ext uri="{FF2B5EF4-FFF2-40B4-BE49-F238E27FC236}">
+                <a16:creationId xmlns:a16="http://schemas.microsoft.com/office/drawing/2014/main" id="{67D2A1DE-F7B9-CFAD-CD2A-0246DE2A78A7}"/>
+              </a:ext>
+            </a:extLst>
+          </p:cNvPr>
+          <p:cNvCxnSpPr>
+            <a:stCxn id="4" idx="7"/>
+            <a:endCxn id="13" idx="1"/>
+          </p:cNvCxnSpPr>
+          <p:nvPr/>
+        </p:nvCxnSpPr>
+        <p:spPr>
+          <a:xfrm flipV="1">
+            <a:off x="8498020" y="962572"/>
+            <a:ext cx="1510024" cy="984126"/>
+          </a:xfrm>
+          <a:prstGeom prst="straightConnector1">
+            <a:avLst/>
+          </a:prstGeom>
+          <a:ln>
+            <a:tailEnd type="triangle"/>
+          </a:ln>
+        </p:spPr>
+        <p:style>
+          <a:lnRef idx="3">
+            <a:schemeClr val="accent1"/>
+          </a:lnRef>
+          <a:fillRef idx="0">
+            <a:schemeClr val="accent1"/>
+          </a:fillRef>
+          <a:effectRef idx="2">
+            <a:schemeClr val="accent1"/>
+          </a:effectRef>
+          <a:fontRef idx="minor">
+            <a:schemeClr val="tx1"/>
+          </a:fontRef>
+        </p:style>
+      </p:cxnSp>
+      <p:sp>
+        <p:nvSpPr>
+          <p:cNvPr id="16" name="TextBox 15">
+            <a:extLst>
+              <a:ext uri="{FF2B5EF4-FFF2-40B4-BE49-F238E27FC236}">
+                <a16:creationId xmlns:a16="http://schemas.microsoft.com/office/drawing/2014/main" id="{8524C1B3-66A2-CF9C-34AB-FB3603969491}"/>
+              </a:ext>
+            </a:extLst>
+          </p:cNvPr>
+          <p:cNvSpPr txBox="1"/>
+          <p:nvPr/>
+        </p:nvSpPr>
+        <p:spPr>
+          <a:xfrm>
+            <a:off x="8936529" y="1316135"/>
+            <a:ext cx="633005" cy="276999"/>
+          </a:xfrm>
+          <a:prstGeom prst="rect">
+            <a:avLst/>
+          </a:prstGeom>
+          <a:ln/>
+        </p:spPr>
+        <p:style>
+          <a:lnRef idx="2">
+            <a:schemeClr val="accent1"/>
+          </a:lnRef>
+          <a:fillRef idx="1">
+            <a:schemeClr val="lt1"/>
+          </a:fillRef>
+          <a:effectRef idx="0">
+            <a:schemeClr val="accent1"/>
+          </a:effectRef>
+          <a:fontRef idx="minor">
+            <a:schemeClr val="dk1"/>
+          </a:fontRef>
+        </p:style>
+        <p:txBody>
+          <a:bodyPr wrap="square" rtlCol="0">
+            <a:spAutoFit/>
+          </a:bodyPr>
+          <a:lstStyle/>
+          <a:p>
+            <a:pPr algn="ctr"/>
+            <a:r>
+              <a:rPr kumimoji="1" lang="ko-KR" altLang="en-US" sz="1200" dirty="0"/>
+              <a:t>실행</a:t>
+            </a:r>
+            <a:endParaRPr kumimoji="1" lang="ko-Kore-KR" altLang="en-US" sz="1200" dirty="0"/>
+          </a:p>
+        </p:txBody>
+      </p:sp>
+      <p:sp>
+        <p:nvSpPr>
+          <p:cNvPr id="17" name="한쪽 모서리는 잘리고 다른 쪽 모서리는 둥근 사각형 16">
+            <a:extLst>
+              <a:ext uri="{FF2B5EF4-FFF2-40B4-BE49-F238E27FC236}">
+                <a16:creationId xmlns:a16="http://schemas.microsoft.com/office/drawing/2014/main" id="{311E4AAB-D394-EF19-273C-305D8864C032}"/>
+              </a:ext>
+            </a:extLst>
+          </p:cNvPr>
+          <p:cNvSpPr/>
+          <p:nvPr/>
+        </p:nvSpPr>
+        <p:spPr>
+          <a:xfrm>
+            <a:off x="7493062" y="4010777"/>
+            <a:ext cx="1071514" cy="1301813"/>
+          </a:xfrm>
+          <a:prstGeom prst="snipRoundRect">
+            <a:avLst/>
+          </a:prstGeom>
+        </p:spPr>
+        <p:style>
+          <a:lnRef idx="2">
+            <a:schemeClr val="accent2">
+              <a:shade val="50000"/>
+            </a:schemeClr>
+          </a:lnRef>
+          <a:fillRef idx="1">
+            <a:schemeClr val="accent2"/>
+          </a:fillRef>
+          <a:effectRef idx="0">
+            <a:schemeClr val="accent2"/>
+          </a:effectRef>
+          <a:fontRef idx="minor">
+            <a:schemeClr val="lt1"/>
+          </a:fontRef>
+        </p:style>
+        <p:txBody>
+          <a:bodyPr rtlCol="0" anchor="ctr"/>
+          <a:lstStyle/>
+          <a:p>
+            <a:pPr algn="ctr"/>
+            <a:r>
+              <a:rPr kumimoji="1" lang="en-US" altLang="ko-Kore-KR" dirty="0"/>
+              <a:t>HTML</a:t>
+            </a:r>
+            <a:endParaRPr kumimoji="1" lang="ko-Kore-KR" altLang="en-US" dirty="0"/>
+          </a:p>
+        </p:txBody>
+      </p:sp>
+      <p:sp>
+        <p:nvSpPr>
+          <p:cNvPr id="18" name="모서리가 둥근 직사각형 17">
+            <a:extLst>
+              <a:ext uri="{FF2B5EF4-FFF2-40B4-BE49-F238E27FC236}">
+                <a16:creationId xmlns:a16="http://schemas.microsoft.com/office/drawing/2014/main" id="{070E7416-368F-CE1F-9491-0F4FC41033C2}"/>
+              </a:ext>
+            </a:extLst>
+          </p:cNvPr>
+          <p:cNvSpPr/>
+          <p:nvPr/>
+        </p:nvSpPr>
+        <p:spPr>
+          <a:xfrm>
+            <a:off x="6390167" y="5541865"/>
+            <a:ext cx="1477926" cy="1124749"/>
+          </a:xfrm>
+          <a:prstGeom prst="roundRect">
+            <a:avLst/>
+          </a:prstGeom>
+        </p:spPr>
+        <p:style>
+          <a:lnRef idx="3">
+            <a:schemeClr val="lt1"/>
+          </a:lnRef>
+          <a:fillRef idx="1">
+            <a:schemeClr val="accent3"/>
+          </a:fillRef>
+          <a:effectRef idx="1">
+            <a:schemeClr val="accent3"/>
+          </a:effectRef>
+          <a:fontRef idx="minor">
+            <a:schemeClr val="lt1"/>
+          </a:fontRef>
+        </p:style>
+        <p:txBody>
+          <a:bodyPr rtlCol="0" anchor="ctr"/>
+          <a:lstStyle/>
+          <a:p>
+            <a:pPr algn="ctr"/>
+            <a:r>
+              <a:rPr kumimoji="1" lang="en-US" altLang="ko-Kore-KR" sz="1600" dirty="0"/>
+              <a:t>Application</a:t>
+            </a:r>
+          </a:p>
+          <a:p>
+            <a:pPr algn="ctr"/>
+            <a:r>
+              <a:rPr kumimoji="1" lang="ko-KR" altLang="en-US" sz="1600" dirty="0"/>
+              <a:t>프로그래밍</a:t>
+            </a:r>
+            <a:endParaRPr kumimoji="1" lang="en-US" altLang="ko-Kore-KR" sz="1600" dirty="0"/>
+          </a:p>
+          <a:p>
+            <a:pPr algn="ctr"/>
+            <a:r>
+              <a:rPr kumimoji="1" lang="ko-Kore-KR" altLang="en-US" sz="1600" dirty="0"/>
+              <a:t>방문자수</a:t>
+            </a:r>
+            <a:endParaRPr kumimoji="1" lang="en-US" altLang="ko-Kore-KR" sz="1600" dirty="0"/>
+          </a:p>
+          <a:p>
+            <a:pPr algn="ctr"/>
+            <a:r>
+              <a:rPr kumimoji="1" lang="en-US" altLang="ko-Kore-KR" sz="1600" dirty="0">
+                <a:sym typeface="Wingdings" pitchFamily="2" charset="2"/>
+              </a:rPr>
+              <a:t></a:t>
+            </a:r>
+            <a:r>
+              <a:rPr kumimoji="1" lang="ko-Kore-KR" altLang="en-US" sz="1600" dirty="0">
+                <a:sym typeface="Wingdings" pitchFamily="2" charset="2"/>
+              </a:rPr>
+              <a:t> 그림</a:t>
+            </a:r>
+            <a:r>
+              <a:rPr kumimoji="1" lang="en-US" altLang="ko-Kore-KR" sz="1600" dirty="0">
+                <a:sym typeface="Wingdings" pitchFamily="2" charset="2"/>
+              </a:rPr>
+              <a:t>(</a:t>
+            </a:r>
+            <a:r>
+              <a:rPr kumimoji="1" lang="en-US" altLang="ko-KR" sz="1600" dirty="0">
+                <a:sym typeface="Wingdings" pitchFamily="2" charset="2"/>
+              </a:rPr>
+              <a:t>.gif)</a:t>
+            </a:r>
+            <a:endParaRPr kumimoji="1" lang="ko-Kore-KR" altLang="en-US" sz="1600" dirty="0"/>
+          </a:p>
+        </p:txBody>
+      </p:sp>
+      <p:sp>
+        <p:nvSpPr>
+          <p:cNvPr id="19" name="대각선 방향의 모서리가 둥근 사각형 18">
+            <a:extLst>
+              <a:ext uri="{FF2B5EF4-FFF2-40B4-BE49-F238E27FC236}">
+                <a16:creationId xmlns:a16="http://schemas.microsoft.com/office/drawing/2014/main" id="{CEF2FF83-2450-18D5-E484-D81EFA51B833}"/>
+              </a:ext>
+            </a:extLst>
+          </p:cNvPr>
+          <p:cNvSpPr/>
+          <p:nvPr/>
+        </p:nvSpPr>
+        <p:spPr>
+          <a:xfrm>
+            <a:off x="1254643" y="3802883"/>
+            <a:ext cx="2020185" cy="1653687"/>
+          </a:xfrm>
+          <a:prstGeom prst="round2DiagRect">
+            <a:avLst/>
+          </a:prstGeom>
+        </p:spPr>
+        <p:style>
+          <a:lnRef idx="3">
+            <a:schemeClr val="lt1"/>
+          </a:lnRef>
+          <a:fillRef idx="1">
+            <a:schemeClr val="accent3"/>
+          </a:fillRef>
+          <a:effectRef idx="1">
+            <a:schemeClr val="accent3"/>
+          </a:effectRef>
+          <a:fontRef idx="minor">
+            <a:schemeClr val="lt1"/>
+          </a:fontRef>
+        </p:style>
+        <p:txBody>
+          <a:bodyPr rtlCol="0" anchor="ctr"/>
+          <a:lstStyle/>
+          <a:p>
+            <a:pPr algn="ctr"/>
+            <a:r>
+              <a:rPr kumimoji="1" lang="en-US" altLang="ko-Kore-KR" dirty="0"/>
+              <a:t>Main page</a:t>
+            </a:r>
+          </a:p>
+          <a:p>
+            <a:pPr algn="ctr"/>
+            <a:r>
+              <a:rPr kumimoji="1" lang="en-US" altLang="ko-Kore-KR" dirty="0"/>
+              <a:t>-----------</a:t>
+            </a:r>
+            <a:endParaRPr kumimoji="1" lang="ko-Kore-KR" altLang="en-US" dirty="0"/>
+          </a:p>
+          <a:p>
+            <a:pPr algn="ctr"/>
+            <a:r>
+              <a:rPr kumimoji="1" lang="en-US" altLang="ko-Kore-KR" dirty="0"/>
+              <a:t>-----------</a:t>
+            </a:r>
+            <a:endParaRPr kumimoji="1" lang="ko-Kore-KR" altLang="en-US" dirty="0"/>
+          </a:p>
+          <a:p>
+            <a:pPr algn="ctr"/>
+            <a:r>
+              <a:rPr kumimoji="1" lang="en-US" altLang="ko-Kore-KR" dirty="0"/>
+              <a:t>-----------</a:t>
+            </a:r>
+            <a:endParaRPr kumimoji="1" lang="ko-Kore-KR" altLang="en-US" dirty="0"/>
+          </a:p>
+          <a:p>
+            <a:pPr algn="ctr"/>
+            <a:r>
+              <a:rPr kumimoji="1" lang="en-US" altLang="ko-Kore-KR" dirty="0"/>
+              <a:t>[</a:t>
+            </a:r>
+            <a:r>
+              <a:rPr kumimoji="1" lang="ko-KR" altLang="en-US" dirty="0"/>
+              <a:t>그림</a:t>
+            </a:r>
+            <a:r>
+              <a:rPr kumimoji="1" lang="en-US" altLang="ko-KR" dirty="0"/>
+              <a:t>]</a:t>
+            </a:r>
+            <a:r>
+              <a:rPr kumimoji="1" lang="en-US" altLang="ko-KR" sz="1050" dirty="0">
+                <a:solidFill>
+                  <a:prstClr val="white"/>
+                </a:solidFill>
+              </a:rPr>
+              <a:t> (</a:t>
+            </a:r>
+            <a:r>
+              <a:rPr kumimoji="1" lang="ko-KR" altLang="en-US" sz="1050" dirty="0">
+                <a:solidFill>
+                  <a:prstClr val="white"/>
+                </a:solidFill>
+              </a:rPr>
+              <a:t>방문자수 정보</a:t>
+            </a:r>
+            <a:r>
+              <a:rPr kumimoji="1" lang="en-US" altLang="ko-KR" sz="1050" dirty="0">
+                <a:solidFill>
+                  <a:prstClr val="white"/>
+                </a:solidFill>
+              </a:rPr>
+              <a:t>)</a:t>
+            </a:r>
+            <a:endParaRPr kumimoji="1" lang="en-US" altLang="ko-Kore-KR" dirty="0"/>
+          </a:p>
+        </p:txBody>
+      </p:sp>
+      <p:cxnSp>
+        <p:nvCxnSpPr>
+          <p:cNvPr id="21" name="구부러진 연결선[U] 20">
+            <a:extLst>
+              <a:ext uri="{FF2B5EF4-FFF2-40B4-BE49-F238E27FC236}">
+                <a16:creationId xmlns:a16="http://schemas.microsoft.com/office/drawing/2014/main" id="{B1AD04E2-98BA-B318-5E6A-35F97E8E0E0D}"/>
+              </a:ext>
+            </a:extLst>
+          </p:cNvPr>
+          <p:cNvCxnSpPr>
+            <a:stCxn id="18" idx="1"/>
+          </p:cNvCxnSpPr>
+          <p:nvPr/>
+        </p:nvCxnSpPr>
+        <p:spPr>
+          <a:xfrm rot="10800000">
+            <a:off x="3115341" y="5231220"/>
+            <a:ext cx="3274827" cy="873021"/>
+          </a:xfrm>
+          <a:prstGeom prst="curvedConnector3">
+            <a:avLst/>
+          </a:prstGeom>
+          <a:ln>
+            <a:solidFill>
+              <a:schemeClr val="bg1"/>
+            </a:solidFill>
+            <a:tailEnd type="triangle"/>
+          </a:ln>
+        </p:spPr>
+        <p:style>
+          <a:lnRef idx="3">
+            <a:schemeClr val="accent3"/>
+          </a:lnRef>
+          <a:fillRef idx="0">
+            <a:schemeClr val="accent3"/>
+          </a:fillRef>
+          <a:effectRef idx="2">
+            <a:schemeClr val="accent3"/>
+          </a:effectRef>
+          <a:fontRef idx="minor">
+            <a:schemeClr val="tx1"/>
+          </a:fontRef>
+        </p:style>
+      </p:cxnSp>
+      <p:cxnSp>
+        <p:nvCxnSpPr>
+          <p:cNvPr id="22" name="구부러진 연결선[U] 21">
+            <a:extLst>
+              <a:ext uri="{FF2B5EF4-FFF2-40B4-BE49-F238E27FC236}">
+                <a16:creationId xmlns:a16="http://schemas.microsoft.com/office/drawing/2014/main" id="{3D7DD4D7-9F63-5F40-7CC4-B37D249F40F9}"/>
+              </a:ext>
+            </a:extLst>
+          </p:cNvPr>
+          <p:cNvCxnSpPr>
+            <a:cxnSpLocks/>
+            <a:stCxn id="17" idx="1"/>
+            <a:endCxn id="18" idx="3"/>
+          </p:cNvCxnSpPr>
+          <p:nvPr/>
+        </p:nvCxnSpPr>
+        <p:spPr>
+          <a:xfrm rot="5400000">
+            <a:off x="7552631" y="5628052"/>
+            <a:ext cx="791650" cy="160726"/>
+          </a:xfrm>
+          <a:prstGeom prst="curvedConnector2">
+            <a:avLst/>
+          </a:prstGeom>
+          <a:ln>
+            <a:tailEnd type="triangle"/>
+          </a:ln>
+        </p:spPr>
+        <p:style>
+          <a:lnRef idx="3">
+            <a:schemeClr val="accent3"/>
+          </a:lnRef>
+          <a:fillRef idx="0">
+            <a:schemeClr val="accent3"/>
+          </a:fillRef>
+          <a:effectRef idx="2">
+            <a:schemeClr val="accent3"/>
+          </a:effectRef>
+          <a:fontRef idx="minor">
+            <a:schemeClr val="tx1"/>
+          </a:fontRef>
+        </p:style>
+      </p:cxnSp>
+      <p:cxnSp>
+        <p:nvCxnSpPr>
+          <p:cNvPr id="25" name="구부러진 연결선[U] 24">
+            <a:extLst>
+              <a:ext uri="{FF2B5EF4-FFF2-40B4-BE49-F238E27FC236}">
+                <a16:creationId xmlns:a16="http://schemas.microsoft.com/office/drawing/2014/main" id="{4E87F6F9-EE5C-7BF5-E1D1-F5A84B674890}"/>
+              </a:ext>
+            </a:extLst>
+          </p:cNvPr>
+          <p:cNvCxnSpPr>
+            <a:cxnSpLocks/>
+            <a:stCxn id="4" idx="6"/>
+            <a:endCxn id="18" idx="3"/>
+          </p:cNvCxnSpPr>
+          <p:nvPr/>
+        </p:nvCxnSpPr>
+        <p:spPr>
+          <a:xfrm flipH="1">
+            <a:off x="7868093" y="2488019"/>
+            <a:ext cx="854150" cy="3616221"/>
+          </a:xfrm>
+          <a:prstGeom prst="curvedConnector3">
+            <a:avLst>
+              <a:gd name="adj1" fmla="val -26763"/>
+            </a:avLst>
+          </a:prstGeom>
+          <a:ln>
+            <a:tailEnd type="triangle"/>
+          </a:ln>
+        </p:spPr>
+        <p:style>
+          <a:lnRef idx="3">
+            <a:schemeClr val="accent1"/>
+          </a:lnRef>
+          <a:fillRef idx="0">
+            <a:schemeClr val="accent1"/>
+          </a:fillRef>
+          <a:effectRef idx="2">
+            <a:schemeClr val="accent1"/>
+          </a:effectRef>
+          <a:fontRef idx="minor">
+            <a:schemeClr val="tx1"/>
+          </a:fontRef>
+        </p:style>
+      </p:cxnSp>
+      <p:cxnSp>
+        <p:nvCxnSpPr>
+          <p:cNvPr id="29" name="직선 화살표 연결선 28">
+            <a:extLst>
+              <a:ext uri="{FF2B5EF4-FFF2-40B4-BE49-F238E27FC236}">
+                <a16:creationId xmlns:a16="http://schemas.microsoft.com/office/drawing/2014/main" id="{652ADB37-00E0-438A-32A4-947A40D6382E}"/>
+              </a:ext>
+            </a:extLst>
+          </p:cNvPr>
+          <p:cNvCxnSpPr>
+            <a:cxnSpLocks/>
+            <a:stCxn id="4" idx="4"/>
+            <a:endCxn id="17" idx="3"/>
+          </p:cNvCxnSpPr>
+          <p:nvPr/>
+        </p:nvCxnSpPr>
+        <p:spPr>
+          <a:xfrm>
+            <a:off x="7956699" y="3253563"/>
+            <a:ext cx="72120" cy="757214"/>
+          </a:xfrm>
+          <a:prstGeom prst="straightConnector1">
+            <a:avLst/>
+          </a:prstGeom>
+          <a:ln>
+            <a:tailEnd type="triangle"/>
+          </a:ln>
+        </p:spPr>
+        <p:style>
+          <a:lnRef idx="3">
+            <a:schemeClr val="accent1"/>
+          </a:lnRef>
+          <a:fillRef idx="0">
+            <a:schemeClr val="accent1"/>
+          </a:fillRef>
+          <a:effectRef idx="2">
+            <a:schemeClr val="accent1"/>
+          </a:effectRef>
+          <a:fontRef idx="minor">
+            <a:schemeClr val="tx1"/>
+          </a:fontRef>
+        </p:style>
+      </p:cxnSp>
+      <p:sp>
+        <p:nvSpPr>
+          <p:cNvPr id="32" name="TextBox 31">
+            <a:extLst>
+              <a:ext uri="{FF2B5EF4-FFF2-40B4-BE49-F238E27FC236}">
+                <a16:creationId xmlns:a16="http://schemas.microsoft.com/office/drawing/2014/main" id="{8D7ED058-C671-1B21-05BC-4BC3856A19B5}"/>
+              </a:ext>
+            </a:extLst>
+          </p:cNvPr>
+          <p:cNvSpPr txBox="1"/>
+          <p:nvPr/>
+        </p:nvSpPr>
+        <p:spPr>
+          <a:xfrm>
+            <a:off x="8766176" y="3290500"/>
+            <a:ext cx="1132736" cy="461665"/>
+          </a:xfrm>
+          <a:prstGeom prst="rect">
+            <a:avLst/>
+          </a:prstGeom>
+          <a:ln/>
+        </p:spPr>
+        <p:style>
+          <a:lnRef idx="2">
+            <a:schemeClr val="accent1"/>
+          </a:lnRef>
+          <a:fillRef idx="1">
+            <a:schemeClr val="lt1"/>
+          </a:fillRef>
+          <a:effectRef idx="0">
+            <a:schemeClr val="accent1"/>
+          </a:effectRef>
+          <a:fontRef idx="minor">
+            <a:schemeClr val="dk1"/>
+          </a:fontRef>
+        </p:style>
+        <p:txBody>
+          <a:bodyPr wrap="square" rtlCol="0">
+            <a:spAutoFit/>
+          </a:bodyPr>
+          <a:lstStyle/>
+          <a:p>
+            <a:pPr algn="ctr"/>
+            <a:r>
+              <a:rPr kumimoji="1" lang="ko-KR" altLang="en-US" sz="1200" dirty="0"/>
+              <a:t>실행해서</a:t>
+            </a:r>
+            <a:endParaRPr kumimoji="1" lang="en-US" altLang="ko-KR" sz="1200" dirty="0"/>
+          </a:p>
+          <a:p>
+            <a:pPr algn="ctr"/>
+            <a:r>
+              <a:rPr kumimoji="1" lang="ko-KR" altLang="en-US" sz="1200" dirty="0"/>
+              <a:t>결과를 리턴</a:t>
+            </a:r>
+            <a:endParaRPr kumimoji="1" lang="ko-Kore-KR" altLang="en-US" sz="1200" dirty="0"/>
+          </a:p>
+        </p:txBody>
+      </p:sp>
+      <p:sp>
+        <p:nvSpPr>
+          <p:cNvPr id="33" name="TextBox 32">
+            <a:extLst>
+              <a:ext uri="{FF2B5EF4-FFF2-40B4-BE49-F238E27FC236}">
+                <a16:creationId xmlns:a16="http://schemas.microsoft.com/office/drawing/2014/main" id="{65EBBB23-95C6-72E9-3948-DEE07E63C5FA}"/>
+              </a:ext>
+            </a:extLst>
+          </p:cNvPr>
+          <p:cNvSpPr txBox="1"/>
+          <p:nvPr/>
+        </p:nvSpPr>
+        <p:spPr>
+          <a:xfrm>
+            <a:off x="6650014" y="3564208"/>
+            <a:ext cx="1759220" cy="276999"/>
+          </a:xfrm>
+          <a:prstGeom prst="rect">
+            <a:avLst/>
+          </a:prstGeom>
+          <a:ln/>
+        </p:spPr>
+        <p:style>
+          <a:lnRef idx="2">
+            <a:schemeClr val="accent1"/>
+          </a:lnRef>
+          <a:fillRef idx="1">
+            <a:schemeClr val="lt1"/>
+          </a:fillRef>
+          <a:effectRef idx="0">
+            <a:schemeClr val="accent1"/>
+          </a:effectRef>
+          <a:fontRef idx="minor">
+            <a:schemeClr val="dk1"/>
+          </a:fontRef>
+        </p:style>
+        <p:txBody>
+          <a:bodyPr wrap="square" rtlCol="0">
+            <a:spAutoFit/>
+          </a:bodyPr>
+          <a:lstStyle/>
+          <a:p>
+            <a:pPr algn="ctr"/>
+            <a:r>
+              <a:rPr kumimoji="1" lang="ko-KR" altLang="en-US" sz="1200" dirty="0"/>
+              <a:t>읽어서 그대로 리턴</a:t>
+            </a:r>
+            <a:endParaRPr kumimoji="1" lang="ko-Kore-KR" altLang="en-US" sz="1200" dirty="0"/>
+          </a:p>
+        </p:txBody>
+      </p:sp>
+      <p:sp>
+        <p:nvSpPr>
+          <p:cNvPr id="36" name="TextBox 35">
+            <a:extLst>
+              <a:ext uri="{FF2B5EF4-FFF2-40B4-BE49-F238E27FC236}">
+                <a16:creationId xmlns:a16="http://schemas.microsoft.com/office/drawing/2014/main" id="{98E9972D-1403-1200-FC13-075E8FE7711D}"/>
+              </a:ext>
+            </a:extLst>
+          </p:cNvPr>
+          <p:cNvSpPr txBox="1"/>
+          <p:nvPr/>
+        </p:nvSpPr>
+        <p:spPr>
+          <a:xfrm>
+            <a:off x="7908250" y="4903430"/>
+            <a:ext cx="963585" cy="276999"/>
+          </a:xfrm>
+          <a:prstGeom prst="rect">
+            <a:avLst/>
+          </a:prstGeom>
+          <a:ln/>
+        </p:spPr>
+        <p:style>
+          <a:lnRef idx="2">
+            <a:schemeClr val="accent2"/>
+          </a:lnRef>
+          <a:fillRef idx="1">
+            <a:schemeClr val="lt1"/>
+          </a:fillRef>
+          <a:effectRef idx="0">
+            <a:schemeClr val="accent2"/>
+          </a:effectRef>
+          <a:fontRef idx="minor">
+            <a:schemeClr val="dk1"/>
+          </a:fontRef>
+        </p:style>
+        <p:txBody>
+          <a:bodyPr wrap="square" rtlCol="0">
+            <a:spAutoFit/>
+          </a:bodyPr>
+          <a:lstStyle/>
+          <a:p>
+            <a:pPr algn="ctr"/>
+            <a:r>
+              <a:rPr kumimoji="1" lang="ko-KR" altLang="en-US" sz="1200" dirty="0"/>
+              <a:t>정적파일</a:t>
+            </a:r>
+            <a:endParaRPr kumimoji="1" lang="ko-Kore-KR" altLang="en-US" sz="1200" dirty="0"/>
+          </a:p>
+        </p:txBody>
+      </p:sp>
+      <p:cxnSp>
+        <p:nvCxnSpPr>
+          <p:cNvPr id="37" name="직선 화살표 연결선 36">
+            <a:extLst>
+              <a:ext uri="{FF2B5EF4-FFF2-40B4-BE49-F238E27FC236}">
+                <a16:creationId xmlns:a16="http://schemas.microsoft.com/office/drawing/2014/main" id="{6194341F-E2AD-A6CC-BF29-DE6CEB36EB8F}"/>
+              </a:ext>
+            </a:extLst>
+          </p:cNvPr>
+          <p:cNvCxnSpPr>
+            <a:cxnSpLocks/>
+            <a:stCxn id="12" idx="1"/>
+            <a:endCxn id="19" idx="0"/>
+          </p:cNvCxnSpPr>
+          <p:nvPr/>
+        </p:nvCxnSpPr>
+        <p:spPr>
+          <a:xfrm flipH="1">
+            <a:off x="3274828" y="3808524"/>
+            <a:ext cx="1884436" cy="821203"/>
+          </a:xfrm>
+          <a:prstGeom prst="straightConnector1">
+            <a:avLst/>
+          </a:prstGeom>
+          <a:ln>
+            <a:tailEnd type="triangle"/>
+          </a:ln>
+        </p:spPr>
+        <p:style>
+          <a:lnRef idx="3">
+            <a:schemeClr val="accent2"/>
+          </a:lnRef>
+          <a:fillRef idx="0">
+            <a:schemeClr val="accent2"/>
+          </a:fillRef>
+          <a:effectRef idx="2">
+            <a:schemeClr val="accent2"/>
+          </a:effectRef>
+          <a:fontRef idx="minor">
+            <a:schemeClr val="tx1"/>
+          </a:fontRef>
+        </p:style>
+      </p:cxnSp>
     </p:spTree>
     <p:extLst>
       <p:ext uri="{BB962C8B-B14F-4D97-AF65-F5344CB8AC3E}">
@@ -13195,6 +14860,1093 @@
           <a:chExt cx="0" cy="0"/>
         </a:xfrm>
       </p:grpSpPr>
+      <p:sp>
+        <p:nvSpPr>
+          <p:cNvPr id="2" name="직사각형 1">
+            <a:extLst>
+              <a:ext uri="{FF2B5EF4-FFF2-40B4-BE49-F238E27FC236}">
+                <a16:creationId xmlns:a16="http://schemas.microsoft.com/office/drawing/2014/main" id="{7BAEADB2-ECA1-7C06-550A-68DE75FEECB9}"/>
+              </a:ext>
+            </a:extLst>
+          </p:cNvPr>
+          <p:cNvSpPr/>
+          <p:nvPr/>
+        </p:nvSpPr>
+        <p:spPr>
+          <a:xfrm>
+            <a:off x="3136603" y="1935126"/>
+            <a:ext cx="5475767" cy="563525"/>
+          </a:xfrm>
+          <a:prstGeom prst="rect">
+            <a:avLst/>
+          </a:prstGeom>
+        </p:spPr>
+        <p:style>
+          <a:lnRef idx="2">
+            <a:schemeClr val="accent1"/>
+          </a:lnRef>
+          <a:fillRef idx="1">
+            <a:schemeClr val="lt1"/>
+          </a:fillRef>
+          <a:effectRef idx="0">
+            <a:schemeClr val="accent1"/>
+          </a:effectRef>
+          <a:fontRef idx="minor">
+            <a:schemeClr val="dk1"/>
+          </a:fontRef>
+        </p:style>
+        <p:txBody>
+          <a:bodyPr rtlCol="0" anchor="ctr"/>
+          <a:lstStyle/>
+          <a:p>
+            <a:pPr algn="ctr"/>
+            <a:r>
+              <a:rPr kumimoji="1" lang="en-US" altLang="ko-Kore-KR" sz="2000" dirty="0"/>
+              <a:t>http://localhost:8888/board/</a:t>
+            </a:r>
+            <a:r>
+              <a:rPr kumimoji="1" lang="en-US" altLang="ko-Kore-KR" sz="2000" dirty="0" err="1"/>
+              <a:t>detail?no</a:t>
+            </a:r>
+            <a:r>
+              <a:rPr kumimoji="1" lang="en-US" altLang="ko-Kore-KR" sz="2000" dirty="0"/>
+              <a:t>=2</a:t>
+            </a:r>
+            <a:endParaRPr kumimoji="1" lang="ko-Kore-KR" altLang="en-US" sz="2000" dirty="0"/>
+          </a:p>
+        </p:txBody>
+      </p:sp>
+      <p:sp>
+        <p:nvSpPr>
+          <p:cNvPr id="5" name="직사각형 4">
+            <a:extLst>
+              <a:ext uri="{FF2B5EF4-FFF2-40B4-BE49-F238E27FC236}">
+                <a16:creationId xmlns:a16="http://schemas.microsoft.com/office/drawing/2014/main" id="{37D97606-A3FE-5345-8A06-8876C7CC0E75}"/>
+              </a:ext>
+            </a:extLst>
+          </p:cNvPr>
+          <p:cNvSpPr/>
+          <p:nvPr/>
+        </p:nvSpPr>
+        <p:spPr>
+          <a:xfrm>
+            <a:off x="2772551" y="2870791"/>
+            <a:ext cx="1137683" cy="786810"/>
+          </a:xfrm>
+          <a:prstGeom prst="rect">
+            <a:avLst/>
+          </a:prstGeom>
+        </p:spPr>
+        <p:style>
+          <a:lnRef idx="2">
+            <a:schemeClr val="accent4"/>
+          </a:lnRef>
+          <a:fillRef idx="1">
+            <a:schemeClr val="lt1"/>
+          </a:fillRef>
+          <a:effectRef idx="0">
+            <a:schemeClr val="accent4"/>
+          </a:effectRef>
+          <a:fontRef idx="minor">
+            <a:schemeClr val="dk1"/>
+          </a:fontRef>
+        </p:style>
+        <p:txBody>
+          <a:bodyPr rtlCol="0" anchor="ctr"/>
+          <a:lstStyle/>
+          <a:p>
+            <a:pPr algn="ctr"/>
+            <a:r>
+              <a:rPr kumimoji="1" lang="en-US" altLang="ko-Kore-KR" dirty="0"/>
+              <a:t>scheme</a:t>
+            </a:r>
+          </a:p>
+          <a:p>
+            <a:pPr algn="ctr"/>
+            <a:r>
+              <a:rPr kumimoji="1" lang="en-US" altLang="ko-Kore-KR" dirty="0"/>
+              <a:t>protocol</a:t>
+            </a:r>
+            <a:endParaRPr kumimoji="1" lang="ko-Kore-KR" altLang="en-US" dirty="0"/>
+          </a:p>
+        </p:txBody>
+      </p:sp>
+      <p:sp>
+        <p:nvSpPr>
+          <p:cNvPr id="6" name="직사각형 5">
+            <a:extLst>
+              <a:ext uri="{FF2B5EF4-FFF2-40B4-BE49-F238E27FC236}">
+                <a16:creationId xmlns:a16="http://schemas.microsoft.com/office/drawing/2014/main" id="{13EBC4F8-68D0-0004-15F2-82ACC1164643}"/>
+              </a:ext>
+            </a:extLst>
+          </p:cNvPr>
+          <p:cNvSpPr/>
+          <p:nvPr/>
+        </p:nvSpPr>
+        <p:spPr>
+          <a:xfrm>
+            <a:off x="4138723" y="2870791"/>
+            <a:ext cx="1297171" cy="786810"/>
+          </a:xfrm>
+          <a:prstGeom prst="rect">
+            <a:avLst/>
+          </a:prstGeom>
+        </p:spPr>
+        <p:style>
+          <a:lnRef idx="2">
+            <a:schemeClr val="accent4"/>
+          </a:lnRef>
+          <a:fillRef idx="1">
+            <a:schemeClr val="lt1"/>
+          </a:fillRef>
+          <a:effectRef idx="0">
+            <a:schemeClr val="accent4"/>
+          </a:effectRef>
+          <a:fontRef idx="minor">
+            <a:schemeClr val="dk1"/>
+          </a:fontRef>
+        </p:style>
+        <p:txBody>
+          <a:bodyPr rtlCol="0" anchor="ctr"/>
+          <a:lstStyle/>
+          <a:p>
+            <a:pPr algn="ctr"/>
+            <a:r>
+              <a:rPr kumimoji="1" lang="en-US" altLang="ko-Kore-KR" dirty="0"/>
+              <a:t>hostname</a:t>
+            </a:r>
+          </a:p>
+          <a:p>
+            <a:pPr algn="ctr"/>
+            <a:r>
+              <a:rPr kumimoji="1" lang="en-US" altLang="ko-Kore-KR" dirty="0" err="1"/>
+              <a:t>ip</a:t>
+            </a:r>
+            <a:endParaRPr kumimoji="1" lang="ko-Kore-KR" altLang="en-US" dirty="0"/>
+          </a:p>
+        </p:txBody>
+      </p:sp>
+      <p:sp>
+        <p:nvSpPr>
+          <p:cNvPr id="7" name="직사각형 6">
+            <a:extLst>
+              <a:ext uri="{FF2B5EF4-FFF2-40B4-BE49-F238E27FC236}">
+                <a16:creationId xmlns:a16="http://schemas.microsoft.com/office/drawing/2014/main" id="{AAB42F17-6338-0A3C-B6AB-6C8E0CEB4423}"/>
+              </a:ext>
+            </a:extLst>
+          </p:cNvPr>
+          <p:cNvSpPr/>
+          <p:nvPr/>
+        </p:nvSpPr>
+        <p:spPr>
+          <a:xfrm>
+            <a:off x="5527158" y="2870791"/>
+            <a:ext cx="1137683" cy="786810"/>
+          </a:xfrm>
+          <a:prstGeom prst="rect">
+            <a:avLst/>
+          </a:prstGeom>
+        </p:spPr>
+        <p:style>
+          <a:lnRef idx="2">
+            <a:schemeClr val="accent4"/>
+          </a:lnRef>
+          <a:fillRef idx="1">
+            <a:schemeClr val="lt1"/>
+          </a:fillRef>
+          <a:effectRef idx="0">
+            <a:schemeClr val="accent4"/>
+          </a:effectRef>
+          <a:fontRef idx="minor">
+            <a:schemeClr val="dk1"/>
+          </a:fontRef>
+        </p:style>
+        <p:txBody>
+          <a:bodyPr rtlCol="0" anchor="ctr"/>
+          <a:lstStyle/>
+          <a:p>
+            <a:pPr algn="ctr"/>
+            <a:r>
+              <a:rPr kumimoji="1" lang="en-US" altLang="ko-Kore-KR" dirty="0" err="1"/>
+              <a:t>portNum</a:t>
+            </a:r>
+            <a:endParaRPr kumimoji="1" lang="ko-Kore-KR" altLang="en-US" dirty="0"/>
+          </a:p>
+        </p:txBody>
+      </p:sp>
+      <p:sp>
+        <p:nvSpPr>
+          <p:cNvPr id="8" name="직사각형 7">
+            <a:extLst>
+              <a:ext uri="{FF2B5EF4-FFF2-40B4-BE49-F238E27FC236}">
+                <a16:creationId xmlns:a16="http://schemas.microsoft.com/office/drawing/2014/main" id="{A3C959DC-9ECF-7F2F-27AC-15E871C930E8}"/>
+              </a:ext>
+            </a:extLst>
+          </p:cNvPr>
+          <p:cNvSpPr/>
+          <p:nvPr/>
+        </p:nvSpPr>
+        <p:spPr>
+          <a:xfrm>
+            <a:off x="6791991" y="2876103"/>
+            <a:ext cx="1137683" cy="786810"/>
+          </a:xfrm>
+          <a:prstGeom prst="rect">
+            <a:avLst/>
+          </a:prstGeom>
+        </p:spPr>
+        <p:style>
+          <a:lnRef idx="2">
+            <a:schemeClr val="accent4"/>
+          </a:lnRef>
+          <a:fillRef idx="1">
+            <a:schemeClr val="lt1"/>
+          </a:fillRef>
+          <a:effectRef idx="0">
+            <a:schemeClr val="accent4"/>
+          </a:effectRef>
+          <a:fontRef idx="minor">
+            <a:schemeClr val="dk1"/>
+          </a:fontRef>
+        </p:style>
+        <p:txBody>
+          <a:bodyPr rtlCol="0" anchor="ctr"/>
+          <a:lstStyle/>
+          <a:p>
+            <a:pPr algn="ctr"/>
+            <a:r>
+              <a:rPr kumimoji="1" lang="en-US" altLang="ko-Kore-KR" dirty="0"/>
+              <a:t>resource path</a:t>
+            </a:r>
+            <a:endParaRPr kumimoji="1" lang="ko-Kore-KR" altLang="en-US" dirty="0"/>
+          </a:p>
+        </p:txBody>
+      </p:sp>
+      <p:sp>
+        <p:nvSpPr>
+          <p:cNvPr id="9" name="직사각형 8">
+            <a:extLst>
+              <a:ext uri="{FF2B5EF4-FFF2-40B4-BE49-F238E27FC236}">
+                <a16:creationId xmlns:a16="http://schemas.microsoft.com/office/drawing/2014/main" id="{5498D123-10B1-5D99-AC7C-BA8D39585A9C}"/>
+              </a:ext>
+            </a:extLst>
+          </p:cNvPr>
+          <p:cNvSpPr/>
+          <p:nvPr/>
+        </p:nvSpPr>
+        <p:spPr>
+          <a:xfrm>
+            <a:off x="8056824" y="2870791"/>
+            <a:ext cx="1623235" cy="786810"/>
+          </a:xfrm>
+          <a:prstGeom prst="rect">
+            <a:avLst/>
+          </a:prstGeom>
+        </p:spPr>
+        <p:style>
+          <a:lnRef idx="2">
+            <a:schemeClr val="accent4"/>
+          </a:lnRef>
+          <a:fillRef idx="1">
+            <a:schemeClr val="lt1"/>
+          </a:fillRef>
+          <a:effectRef idx="0">
+            <a:schemeClr val="accent4"/>
+          </a:effectRef>
+          <a:fontRef idx="minor">
+            <a:schemeClr val="dk1"/>
+          </a:fontRef>
+        </p:style>
+        <p:txBody>
+          <a:bodyPr rtlCol="0" anchor="ctr"/>
+          <a:lstStyle/>
+          <a:p>
+            <a:pPr algn="ctr"/>
+            <a:r>
+              <a:rPr kumimoji="1" lang="en-US" altLang="ko-Kore-KR" dirty="0"/>
+              <a:t>query String</a:t>
+            </a:r>
+            <a:endParaRPr kumimoji="1" lang="ko-Kore-KR" altLang="en-US" dirty="0"/>
+          </a:p>
+        </p:txBody>
+      </p:sp>
+      <p:cxnSp>
+        <p:nvCxnSpPr>
+          <p:cNvPr id="20" name="직선 화살표 연결선 19">
+            <a:extLst>
+              <a:ext uri="{FF2B5EF4-FFF2-40B4-BE49-F238E27FC236}">
+                <a16:creationId xmlns:a16="http://schemas.microsoft.com/office/drawing/2014/main" id="{2E2F55F1-BD7D-3D8C-7B88-6A50624834D2}"/>
+              </a:ext>
+            </a:extLst>
+          </p:cNvPr>
+          <p:cNvCxnSpPr>
+            <a:cxnSpLocks/>
+            <a:stCxn id="23" idx="2"/>
+            <a:endCxn id="5" idx="0"/>
+          </p:cNvCxnSpPr>
+          <p:nvPr/>
+        </p:nvCxnSpPr>
+        <p:spPr>
+          <a:xfrm flipH="1">
+            <a:off x="3341393" y="2413590"/>
+            <a:ext cx="427850" cy="457201"/>
+          </a:xfrm>
+          <a:prstGeom prst="straightConnector1">
+            <a:avLst/>
+          </a:prstGeom>
+          <a:ln>
+            <a:tailEnd type="triangle"/>
+          </a:ln>
+        </p:spPr>
+        <p:style>
+          <a:lnRef idx="3">
+            <a:schemeClr val="accent4"/>
+          </a:lnRef>
+          <a:fillRef idx="0">
+            <a:schemeClr val="accent4"/>
+          </a:fillRef>
+          <a:effectRef idx="2">
+            <a:schemeClr val="accent4"/>
+          </a:effectRef>
+          <a:fontRef idx="minor">
+            <a:schemeClr val="tx1"/>
+          </a:fontRef>
+        </p:style>
+      </p:cxnSp>
+      <p:sp>
+        <p:nvSpPr>
+          <p:cNvPr id="23" name="직사각형 22">
+            <a:extLst>
+              <a:ext uri="{FF2B5EF4-FFF2-40B4-BE49-F238E27FC236}">
+                <a16:creationId xmlns:a16="http://schemas.microsoft.com/office/drawing/2014/main" id="{3C132EBF-9D49-7197-E6CD-A5FFCFA67080}"/>
+              </a:ext>
+            </a:extLst>
+          </p:cNvPr>
+          <p:cNvSpPr/>
+          <p:nvPr/>
+        </p:nvSpPr>
+        <p:spPr>
+          <a:xfrm>
+            <a:off x="3498113" y="2052083"/>
+            <a:ext cx="542260" cy="361507"/>
+          </a:xfrm>
+          <a:prstGeom prst="rect">
+            <a:avLst/>
+          </a:prstGeom>
+          <a:noFill/>
+        </p:spPr>
+        <p:style>
+          <a:lnRef idx="2">
+            <a:schemeClr val="accent4"/>
+          </a:lnRef>
+          <a:fillRef idx="1">
+            <a:schemeClr val="lt1"/>
+          </a:fillRef>
+          <a:effectRef idx="0">
+            <a:schemeClr val="accent4"/>
+          </a:effectRef>
+          <a:fontRef idx="minor">
+            <a:schemeClr val="dk1"/>
+          </a:fontRef>
+        </p:style>
+        <p:txBody>
+          <a:bodyPr rtlCol="0" anchor="ctr"/>
+          <a:lstStyle/>
+          <a:p>
+            <a:pPr algn="ctr"/>
+            <a:endParaRPr kumimoji="1" lang="ko-Kore-KR" altLang="en-US" dirty="0"/>
+          </a:p>
+        </p:txBody>
+      </p:sp>
+      <p:sp>
+        <p:nvSpPr>
+          <p:cNvPr id="25" name="직사각형 24">
+            <a:extLst>
+              <a:ext uri="{FF2B5EF4-FFF2-40B4-BE49-F238E27FC236}">
+                <a16:creationId xmlns:a16="http://schemas.microsoft.com/office/drawing/2014/main" id="{D03C167C-F0B5-BBCA-3BB1-34E9D7AD1A41}"/>
+              </a:ext>
+            </a:extLst>
+          </p:cNvPr>
+          <p:cNvSpPr/>
+          <p:nvPr/>
+        </p:nvSpPr>
+        <p:spPr>
+          <a:xfrm>
+            <a:off x="4247706" y="2052083"/>
+            <a:ext cx="1079206" cy="361507"/>
+          </a:xfrm>
+          <a:prstGeom prst="rect">
+            <a:avLst/>
+          </a:prstGeom>
+          <a:noFill/>
+        </p:spPr>
+        <p:style>
+          <a:lnRef idx="2">
+            <a:schemeClr val="accent4"/>
+          </a:lnRef>
+          <a:fillRef idx="1">
+            <a:schemeClr val="lt1"/>
+          </a:fillRef>
+          <a:effectRef idx="0">
+            <a:schemeClr val="accent4"/>
+          </a:effectRef>
+          <a:fontRef idx="minor">
+            <a:schemeClr val="dk1"/>
+          </a:fontRef>
+        </p:style>
+        <p:txBody>
+          <a:bodyPr rtlCol="0" anchor="ctr"/>
+          <a:lstStyle/>
+          <a:p>
+            <a:pPr algn="ctr"/>
+            <a:endParaRPr kumimoji="1" lang="ko-Kore-KR" altLang="en-US" dirty="0"/>
+          </a:p>
+        </p:txBody>
+      </p:sp>
+      <p:sp>
+        <p:nvSpPr>
+          <p:cNvPr id="26" name="직사각형 25">
+            <a:extLst>
+              <a:ext uri="{FF2B5EF4-FFF2-40B4-BE49-F238E27FC236}">
+                <a16:creationId xmlns:a16="http://schemas.microsoft.com/office/drawing/2014/main" id="{0725386F-8292-DEC7-5AD8-A5772DCDBBDC}"/>
+              </a:ext>
+            </a:extLst>
+          </p:cNvPr>
+          <p:cNvSpPr/>
+          <p:nvPr/>
+        </p:nvSpPr>
+        <p:spPr>
+          <a:xfrm>
+            <a:off x="5350832" y="2052083"/>
+            <a:ext cx="582135" cy="361507"/>
+          </a:xfrm>
+          <a:prstGeom prst="rect">
+            <a:avLst/>
+          </a:prstGeom>
+          <a:noFill/>
+        </p:spPr>
+        <p:style>
+          <a:lnRef idx="2">
+            <a:schemeClr val="accent4"/>
+          </a:lnRef>
+          <a:fillRef idx="1">
+            <a:schemeClr val="lt1"/>
+          </a:fillRef>
+          <a:effectRef idx="0">
+            <a:schemeClr val="accent4"/>
+          </a:effectRef>
+          <a:fontRef idx="minor">
+            <a:schemeClr val="dk1"/>
+          </a:fontRef>
+        </p:style>
+        <p:txBody>
+          <a:bodyPr rtlCol="0" anchor="ctr"/>
+          <a:lstStyle/>
+          <a:p>
+            <a:pPr algn="ctr"/>
+            <a:endParaRPr kumimoji="1" lang="ko-Kore-KR" altLang="en-US" dirty="0"/>
+          </a:p>
+        </p:txBody>
+      </p:sp>
+      <p:sp>
+        <p:nvSpPr>
+          <p:cNvPr id="27" name="직사각형 26">
+            <a:extLst>
+              <a:ext uri="{FF2B5EF4-FFF2-40B4-BE49-F238E27FC236}">
+                <a16:creationId xmlns:a16="http://schemas.microsoft.com/office/drawing/2014/main" id="{981A058A-BEB1-A7DE-D35C-A2751F8F418E}"/>
+              </a:ext>
+            </a:extLst>
+          </p:cNvPr>
+          <p:cNvSpPr/>
+          <p:nvPr/>
+        </p:nvSpPr>
+        <p:spPr>
+          <a:xfrm>
+            <a:off x="5967967" y="2052082"/>
+            <a:ext cx="1496089" cy="361507"/>
+          </a:xfrm>
+          <a:prstGeom prst="rect">
+            <a:avLst/>
+          </a:prstGeom>
+          <a:noFill/>
+        </p:spPr>
+        <p:style>
+          <a:lnRef idx="2">
+            <a:schemeClr val="accent4"/>
+          </a:lnRef>
+          <a:fillRef idx="1">
+            <a:schemeClr val="lt1"/>
+          </a:fillRef>
+          <a:effectRef idx="0">
+            <a:schemeClr val="accent4"/>
+          </a:effectRef>
+          <a:fontRef idx="minor">
+            <a:schemeClr val="dk1"/>
+          </a:fontRef>
+        </p:style>
+        <p:txBody>
+          <a:bodyPr rtlCol="0" anchor="ctr"/>
+          <a:lstStyle/>
+          <a:p>
+            <a:pPr algn="ctr"/>
+            <a:endParaRPr kumimoji="1" lang="ko-Kore-KR" altLang="en-US" dirty="0"/>
+          </a:p>
+        </p:txBody>
+      </p:sp>
+      <p:sp>
+        <p:nvSpPr>
+          <p:cNvPr id="28" name="직사각형 27">
+            <a:extLst>
+              <a:ext uri="{FF2B5EF4-FFF2-40B4-BE49-F238E27FC236}">
+                <a16:creationId xmlns:a16="http://schemas.microsoft.com/office/drawing/2014/main" id="{F8BDA0AE-D23D-5D99-024F-CDD8606B1EF5}"/>
+              </a:ext>
+            </a:extLst>
+          </p:cNvPr>
+          <p:cNvSpPr/>
+          <p:nvPr/>
+        </p:nvSpPr>
+        <p:spPr>
+          <a:xfrm>
+            <a:off x="7562851" y="2068030"/>
+            <a:ext cx="688014" cy="361507"/>
+          </a:xfrm>
+          <a:prstGeom prst="rect">
+            <a:avLst/>
+          </a:prstGeom>
+          <a:noFill/>
+        </p:spPr>
+        <p:style>
+          <a:lnRef idx="2">
+            <a:schemeClr val="accent4"/>
+          </a:lnRef>
+          <a:fillRef idx="1">
+            <a:schemeClr val="lt1"/>
+          </a:fillRef>
+          <a:effectRef idx="0">
+            <a:schemeClr val="accent4"/>
+          </a:effectRef>
+          <a:fontRef idx="minor">
+            <a:schemeClr val="dk1"/>
+          </a:fontRef>
+        </p:style>
+        <p:txBody>
+          <a:bodyPr rtlCol="0" anchor="ctr"/>
+          <a:lstStyle/>
+          <a:p>
+            <a:pPr algn="ctr"/>
+            <a:endParaRPr kumimoji="1" lang="ko-Kore-KR" altLang="en-US" dirty="0"/>
+          </a:p>
+        </p:txBody>
+      </p:sp>
+      <p:cxnSp>
+        <p:nvCxnSpPr>
+          <p:cNvPr id="30" name="직선 화살표 연결선 29">
+            <a:extLst>
+              <a:ext uri="{FF2B5EF4-FFF2-40B4-BE49-F238E27FC236}">
+                <a16:creationId xmlns:a16="http://schemas.microsoft.com/office/drawing/2014/main" id="{1B3CDF7A-14D8-D83E-BEE2-B50D0969E791}"/>
+              </a:ext>
+            </a:extLst>
+          </p:cNvPr>
+          <p:cNvCxnSpPr>
+            <a:cxnSpLocks/>
+            <a:stCxn id="25" idx="2"/>
+            <a:endCxn id="6" idx="0"/>
+          </p:cNvCxnSpPr>
+          <p:nvPr/>
+        </p:nvCxnSpPr>
+        <p:spPr>
+          <a:xfrm>
+            <a:off x="4787309" y="2413590"/>
+            <a:ext cx="0" cy="457201"/>
+          </a:xfrm>
+          <a:prstGeom prst="straightConnector1">
+            <a:avLst/>
+          </a:prstGeom>
+          <a:ln>
+            <a:tailEnd type="triangle"/>
+          </a:ln>
+        </p:spPr>
+        <p:style>
+          <a:lnRef idx="3">
+            <a:schemeClr val="accent4"/>
+          </a:lnRef>
+          <a:fillRef idx="0">
+            <a:schemeClr val="accent4"/>
+          </a:fillRef>
+          <a:effectRef idx="2">
+            <a:schemeClr val="accent4"/>
+          </a:effectRef>
+          <a:fontRef idx="minor">
+            <a:schemeClr val="tx1"/>
+          </a:fontRef>
+        </p:style>
+      </p:cxnSp>
+      <p:cxnSp>
+        <p:nvCxnSpPr>
+          <p:cNvPr id="33" name="직선 화살표 연결선 32">
+            <a:extLst>
+              <a:ext uri="{FF2B5EF4-FFF2-40B4-BE49-F238E27FC236}">
+                <a16:creationId xmlns:a16="http://schemas.microsoft.com/office/drawing/2014/main" id="{EDE3F6F3-5CBD-FF22-4ECE-E7CDFA1F51A7}"/>
+              </a:ext>
+            </a:extLst>
+          </p:cNvPr>
+          <p:cNvCxnSpPr>
+            <a:cxnSpLocks/>
+            <a:stCxn id="26" idx="2"/>
+            <a:endCxn id="7" idx="0"/>
+          </p:cNvCxnSpPr>
+          <p:nvPr/>
+        </p:nvCxnSpPr>
+        <p:spPr>
+          <a:xfrm>
+            <a:off x="5641900" y="2413590"/>
+            <a:ext cx="454100" cy="457201"/>
+          </a:xfrm>
+          <a:prstGeom prst="straightConnector1">
+            <a:avLst/>
+          </a:prstGeom>
+          <a:ln>
+            <a:tailEnd type="triangle"/>
+          </a:ln>
+        </p:spPr>
+        <p:style>
+          <a:lnRef idx="3">
+            <a:schemeClr val="accent4"/>
+          </a:lnRef>
+          <a:fillRef idx="0">
+            <a:schemeClr val="accent4"/>
+          </a:fillRef>
+          <a:effectRef idx="2">
+            <a:schemeClr val="accent4"/>
+          </a:effectRef>
+          <a:fontRef idx="minor">
+            <a:schemeClr val="tx1"/>
+          </a:fontRef>
+        </p:style>
+      </p:cxnSp>
+      <p:cxnSp>
+        <p:nvCxnSpPr>
+          <p:cNvPr id="36" name="직선 화살표 연결선 35">
+            <a:extLst>
+              <a:ext uri="{FF2B5EF4-FFF2-40B4-BE49-F238E27FC236}">
+                <a16:creationId xmlns:a16="http://schemas.microsoft.com/office/drawing/2014/main" id="{154AD79A-135E-CCD8-BB03-43A6A5EE6F86}"/>
+              </a:ext>
+            </a:extLst>
+          </p:cNvPr>
+          <p:cNvCxnSpPr>
+            <a:cxnSpLocks/>
+            <a:stCxn id="27" idx="2"/>
+            <a:endCxn id="8" idx="0"/>
+          </p:cNvCxnSpPr>
+          <p:nvPr/>
+        </p:nvCxnSpPr>
+        <p:spPr>
+          <a:xfrm>
+            <a:off x="6716012" y="2413589"/>
+            <a:ext cx="644821" cy="462514"/>
+          </a:xfrm>
+          <a:prstGeom prst="straightConnector1">
+            <a:avLst/>
+          </a:prstGeom>
+          <a:ln>
+            <a:tailEnd type="triangle"/>
+          </a:ln>
+        </p:spPr>
+        <p:style>
+          <a:lnRef idx="3">
+            <a:schemeClr val="accent4"/>
+          </a:lnRef>
+          <a:fillRef idx="0">
+            <a:schemeClr val="accent4"/>
+          </a:fillRef>
+          <a:effectRef idx="2">
+            <a:schemeClr val="accent4"/>
+          </a:effectRef>
+          <a:fontRef idx="minor">
+            <a:schemeClr val="tx1"/>
+          </a:fontRef>
+        </p:style>
+      </p:cxnSp>
+      <p:cxnSp>
+        <p:nvCxnSpPr>
+          <p:cNvPr id="39" name="직선 화살표 연결선 38">
+            <a:extLst>
+              <a:ext uri="{FF2B5EF4-FFF2-40B4-BE49-F238E27FC236}">
+                <a16:creationId xmlns:a16="http://schemas.microsoft.com/office/drawing/2014/main" id="{9F844101-53BA-09ED-1881-777A170D3F6D}"/>
+              </a:ext>
+            </a:extLst>
+          </p:cNvPr>
+          <p:cNvCxnSpPr>
+            <a:cxnSpLocks/>
+            <a:stCxn id="28" idx="2"/>
+            <a:endCxn id="9" idx="0"/>
+          </p:cNvCxnSpPr>
+          <p:nvPr/>
+        </p:nvCxnSpPr>
+        <p:spPr>
+          <a:xfrm>
+            <a:off x="7906858" y="2429537"/>
+            <a:ext cx="961584" cy="441254"/>
+          </a:xfrm>
+          <a:prstGeom prst="straightConnector1">
+            <a:avLst/>
+          </a:prstGeom>
+          <a:ln>
+            <a:tailEnd type="triangle"/>
+          </a:ln>
+        </p:spPr>
+        <p:style>
+          <a:lnRef idx="3">
+            <a:schemeClr val="accent4"/>
+          </a:lnRef>
+          <a:fillRef idx="0">
+            <a:schemeClr val="accent4"/>
+          </a:fillRef>
+          <a:effectRef idx="2">
+            <a:schemeClr val="accent4"/>
+          </a:effectRef>
+          <a:fontRef idx="minor">
+            <a:schemeClr val="tx1"/>
+          </a:fontRef>
+        </p:style>
+      </p:cxnSp>
+      <p:sp>
+        <p:nvSpPr>
+          <p:cNvPr id="48" name="직사각형 47">
+            <a:extLst>
+              <a:ext uri="{FF2B5EF4-FFF2-40B4-BE49-F238E27FC236}">
+                <a16:creationId xmlns:a16="http://schemas.microsoft.com/office/drawing/2014/main" id="{C3C354FB-357E-3FF6-8DC9-631CDD5BF4E4}"/>
+              </a:ext>
+            </a:extLst>
+          </p:cNvPr>
+          <p:cNvSpPr/>
+          <p:nvPr/>
+        </p:nvSpPr>
+        <p:spPr>
+          <a:xfrm>
+            <a:off x="2413592" y="3965945"/>
+            <a:ext cx="1496642" cy="786810"/>
+          </a:xfrm>
+          <a:prstGeom prst="rect">
+            <a:avLst/>
+          </a:prstGeom>
+          <a:ln>
+            <a:solidFill>
+              <a:srgbClr val="FDA9F7"/>
+            </a:solidFill>
+          </a:ln>
+        </p:spPr>
+        <p:style>
+          <a:lnRef idx="2">
+            <a:schemeClr val="accent4"/>
+          </a:lnRef>
+          <a:fillRef idx="1">
+            <a:schemeClr val="lt1"/>
+          </a:fillRef>
+          <a:effectRef idx="0">
+            <a:schemeClr val="accent4"/>
+          </a:effectRef>
+          <a:fontRef idx="minor">
+            <a:schemeClr val="dk1"/>
+          </a:fontRef>
+        </p:style>
+        <p:txBody>
+          <a:bodyPr rtlCol="0" anchor="ctr"/>
+          <a:lstStyle/>
+          <a:p>
+            <a:pPr algn="ctr"/>
+            <a:r>
+              <a:rPr kumimoji="1" lang="en-US" altLang="ko-Kore-KR" dirty="0" err="1"/>
+              <a:t>getScheme</a:t>
+            </a:r>
+            <a:r>
+              <a:rPr kumimoji="1" lang="en-US" altLang="ko-Kore-KR" dirty="0"/>
+              <a:t>()</a:t>
+            </a:r>
+            <a:endParaRPr kumimoji="1" lang="ko-Kore-KR" altLang="en-US" dirty="0"/>
+          </a:p>
+        </p:txBody>
+      </p:sp>
+      <p:sp>
+        <p:nvSpPr>
+          <p:cNvPr id="49" name="직사각형 48">
+            <a:extLst>
+              <a:ext uri="{FF2B5EF4-FFF2-40B4-BE49-F238E27FC236}">
+                <a16:creationId xmlns:a16="http://schemas.microsoft.com/office/drawing/2014/main" id="{B9D16E3E-875B-7BF3-1B6A-59439009BFB4}"/>
+              </a:ext>
+            </a:extLst>
+          </p:cNvPr>
+          <p:cNvSpPr/>
+          <p:nvPr/>
+        </p:nvSpPr>
+        <p:spPr>
+          <a:xfrm>
+            <a:off x="4144040" y="3965945"/>
+            <a:ext cx="1297171" cy="786810"/>
+          </a:xfrm>
+          <a:prstGeom prst="rect">
+            <a:avLst/>
+          </a:prstGeom>
+          <a:ln>
+            <a:solidFill>
+              <a:srgbClr val="FDA9F7"/>
+            </a:solidFill>
+          </a:ln>
+        </p:spPr>
+        <p:style>
+          <a:lnRef idx="2">
+            <a:schemeClr val="accent4"/>
+          </a:lnRef>
+          <a:fillRef idx="1">
+            <a:schemeClr val="lt1"/>
+          </a:fillRef>
+          <a:effectRef idx="0">
+            <a:schemeClr val="accent4"/>
+          </a:effectRef>
+          <a:fontRef idx="minor">
+            <a:schemeClr val="dk1"/>
+          </a:fontRef>
+        </p:style>
+        <p:txBody>
+          <a:bodyPr rtlCol="0" anchor="ctr"/>
+          <a:lstStyle/>
+          <a:p>
+            <a:pPr algn="ctr"/>
+            <a:r>
+              <a:rPr kumimoji="1" lang="en-US" altLang="ko-Kore-KR" dirty="0" err="1"/>
+              <a:t>getHost</a:t>
+            </a:r>
+            <a:r>
+              <a:rPr kumimoji="1" lang="en-US" altLang="ko-Kore-KR" dirty="0"/>
+              <a:t>()</a:t>
+            </a:r>
+            <a:endParaRPr kumimoji="1" lang="ko-Kore-KR" altLang="en-US" dirty="0"/>
+          </a:p>
+        </p:txBody>
+      </p:sp>
+      <p:sp>
+        <p:nvSpPr>
+          <p:cNvPr id="50" name="직사각형 49">
+            <a:extLst>
+              <a:ext uri="{FF2B5EF4-FFF2-40B4-BE49-F238E27FC236}">
+                <a16:creationId xmlns:a16="http://schemas.microsoft.com/office/drawing/2014/main" id="{0E905A11-29CD-9C23-7B42-D5A80B00FD02}"/>
+              </a:ext>
+            </a:extLst>
+          </p:cNvPr>
+          <p:cNvSpPr/>
+          <p:nvPr/>
+        </p:nvSpPr>
+        <p:spPr>
+          <a:xfrm>
+            <a:off x="5532475" y="3965945"/>
+            <a:ext cx="1137683" cy="786810"/>
+          </a:xfrm>
+          <a:prstGeom prst="rect">
+            <a:avLst/>
+          </a:prstGeom>
+          <a:ln>
+            <a:solidFill>
+              <a:srgbClr val="FDA9F7"/>
+            </a:solidFill>
+          </a:ln>
+        </p:spPr>
+        <p:style>
+          <a:lnRef idx="2">
+            <a:schemeClr val="accent4"/>
+          </a:lnRef>
+          <a:fillRef idx="1">
+            <a:schemeClr val="lt1"/>
+          </a:fillRef>
+          <a:effectRef idx="0">
+            <a:schemeClr val="accent4"/>
+          </a:effectRef>
+          <a:fontRef idx="minor">
+            <a:schemeClr val="dk1"/>
+          </a:fontRef>
+        </p:style>
+        <p:txBody>
+          <a:bodyPr rtlCol="0" anchor="ctr"/>
+          <a:lstStyle/>
+          <a:p>
+            <a:pPr algn="ctr"/>
+            <a:r>
+              <a:rPr kumimoji="1" lang="en-US" altLang="ko-Kore-KR" dirty="0" err="1"/>
+              <a:t>getPort</a:t>
+            </a:r>
+            <a:r>
+              <a:rPr kumimoji="1" lang="en-US" altLang="ko-Kore-KR" dirty="0"/>
+              <a:t>()</a:t>
+            </a:r>
+            <a:endParaRPr kumimoji="1" lang="ko-Kore-KR" altLang="en-US" dirty="0"/>
+          </a:p>
+        </p:txBody>
+      </p:sp>
+      <p:sp>
+        <p:nvSpPr>
+          <p:cNvPr id="51" name="직사각형 50">
+            <a:extLst>
+              <a:ext uri="{FF2B5EF4-FFF2-40B4-BE49-F238E27FC236}">
+                <a16:creationId xmlns:a16="http://schemas.microsoft.com/office/drawing/2014/main" id="{BA9887DC-44FA-59D1-9D42-5D733571D1DC}"/>
+              </a:ext>
+            </a:extLst>
+          </p:cNvPr>
+          <p:cNvSpPr/>
+          <p:nvPr/>
+        </p:nvSpPr>
+        <p:spPr>
+          <a:xfrm>
+            <a:off x="6797308" y="3971257"/>
+            <a:ext cx="1137683" cy="786810"/>
+          </a:xfrm>
+          <a:prstGeom prst="rect">
+            <a:avLst/>
+          </a:prstGeom>
+          <a:ln>
+            <a:solidFill>
+              <a:srgbClr val="FDA9F7"/>
+            </a:solidFill>
+          </a:ln>
+        </p:spPr>
+        <p:style>
+          <a:lnRef idx="2">
+            <a:schemeClr val="accent4"/>
+          </a:lnRef>
+          <a:fillRef idx="1">
+            <a:schemeClr val="lt1"/>
+          </a:fillRef>
+          <a:effectRef idx="0">
+            <a:schemeClr val="accent4"/>
+          </a:effectRef>
+          <a:fontRef idx="minor">
+            <a:schemeClr val="dk1"/>
+          </a:fontRef>
+        </p:style>
+        <p:txBody>
+          <a:bodyPr rtlCol="0" anchor="ctr"/>
+          <a:lstStyle/>
+          <a:p>
+            <a:pPr algn="ctr"/>
+            <a:r>
+              <a:rPr kumimoji="1" lang="en-US" altLang="ko-Kore-KR" dirty="0" err="1"/>
+              <a:t>getPath</a:t>
+            </a:r>
+            <a:r>
+              <a:rPr kumimoji="1" lang="en-US" altLang="ko-Kore-KR" dirty="0"/>
+              <a:t>()</a:t>
+            </a:r>
+            <a:endParaRPr kumimoji="1" lang="ko-Kore-KR" altLang="en-US" dirty="0"/>
+          </a:p>
+        </p:txBody>
+      </p:sp>
+      <p:sp>
+        <p:nvSpPr>
+          <p:cNvPr id="52" name="직사각형 51">
+            <a:extLst>
+              <a:ext uri="{FF2B5EF4-FFF2-40B4-BE49-F238E27FC236}">
+                <a16:creationId xmlns:a16="http://schemas.microsoft.com/office/drawing/2014/main" id="{7069AF2E-5D93-9179-16EC-CCE21AE0E971}"/>
+              </a:ext>
+            </a:extLst>
+          </p:cNvPr>
+          <p:cNvSpPr/>
+          <p:nvPr/>
+        </p:nvSpPr>
+        <p:spPr>
+          <a:xfrm>
+            <a:off x="8062141" y="3965945"/>
+            <a:ext cx="1623235" cy="786810"/>
+          </a:xfrm>
+          <a:prstGeom prst="rect">
+            <a:avLst/>
+          </a:prstGeom>
+          <a:ln>
+            <a:solidFill>
+              <a:srgbClr val="FDA9F7"/>
+            </a:solidFill>
+          </a:ln>
+        </p:spPr>
+        <p:style>
+          <a:lnRef idx="2">
+            <a:schemeClr val="accent4"/>
+          </a:lnRef>
+          <a:fillRef idx="1">
+            <a:schemeClr val="lt1"/>
+          </a:fillRef>
+          <a:effectRef idx="0">
+            <a:schemeClr val="accent4"/>
+          </a:effectRef>
+          <a:fontRef idx="minor">
+            <a:schemeClr val="dk1"/>
+          </a:fontRef>
+        </p:style>
+        <p:txBody>
+          <a:bodyPr rtlCol="0" anchor="ctr"/>
+          <a:lstStyle/>
+          <a:p>
+            <a:pPr algn="ctr"/>
+            <a:r>
+              <a:rPr kumimoji="1" lang="en-US" altLang="ko-Kore-KR" dirty="0" err="1"/>
+              <a:t>getQuery</a:t>
+            </a:r>
+            <a:r>
+              <a:rPr kumimoji="1" lang="en-US" altLang="ko-Kore-KR" dirty="0"/>
+              <a:t>()</a:t>
+            </a:r>
+            <a:endParaRPr kumimoji="1" lang="ko-Kore-KR" altLang="en-US" dirty="0"/>
+          </a:p>
+        </p:txBody>
+      </p:sp>
+      <p:sp>
+        <p:nvSpPr>
+          <p:cNvPr id="53" name="직사각형 52">
+            <a:extLst>
+              <a:ext uri="{FF2B5EF4-FFF2-40B4-BE49-F238E27FC236}">
+                <a16:creationId xmlns:a16="http://schemas.microsoft.com/office/drawing/2014/main" id="{DD17C7BB-24FE-70EB-F90B-537F9FFA749F}"/>
+              </a:ext>
+            </a:extLst>
+          </p:cNvPr>
+          <p:cNvSpPr/>
+          <p:nvPr/>
+        </p:nvSpPr>
+        <p:spPr>
+          <a:xfrm>
+            <a:off x="683144" y="4077587"/>
+            <a:ext cx="1496642" cy="563525"/>
+          </a:xfrm>
+          <a:prstGeom prst="rect">
+            <a:avLst/>
+          </a:prstGeom>
+          <a:solidFill>
+            <a:srgbClr val="FDA9F7"/>
+          </a:solidFill>
+          <a:ln/>
+        </p:spPr>
+        <p:style>
+          <a:lnRef idx="3">
+            <a:schemeClr val="lt1"/>
+          </a:lnRef>
+          <a:fillRef idx="1">
+            <a:schemeClr val="accent3"/>
+          </a:fillRef>
+          <a:effectRef idx="1">
+            <a:schemeClr val="accent3"/>
+          </a:effectRef>
+          <a:fontRef idx="minor">
+            <a:schemeClr val="lt1"/>
+          </a:fontRef>
+        </p:style>
+        <p:txBody>
+          <a:bodyPr rtlCol="0" anchor="ctr"/>
+          <a:lstStyle/>
+          <a:p>
+            <a:pPr algn="ctr"/>
+            <a:r>
+              <a:rPr kumimoji="1" lang="en-US" altLang="ko-Kore-KR" dirty="0"/>
+              <a:t>URI Class</a:t>
+            </a:r>
+            <a:endParaRPr kumimoji="1" lang="ko-Kore-KR" altLang="en-US" dirty="0"/>
+          </a:p>
+        </p:txBody>
+      </p:sp>
     </p:spTree>
     <p:extLst>
       <p:ext uri="{BB962C8B-B14F-4D97-AF65-F5344CB8AC3E}">
@@ -13225,6 +15977,4430 @@
           <a:chExt cx="0" cy="0"/>
         </a:xfrm>
       </p:grpSpPr>
+      <p:cxnSp>
+        <p:nvCxnSpPr>
+          <p:cNvPr id="13" name="직선 화살표 연결선 12">
+            <a:extLst>
+              <a:ext uri="{FF2B5EF4-FFF2-40B4-BE49-F238E27FC236}">
+                <a16:creationId xmlns:a16="http://schemas.microsoft.com/office/drawing/2014/main" id="{BFD7FCD0-D891-4EB2-B486-7D5187EB13CC}"/>
+              </a:ext>
+            </a:extLst>
+          </p:cNvPr>
+          <p:cNvCxnSpPr>
+            <a:cxnSpLocks/>
+            <a:stCxn id="2" idx="3"/>
+          </p:cNvCxnSpPr>
+          <p:nvPr/>
+        </p:nvCxnSpPr>
+        <p:spPr>
+          <a:xfrm>
+            <a:off x="1750554" y="2339159"/>
+            <a:ext cx="1797640" cy="5316"/>
+          </a:xfrm>
+          <a:prstGeom prst="straightConnector1">
+            <a:avLst/>
+          </a:prstGeom>
+          <a:ln>
+            <a:headEnd type="triangle"/>
+            <a:tailEnd type="triangle"/>
+          </a:ln>
+        </p:spPr>
+        <p:style>
+          <a:lnRef idx="3">
+            <a:schemeClr val="accent1"/>
+          </a:lnRef>
+          <a:fillRef idx="0">
+            <a:schemeClr val="accent1"/>
+          </a:fillRef>
+          <a:effectRef idx="2">
+            <a:schemeClr val="accent1"/>
+          </a:effectRef>
+          <a:fontRef idx="minor">
+            <a:schemeClr val="tx1"/>
+          </a:fontRef>
+        </p:style>
+      </p:cxnSp>
+      <p:sp>
+        <p:nvSpPr>
+          <p:cNvPr id="2" name="직사각형 1">
+            <a:extLst>
+              <a:ext uri="{FF2B5EF4-FFF2-40B4-BE49-F238E27FC236}">
+                <a16:creationId xmlns:a16="http://schemas.microsoft.com/office/drawing/2014/main" id="{5A5C6F38-CCCD-1FC6-E46D-02F7190E5E71}"/>
+              </a:ext>
+            </a:extLst>
+          </p:cNvPr>
+          <p:cNvSpPr/>
+          <p:nvPr/>
+        </p:nvSpPr>
+        <p:spPr>
+          <a:xfrm>
+            <a:off x="7552" y="1945754"/>
+            <a:ext cx="1743002" cy="786810"/>
+          </a:xfrm>
+          <a:prstGeom prst="rect">
+            <a:avLst/>
+          </a:prstGeom>
+        </p:spPr>
+        <p:style>
+          <a:lnRef idx="2">
+            <a:schemeClr val="accent1">
+              <a:shade val="50000"/>
+            </a:schemeClr>
+          </a:lnRef>
+          <a:fillRef idx="1">
+            <a:schemeClr val="accent1"/>
+          </a:fillRef>
+          <a:effectRef idx="0">
+            <a:schemeClr val="accent1"/>
+          </a:effectRef>
+          <a:fontRef idx="minor">
+            <a:schemeClr val="lt1"/>
+          </a:fontRef>
+        </p:style>
+        <p:txBody>
+          <a:bodyPr rtlCol="0" anchor="ctr"/>
+          <a:lstStyle/>
+          <a:p>
+            <a:pPr algn="ctr"/>
+            <a:r>
+              <a:rPr kumimoji="1" lang="en-US" altLang="ko-Kore-KR" dirty="0"/>
+              <a:t>Web Browser</a:t>
+            </a:r>
+            <a:endParaRPr kumimoji="1" lang="ko-Kore-KR" altLang="en-US" dirty="0"/>
+          </a:p>
+        </p:txBody>
+      </p:sp>
+      <p:sp>
+        <p:nvSpPr>
+          <p:cNvPr id="4" name="원통[C] 3">
+            <a:extLst>
+              <a:ext uri="{FF2B5EF4-FFF2-40B4-BE49-F238E27FC236}">
+                <a16:creationId xmlns:a16="http://schemas.microsoft.com/office/drawing/2014/main" id="{2CCFF87D-3AA3-32E0-40AF-E18CA17F444C}"/>
+              </a:ext>
+            </a:extLst>
+          </p:cNvPr>
+          <p:cNvSpPr/>
+          <p:nvPr/>
+        </p:nvSpPr>
+        <p:spPr>
+          <a:xfrm>
+            <a:off x="10297012" y="5569239"/>
+            <a:ext cx="1722475" cy="839972"/>
+          </a:xfrm>
+          <a:prstGeom prst="can">
+            <a:avLst/>
+          </a:prstGeom>
+        </p:spPr>
+        <p:style>
+          <a:lnRef idx="2">
+            <a:schemeClr val="accent1">
+              <a:shade val="50000"/>
+            </a:schemeClr>
+          </a:lnRef>
+          <a:fillRef idx="1">
+            <a:schemeClr val="accent1"/>
+          </a:fillRef>
+          <a:effectRef idx="0">
+            <a:schemeClr val="accent1"/>
+          </a:effectRef>
+          <a:fontRef idx="minor">
+            <a:schemeClr val="lt1"/>
+          </a:fontRef>
+        </p:style>
+        <p:txBody>
+          <a:bodyPr rtlCol="0" anchor="ctr"/>
+          <a:lstStyle/>
+          <a:p>
+            <a:pPr algn="ctr"/>
+            <a:r>
+              <a:rPr kumimoji="1" lang="en-US" altLang="ko-Kore-KR" dirty="0"/>
+              <a:t>DBMS</a:t>
+            </a:r>
+            <a:endParaRPr kumimoji="1" lang="ko-Kore-KR" altLang="en-US" dirty="0"/>
+          </a:p>
+        </p:txBody>
+      </p:sp>
+      <p:sp>
+        <p:nvSpPr>
+          <p:cNvPr id="8" name="TextBox 7">
+            <a:extLst>
+              <a:ext uri="{FF2B5EF4-FFF2-40B4-BE49-F238E27FC236}">
+                <a16:creationId xmlns:a16="http://schemas.microsoft.com/office/drawing/2014/main" id="{33D930B2-BEC3-6F98-84C7-A834D9854978}"/>
+              </a:ext>
+            </a:extLst>
+          </p:cNvPr>
+          <p:cNvSpPr txBox="1"/>
+          <p:nvPr/>
+        </p:nvSpPr>
+        <p:spPr>
+          <a:xfrm>
+            <a:off x="2242729" y="1773122"/>
+            <a:ext cx="813290" cy="276999"/>
+          </a:xfrm>
+          <a:prstGeom prst="rect">
+            <a:avLst/>
+          </a:prstGeom>
+          <a:ln/>
+        </p:spPr>
+        <p:style>
+          <a:lnRef idx="2">
+            <a:schemeClr val="accent1"/>
+          </a:lnRef>
+          <a:fillRef idx="1">
+            <a:schemeClr val="lt1"/>
+          </a:fillRef>
+          <a:effectRef idx="0">
+            <a:schemeClr val="accent1"/>
+          </a:effectRef>
+          <a:fontRef idx="minor">
+            <a:schemeClr val="dk1"/>
+          </a:fontRef>
+        </p:style>
+        <p:txBody>
+          <a:bodyPr wrap="square" rtlCol="0">
+            <a:spAutoFit/>
+          </a:bodyPr>
+          <a:lstStyle/>
+          <a:p>
+            <a:pPr algn="ctr"/>
+            <a:r>
+              <a:rPr kumimoji="1" lang="en-US" altLang="ko-KR" sz="1200" dirty="0"/>
+              <a:t>1. </a:t>
+            </a:r>
+            <a:r>
+              <a:rPr kumimoji="1" lang="ko-KR" altLang="en-US" sz="1200" dirty="0"/>
+              <a:t>요청</a:t>
+            </a:r>
+            <a:endParaRPr kumimoji="1" lang="ko-Kore-KR" altLang="en-US" sz="1200" dirty="0"/>
+          </a:p>
+        </p:txBody>
+      </p:sp>
+      <p:sp>
+        <p:nvSpPr>
+          <p:cNvPr id="9" name="TextBox 8">
+            <a:extLst>
+              <a:ext uri="{FF2B5EF4-FFF2-40B4-BE49-F238E27FC236}">
+                <a16:creationId xmlns:a16="http://schemas.microsoft.com/office/drawing/2014/main" id="{68E6CC02-54C3-DAC5-0D4E-FA53359B36C3}"/>
+              </a:ext>
+            </a:extLst>
+          </p:cNvPr>
+          <p:cNvSpPr txBox="1"/>
+          <p:nvPr/>
+        </p:nvSpPr>
+        <p:spPr>
+          <a:xfrm>
+            <a:off x="2242729" y="2650490"/>
+            <a:ext cx="813290" cy="276999"/>
+          </a:xfrm>
+          <a:prstGeom prst="rect">
+            <a:avLst/>
+          </a:prstGeom>
+          <a:ln/>
+        </p:spPr>
+        <p:style>
+          <a:lnRef idx="2">
+            <a:schemeClr val="accent1"/>
+          </a:lnRef>
+          <a:fillRef idx="1">
+            <a:schemeClr val="lt1"/>
+          </a:fillRef>
+          <a:effectRef idx="0">
+            <a:schemeClr val="accent1"/>
+          </a:effectRef>
+          <a:fontRef idx="minor">
+            <a:schemeClr val="dk1"/>
+          </a:fontRef>
+        </p:style>
+        <p:txBody>
+          <a:bodyPr wrap="square" rtlCol="0">
+            <a:spAutoFit/>
+          </a:bodyPr>
+          <a:lstStyle/>
+          <a:p>
+            <a:pPr algn="ctr"/>
+            <a:r>
+              <a:rPr kumimoji="1" lang="en-US" altLang="ko-KR" sz="1200" dirty="0"/>
+              <a:t>6. </a:t>
+            </a:r>
+            <a:r>
+              <a:rPr kumimoji="1" lang="ko-KR" altLang="en-US" sz="1200" dirty="0"/>
+              <a:t>응답</a:t>
+            </a:r>
+            <a:endParaRPr kumimoji="1" lang="ko-Kore-KR" altLang="en-US" sz="1200" dirty="0"/>
+          </a:p>
+        </p:txBody>
+      </p:sp>
+      <p:sp>
+        <p:nvSpPr>
+          <p:cNvPr id="10" name="TextBox 9">
+            <a:extLst>
+              <a:ext uri="{FF2B5EF4-FFF2-40B4-BE49-F238E27FC236}">
+                <a16:creationId xmlns:a16="http://schemas.microsoft.com/office/drawing/2014/main" id="{0AC11DCF-2BD2-E623-17F9-65B5BD69A8B2}"/>
+              </a:ext>
+            </a:extLst>
+          </p:cNvPr>
+          <p:cNvSpPr txBox="1"/>
+          <p:nvPr/>
+        </p:nvSpPr>
+        <p:spPr>
+          <a:xfrm>
+            <a:off x="2344942" y="2108324"/>
+            <a:ext cx="620234" cy="461665"/>
+          </a:xfrm>
+          <a:prstGeom prst="rect">
+            <a:avLst/>
+          </a:prstGeom>
+          <a:ln/>
+        </p:spPr>
+        <p:style>
+          <a:lnRef idx="3">
+            <a:schemeClr val="lt1"/>
+          </a:lnRef>
+          <a:fillRef idx="1">
+            <a:schemeClr val="accent2"/>
+          </a:fillRef>
+          <a:effectRef idx="1">
+            <a:schemeClr val="accent2"/>
+          </a:effectRef>
+          <a:fontRef idx="minor">
+            <a:schemeClr val="lt1"/>
+          </a:fontRef>
+        </p:style>
+        <p:txBody>
+          <a:bodyPr wrap="square" rtlCol="0">
+            <a:spAutoFit/>
+          </a:bodyPr>
+          <a:lstStyle/>
+          <a:p>
+            <a:pPr algn="ctr"/>
+            <a:r>
+              <a:rPr kumimoji="1" lang="en-US" altLang="ko-KR" sz="1200" b="1" dirty="0"/>
+              <a:t>HTTP</a:t>
+            </a:r>
+          </a:p>
+          <a:p>
+            <a:pPr algn="ctr"/>
+            <a:r>
+              <a:rPr kumimoji="1" lang="ko-KR" altLang="en-US" sz="1200" b="1" dirty="0"/>
+              <a:t>통신</a:t>
+            </a:r>
+            <a:endParaRPr kumimoji="1" lang="ko-Kore-KR" altLang="en-US" sz="1200" b="1" dirty="0"/>
+          </a:p>
+        </p:txBody>
+      </p:sp>
+      <p:sp>
+        <p:nvSpPr>
+          <p:cNvPr id="11" name="직사각형 10">
+            <a:extLst>
+              <a:ext uri="{FF2B5EF4-FFF2-40B4-BE49-F238E27FC236}">
+                <a16:creationId xmlns:a16="http://schemas.microsoft.com/office/drawing/2014/main" id="{4140DA0E-CB71-840C-523F-3BA52B3706F2}"/>
+              </a:ext>
+            </a:extLst>
+          </p:cNvPr>
+          <p:cNvSpPr/>
+          <p:nvPr/>
+        </p:nvSpPr>
+        <p:spPr>
+          <a:xfrm>
+            <a:off x="6764447" y="1945754"/>
+            <a:ext cx="2201547" cy="786810"/>
+          </a:xfrm>
+          <a:prstGeom prst="rect">
+            <a:avLst/>
+          </a:prstGeom>
+        </p:spPr>
+        <p:style>
+          <a:lnRef idx="2">
+            <a:schemeClr val="accent1">
+              <a:shade val="50000"/>
+            </a:schemeClr>
+          </a:lnRef>
+          <a:fillRef idx="1">
+            <a:schemeClr val="accent1"/>
+          </a:fillRef>
+          <a:effectRef idx="0">
+            <a:schemeClr val="accent1"/>
+          </a:effectRef>
+          <a:fontRef idx="minor">
+            <a:schemeClr val="lt1"/>
+          </a:fontRef>
+        </p:style>
+        <p:txBody>
+          <a:bodyPr rtlCol="0" anchor="ctr"/>
+          <a:lstStyle/>
+          <a:p>
+            <a:pPr algn="ctr"/>
+            <a:r>
+              <a:rPr kumimoji="1" lang="en-US" altLang="ko-Kore-KR" sz="1400" dirty="0"/>
+              <a:t>&lt;&lt;</a:t>
+            </a:r>
+            <a:r>
+              <a:rPr kumimoji="1" lang="en-US" altLang="ko-Kore-KR" sz="1400" dirty="0" err="1"/>
+              <a:t>HttpHandler</a:t>
+            </a:r>
+            <a:r>
+              <a:rPr kumimoji="1" lang="en-US" altLang="ko-Kore-KR" sz="1400" dirty="0"/>
+              <a:t>&gt;&gt;</a:t>
+            </a:r>
+          </a:p>
+          <a:p>
+            <a:pPr algn="ctr"/>
+            <a:r>
+              <a:rPr kumimoji="1" lang="en-US" altLang="ko-Kore-KR" dirty="0" err="1"/>
+              <a:t>MyHttpHandler</a:t>
+            </a:r>
+            <a:endParaRPr kumimoji="1" lang="ko-Kore-KR" altLang="en-US" dirty="0"/>
+          </a:p>
+        </p:txBody>
+      </p:sp>
+      <p:sp>
+        <p:nvSpPr>
+          <p:cNvPr id="16" name="TextBox 15">
+            <a:extLst>
+              <a:ext uri="{FF2B5EF4-FFF2-40B4-BE49-F238E27FC236}">
+                <a16:creationId xmlns:a16="http://schemas.microsoft.com/office/drawing/2014/main" id="{BB41F1E9-A21D-DF29-79C3-D7E700D0A643}"/>
+              </a:ext>
+            </a:extLst>
+          </p:cNvPr>
+          <p:cNvSpPr txBox="1"/>
+          <p:nvPr/>
+        </p:nvSpPr>
+        <p:spPr>
+          <a:xfrm>
+            <a:off x="5156321" y="1969824"/>
+            <a:ext cx="1206794" cy="276999"/>
+          </a:xfrm>
+          <a:prstGeom prst="rect">
+            <a:avLst/>
+          </a:prstGeom>
+          <a:ln/>
+        </p:spPr>
+        <p:style>
+          <a:lnRef idx="2">
+            <a:schemeClr val="accent1"/>
+          </a:lnRef>
+          <a:fillRef idx="1">
+            <a:schemeClr val="lt1"/>
+          </a:fillRef>
+          <a:effectRef idx="0">
+            <a:schemeClr val="accent1"/>
+          </a:effectRef>
+          <a:fontRef idx="minor">
+            <a:schemeClr val="dk1"/>
+          </a:fontRef>
+        </p:style>
+        <p:txBody>
+          <a:bodyPr wrap="square" rtlCol="0">
+            <a:spAutoFit/>
+          </a:bodyPr>
+          <a:lstStyle/>
+          <a:p>
+            <a:pPr algn="ctr"/>
+            <a:r>
+              <a:rPr kumimoji="1" lang="en-US" altLang="ko-Kore-KR" sz="1200" dirty="0"/>
+              <a:t>3. handle()</a:t>
+            </a:r>
+            <a:endParaRPr kumimoji="1" lang="ko-Kore-KR" altLang="en-US" sz="1200" dirty="0"/>
+          </a:p>
+        </p:txBody>
+      </p:sp>
+      <p:sp>
+        <p:nvSpPr>
+          <p:cNvPr id="23" name="직사각형 22">
+            <a:extLst>
+              <a:ext uri="{FF2B5EF4-FFF2-40B4-BE49-F238E27FC236}">
+                <a16:creationId xmlns:a16="http://schemas.microsoft.com/office/drawing/2014/main" id="{FB24D080-80BE-5A4D-626B-84A4710FE83D}"/>
+              </a:ext>
+            </a:extLst>
+          </p:cNvPr>
+          <p:cNvSpPr/>
+          <p:nvPr/>
+        </p:nvSpPr>
+        <p:spPr>
+          <a:xfrm>
+            <a:off x="10346263" y="4133835"/>
+            <a:ext cx="1623975" cy="786810"/>
+          </a:xfrm>
+          <a:prstGeom prst="rect">
+            <a:avLst/>
+          </a:prstGeom>
+        </p:spPr>
+        <p:style>
+          <a:lnRef idx="2">
+            <a:schemeClr val="accent1">
+              <a:shade val="50000"/>
+            </a:schemeClr>
+          </a:lnRef>
+          <a:fillRef idx="1">
+            <a:schemeClr val="accent1"/>
+          </a:fillRef>
+          <a:effectRef idx="0">
+            <a:schemeClr val="accent1"/>
+          </a:effectRef>
+          <a:fontRef idx="minor">
+            <a:schemeClr val="lt1"/>
+          </a:fontRef>
+        </p:style>
+        <p:txBody>
+          <a:bodyPr rtlCol="0" anchor="ctr"/>
+          <a:lstStyle/>
+          <a:p>
+            <a:pPr algn="ctr"/>
+            <a:r>
+              <a:rPr kumimoji="1" lang="en-US" altLang="ko-Kore-KR" dirty="0" err="1"/>
+              <a:t>BoardDao</a:t>
+            </a:r>
+            <a:endParaRPr kumimoji="1" lang="ko-Kore-KR" altLang="en-US" dirty="0"/>
+          </a:p>
+        </p:txBody>
+      </p:sp>
+      <p:cxnSp>
+        <p:nvCxnSpPr>
+          <p:cNvPr id="24" name="직선 화살표 연결선 23">
+            <a:extLst>
+              <a:ext uri="{FF2B5EF4-FFF2-40B4-BE49-F238E27FC236}">
+                <a16:creationId xmlns:a16="http://schemas.microsoft.com/office/drawing/2014/main" id="{5AC47EC2-7130-F0D7-BA48-36F21A70585E}"/>
+              </a:ext>
+            </a:extLst>
+          </p:cNvPr>
+          <p:cNvCxnSpPr>
+            <a:cxnSpLocks/>
+            <a:stCxn id="11" idx="3"/>
+            <a:endCxn id="49" idx="1"/>
+          </p:cNvCxnSpPr>
+          <p:nvPr/>
+        </p:nvCxnSpPr>
+        <p:spPr>
+          <a:xfrm>
+            <a:off x="8965994" y="2339159"/>
+            <a:ext cx="1289861" cy="0"/>
+          </a:xfrm>
+          <a:prstGeom prst="straightConnector1">
+            <a:avLst/>
+          </a:prstGeom>
+          <a:ln>
+            <a:tailEnd type="triangle"/>
+          </a:ln>
+        </p:spPr>
+        <p:style>
+          <a:lnRef idx="3">
+            <a:schemeClr val="accent1"/>
+          </a:lnRef>
+          <a:fillRef idx="0">
+            <a:schemeClr val="accent1"/>
+          </a:fillRef>
+          <a:effectRef idx="2">
+            <a:schemeClr val="accent1"/>
+          </a:effectRef>
+          <a:fontRef idx="minor">
+            <a:schemeClr val="tx1"/>
+          </a:fontRef>
+        </p:style>
+      </p:cxnSp>
+      <p:sp>
+        <p:nvSpPr>
+          <p:cNvPr id="25" name="TextBox 24">
+            <a:extLst>
+              <a:ext uri="{FF2B5EF4-FFF2-40B4-BE49-F238E27FC236}">
+                <a16:creationId xmlns:a16="http://schemas.microsoft.com/office/drawing/2014/main" id="{C3C7725F-2A6F-E542-A350-AABD18989046}"/>
+              </a:ext>
+            </a:extLst>
+          </p:cNvPr>
+          <p:cNvSpPr txBox="1"/>
+          <p:nvPr/>
+        </p:nvSpPr>
+        <p:spPr>
+          <a:xfrm>
+            <a:off x="9300807" y="2200656"/>
+            <a:ext cx="620234" cy="276999"/>
+          </a:xfrm>
+          <a:prstGeom prst="rect">
+            <a:avLst/>
+          </a:prstGeom>
+          <a:ln/>
+        </p:spPr>
+        <p:style>
+          <a:lnRef idx="2">
+            <a:schemeClr val="accent1"/>
+          </a:lnRef>
+          <a:fillRef idx="1">
+            <a:schemeClr val="lt1"/>
+          </a:fillRef>
+          <a:effectRef idx="0">
+            <a:schemeClr val="accent1"/>
+          </a:effectRef>
+          <a:fontRef idx="minor">
+            <a:schemeClr val="dk1"/>
+          </a:fontRef>
+        </p:style>
+        <p:txBody>
+          <a:bodyPr wrap="square" rtlCol="0">
+            <a:spAutoFit/>
+          </a:bodyPr>
+          <a:lstStyle/>
+          <a:p>
+            <a:pPr algn="ctr"/>
+            <a:r>
+              <a:rPr kumimoji="1" lang="en-US" altLang="ko-Kore-KR" sz="1200" dirty="0"/>
+              <a:t>call</a:t>
+            </a:r>
+            <a:endParaRPr kumimoji="1" lang="ko-Kore-KR" altLang="en-US" sz="1200" dirty="0"/>
+          </a:p>
+        </p:txBody>
+      </p:sp>
+      <p:cxnSp>
+        <p:nvCxnSpPr>
+          <p:cNvPr id="28" name="직선 화살표 연결선 27">
+            <a:extLst>
+              <a:ext uri="{FF2B5EF4-FFF2-40B4-BE49-F238E27FC236}">
+                <a16:creationId xmlns:a16="http://schemas.microsoft.com/office/drawing/2014/main" id="{3A2612AE-A078-AADC-C75D-6B54F6FE99A4}"/>
+              </a:ext>
+            </a:extLst>
+          </p:cNvPr>
+          <p:cNvCxnSpPr>
+            <a:cxnSpLocks/>
+            <a:stCxn id="23" idx="2"/>
+            <a:endCxn id="4" idx="1"/>
+          </p:cNvCxnSpPr>
+          <p:nvPr/>
+        </p:nvCxnSpPr>
+        <p:spPr>
+          <a:xfrm flipH="1">
+            <a:off x="11158250" y="4920645"/>
+            <a:ext cx="1" cy="648594"/>
+          </a:xfrm>
+          <a:prstGeom prst="straightConnector1">
+            <a:avLst/>
+          </a:prstGeom>
+          <a:ln>
+            <a:tailEnd type="triangle"/>
+          </a:ln>
+        </p:spPr>
+        <p:style>
+          <a:lnRef idx="3">
+            <a:schemeClr val="accent1"/>
+          </a:lnRef>
+          <a:fillRef idx="0">
+            <a:schemeClr val="accent1"/>
+          </a:fillRef>
+          <a:effectRef idx="2">
+            <a:schemeClr val="accent1"/>
+          </a:effectRef>
+          <a:fontRef idx="minor">
+            <a:schemeClr val="tx1"/>
+          </a:fontRef>
+        </p:style>
+      </p:cxnSp>
+      <p:sp>
+        <p:nvSpPr>
+          <p:cNvPr id="5" name="직사각형 4">
+            <a:extLst>
+              <a:ext uri="{FF2B5EF4-FFF2-40B4-BE49-F238E27FC236}">
+                <a16:creationId xmlns:a16="http://schemas.microsoft.com/office/drawing/2014/main" id="{83A9D411-0BD6-F534-C674-D5AF186870C0}"/>
+              </a:ext>
+            </a:extLst>
+          </p:cNvPr>
+          <p:cNvSpPr/>
+          <p:nvPr/>
+        </p:nvSpPr>
+        <p:spPr>
+          <a:xfrm>
+            <a:off x="3548194" y="1850061"/>
+            <a:ext cx="1206795" cy="988828"/>
+          </a:xfrm>
+          <a:prstGeom prst="rect">
+            <a:avLst/>
+          </a:prstGeom>
+        </p:spPr>
+        <p:style>
+          <a:lnRef idx="2">
+            <a:schemeClr val="accent1">
+              <a:shade val="50000"/>
+            </a:schemeClr>
+          </a:lnRef>
+          <a:fillRef idx="1">
+            <a:schemeClr val="accent1"/>
+          </a:fillRef>
+          <a:effectRef idx="0">
+            <a:schemeClr val="accent1"/>
+          </a:effectRef>
+          <a:fontRef idx="minor">
+            <a:schemeClr val="lt1"/>
+          </a:fontRef>
+        </p:style>
+        <p:txBody>
+          <a:bodyPr rtlCol="0" anchor="ctr"/>
+          <a:lstStyle/>
+          <a:p>
+            <a:pPr algn="ctr"/>
+            <a:r>
+              <a:rPr kumimoji="1" lang="en-US" altLang="ko-Kore-KR" dirty="0"/>
+              <a:t>Mini</a:t>
+            </a:r>
+          </a:p>
+          <a:p>
+            <a:pPr algn="ctr"/>
+            <a:r>
+              <a:rPr kumimoji="1" lang="en-US" altLang="ko-Kore-KR" dirty="0"/>
+              <a:t>Web</a:t>
+            </a:r>
+          </a:p>
+          <a:p>
+            <a:pPr algn="ctr"/>
+            <a:r>
+              <a:rPr kumimoji="1" lang="en-US" altLang="ko-Kore-KR" dirty="0"/>
+              <a:t>Server</a:t>
+            </a:r>
+            <a:endParaRPr kumimoji="1" lang="ko-Kore-KR" altLang="en-US" dirty="0"/>
+          </a:p>
+        </p:txBody>
+      </p:sp>
+      <p:sp>
+        <p:nvSpPr>
+          <p:cNvPr id="6" name="직사각형 5">
+            <a:extLst>
+              <a:ext uri="{FF2B5EF4-FFF2-40B4-BE49-F238E27FC236}">
+                <a16:creationId xmlns:a16="http://schemas.microsoft.com/office/drawing/2014/main" id="{7CF6667D-9990-398B-C301-C5340DA4B2B8}"/>
+              </a:ext>
+            </a:extLst>
+          </p:cNvPr>
+          <p:cNvSpPr/>
+          <p:nvPr/>
+        </p:nvSpPr>
+        <p:spPr>
+          <a:xfrm>
+            <a:off x="3493284" y="1494147"/>
+            <a:ext cx="1316611" cy="276999"/>
+          </a:xfrm>
+          <a:prstGeom prst="rect">
+            <a:avLst/>
+          </a:prstGeom>
+        </p:spPr>
+        <p:style>
+          <a:lnRef idx="2">
+            <a:schemeClr val="accent1"/>
+          </a:lnRef>
+          <a:fillRef idx="1">
+            <a:schemeClr val="lt1"/>
+          </a:fillRef>
+          <a:effectRef idx="0">
+            <a:schemeClr val="accent1"/>
+          </a:effectRef>
+          <a:fontRef idx="minor">
+            <a:schemeClr val="dk1"/>
+          </a:fontRef>
+        </p:style>
+        <p:txBody>
+          <a:bodyPr rtlCol="0" anchor="ctr"/>
+          <a:lstStyle/>
+          <a:p>
+            <a:pPr algn="ctr"/>
+            <a:r>
+              <a:rPr kumimoji="1" lang="en-US" altLang="ko-Kore-KR" sz="1400" dirty="0"/>
+              <a:t>HTTP Server</a:t>
+            </a:r>
+            <a:endParaRPr kumimoji="1" lang="ko-Kore-KR" altLang="en-US" sz="1400" dirty="0"/>
+          </a:p>
+        </p:txBody>
+      </p:sp>
+      <p:sp>
+        <p:nvSpPr>
+          <p:cNvPr id="14" name="모서리가 둥근 직사각형 13">
+            <a:extLst>
+              <a:ext uri="{FF2B5EF4-FFF2-40B4-BE49-F238E27FC236}">
+                <a16:creationId xmlns:a16="http://schemas.microsoft.com/office/drawing/2014/main" id="{6B88F310-DD43-280F-B86A-8F284FBF33D0}"/>
+              </a:ext>
+            </a:extLst>
+          </p:cNvPr>
+          <p:cNvSpPr/>
+          <p:nvPr/>
+        </p:nvSpPr>
+        <p:spPr>
+          <a:xfrm>
+            <a:off x="4851282" y="3599125"/>
+            <a:ext cx="2124276" cy="521000"/>
+          </a:xfrm>
+          <a:prstGeom prst="roundRect">
+            <a:avLst/>
+          </a:prstGeom>
+        </p:spPr>
+        <p:style>
+          <a:lnRef idx="2">
+            <a:schemeClr val="accent1">
+              <a:shade val="50000"/>
+            </a:schemeClr>
+          </a:lnRef>
+          <a:fillRef idx="1">
+            <a:schemeClr val="accent1"/>
+          </a:fillRef>
+          <a:effectRef idx="0">
+            <a:schemeClr val="accent1"/>
+          </a:effectRef>
+          <a:fontRef idx="minor">
+            <a:schemeClr val="lt1"/>
+          </a:fontRef>
+        </p:style>
+        <p:txBody>
+          <a:bodyPr rtlCol="0" anchor="ctr"/>
+          <a:lstStyle/>
+          <a:p>
+            <a:pPr algn="ctr"/>
+            <a:r>
+              <a:rPr kumimoji="1" lang="en-US" altLang="ko-Kore-KR" dirty="0" err="1"/>
+              <a:t>HTTPExchange</a:t>
+            </a:r>
+            <a:endParaRPr kumimoji="1" lang="ko-Kore-KR" altLang="en-US" dirty="0"/>
+          </a:p>
+        </p:txBody>
+      </p:sp>
+      <p:cxnSp>
+        <p:nvCxnSpPr>
+          <p:cNvPr id="17" name="꺾인 연결선[E] 16">
+            <a:extLst>
+              <a:ext uri="{FF2B5EF4-FFF2-40B4-BE49-F238E27FC236}">
+                <a16:creationId xmlns:a16="http://schemas.microsoft.com/office/drawing/2014/main" id="{BFBB2BD6-C14A-A225-8576-663DD3D900FC}"/>
+              </a:ext>
+            </a:extLst>
+          </p:cNvPr>
+          <p:cNvCxnSpPr>
+            <a:cxnSpLocks/>
+            <a:stCxn id="11" idx="2"/>
+            <a:endCxn id="14" idx="3"/>
+          </p:cNvCxnSpPr>
+          <p:nvPr/>
+        </p:nvCxnSpPr>
+        <p:spPr>
+          <a:xfrm rot="5400000">
+            <a:off x="6856860" y="2851263"/>
+            <a:ext cx="1127061" cy="889663"/>
+          </a:xfrm>
+          <a:prstGeom prst="bentConnector2">
+            <a:avLst/>
+          </a:prstGeom>
+          <a:ln>
+            <a:tailEnd type="triangle"/>
+          </a:ln>
+        </p:spPr>
+        <p:style>
+          <a:lnRef idx="3">
+            <a:schemeClr val="accent1"/>
+          </a:lnRef>
+          <a:fillRef idx="0">
+            <a:schemeClr val="accent1"/>
+          </a:fillRef>
+          <a:effectRef idx="2">
+            <a:schemeClr val="accent1"/>
+          </a:effectRef>
+          <a:fontRef idx="minor">
+            <a:schemeClr val="tx1"/>
+          </a:fontRef>
+        </p:style>
+      </p:cxnSp>
+      <p:cxnSp>
+        <p:nvCxnSpPr>
+          <p:cNvPr id="18" name="꺾인 연결선[E] 17">
+            <a:extLst>
+              <a:ext uri="{FF2B5EF4-FFF2-40B4-BE49-F238E27FC236}">
+                <a16:creationId xmlns:a16="http://schemas.microsoft.com/office/drawing/2014/main" id="{263C3138-B23F-34AE-71CE-69B43738B798}"/>
+              </a:ext>
+            </a:extLst>
+          </p:cNvPr>
+          <p:cNvCxnSpPr>
+            <a:cxnSpLocks/>
+            <a:stCxn id="5" idx="2"/>
+            <a:endCxn id="14" idx="1"/>
+          </p:cNvCxnSpPr>
+          <p:nvPr/>
+        </p:nvCxnSpPr>
+        <p:spPr>
+          <a:xfrm rot="16200000" flipH="1">
+            <a:off x="3991069" y="2999412"/>
+            <a:ext cx="1020736" cy="699690"/>
+          </a:xfrm>
+          <a:prstGeom prst="bentConnector2">
+            <a:avLst/>
+          </a:prstGeom>
+          <a:ln>
+            <a:tailEnd type="triangle"/>
+          </a:ln>
+        </p:spPr>
+        <p:style>
+          <a:lnRef idx="3">
+            <a:schemeClr val="accent1"/>
+          </a:lnRef>
+          <a:fillRef idx="0">
+            <a:schemeClr val="accent1"/>
+          </a:fillRef>
+          <a:effectRef idx="2">
+            <a:schemeClr val="accent1"/>
+          </a:effectRef>
+          <a:fontRef idx="minor">
+            <a:schemeClr val="tx1"/>
+          </a:fontRef>
+        </p:style>
+      </p:cxnSp>
+      <p:cxnSp>
+        <p:nvCxnSpPr>
+          <p:cNvPr id="31" name="직선 화살표 연결선 30">
+            <a:extLst>
+              <a:ext uri="{FF2B5EF4-FFF2-40B4-BE49-F238E27FC236}">
+                <a16:creationId xmlns:a16="http://schemas.microsoft.com/office/drawing/2014/main" id="{852816F0-0750-C594-5B16-DAD5CD57B23D}"/>
+              </a:ext>
+            </a:extLst>
+          </p:cNvPr>
+          <p:cNvCxnSpPr>
+            <a:cxnSpLocks/>
+            <a:stCxn id="5" idx="3"/>
+            <a:endCxn id="11" idx="1"/>
+          </p:cNvCxnSpPr>
+          <p:nvPr/>
+        </p:nvCxnSpPr>
+        <p:spPr>
+          <a:xfrm flipV="1">
+            <a:off x="4754989" y="2339159"/>
+            <a:ext cx="2009458" cy="5316"/>
+          </a:xfrm>
+          <a:prstGeom prst="straightConnector1">
+            <a:avLst/>
+          </a:prstGeom>
+          <a:ln>
+            <a:headEnd type="triangle"/>
+            <a:tailEnd type="triangle"/>
+          </a:ln>
+        </p:spPr>
+        <p:style>
+          <a:lnRef idx="3">
+            <a:schemeClr val="accent1"/>
+          </a:lnRef>
+          <a:fillRef idx="0">
+            <a:schemeClr val="accent1"/>
+          </a:fillRef>
+          <a:effectRef idx="2">
+            <a:schemeClr val="accent1"/>
+          </a:effectRef>
+          <a:fontRef idx="minor">
+            <a:schemeClr val="tx1"/>
+          </a:fontRef>
+        </p:style>
+      </p:cxnSp>
+      <p:sp>
+        <p:nvSpPr>
+          <p:cNvPr id="34" name="TextBox 33">
+            <a:extLst>
+              <a:ext uri="{FF2B5EF4-FFF2-40B4-BE49-F238E27FC236}">
+                <a16:creationId xmlns:a16="http://schemas.microsoft.com/office/drawing/2014/main" id="{CA6F102D-23B8-5345-04BA-2356728EA916}"/>
+              </a:ext>
+            </a:extLst>
+          </p:cNvPr>
+          <p:cNvSpPr txBox="1"/>
+          <p:nvPr/>
+        </p:nvSpPr>
+        <p:spPr>
+          <a:xfrm>
+            <a:off x="5156321" y="2431489"/>
+            <a:ext cx="1206794" cy="276999"/>
+          </a:xfrm>
+          <a:prstGeom prst="rect">
+            <a:avLst/>
+          </a:prstGeom>
+          <a:ln/>
+        </p:spPr>
+        <p:style>
+          <a:lnRef idx="2">
+            <a:schemeClr val="accent1"/>
+          </a:lnRef>
+          <a:fillRef idx="1">
+            <a:schemeClr val="lt1"/>
+          </a:fillRef>
+          <a:effectRef idx="0">
+            <a:schemeClr val="accent1"/>
+          </a:effectRef>
+          <a:fontRef idx="minor">
+            <a:schemeClr val="dk1"/>
+          </a:fontRef>
+        </p:style>
+        <p:txBody>
+          <a:bodyPr wrap="square" rtlCol="0">
+            <a:spAutoFit/>
+          </a:bodyPr>
+          <a:lstStyle/>
+          <a:p>
+            <a:pPr algn="ctr"/>
+            <a:r>
+              <a:rPr kumimoji="1" lang="en-US" altLang="ko-KR" sz="1200" dirty="0"/>
+              <a:t>5.</a:t>
+            </a:r>
+            <a:r>
+              <a:rPr kumimoji="1" lang="ko-KR" altLang="en-US" sz="1200" dirty="0"/>
+              <a:t> </a:t>
+            </a:r>
+            <a:r>
+              <a:rPr kumimoji="1" lang="en-US" altLang="ko-KR" sz="1200" dirty="0"/>
+              <a:t>return</a:t>
+            </a:r>
+            <a:endParaRPr kumimoji="1" lang="ko-Kore-KR" altLang="en-US" sz="1200" dirty="0"/>
+          </a:p>
+        </p:txBody>
+      </p:sp>
+      <p:sp>
+        <p:nvSpPr>
+          <p:cNvPr id="35" name="TextBox 34">
+            <a:extLst>
+              <a:ext uri="{FF2B5EF4-FFF2-40B4-BE49-F238E27FC236}">
+                <a16:creationId xmlns:a16="http://schemas.microsoft.com/office/drawing/2014/main" id="{BC3B1D8B-1C28-E10B-2D21-EEDA8F9C8326}"/>
+              </a:ext>
+            </a:extLst>
+          </p:cNvPr>
+          <p:cNvSpPr txBox="1"/>
+          <p:nvPr/>
+        </p:nvSpPr>
+        <p:spPr>
+          <a:xfrm>
+            <a:off x="3744945" y="3194803"/>
+            <a:ext cx="813290" cy="276999"/>
+          </a:xfrm>
+          <a:prstGeom prst="rect">
+            <a:avLst/>
+          </a:prstGeom>
+          <a:ln/>
+        </p:spPr>
+        <p:style>
+          <a:lnRef idx="2">
+            <a:schemeClr val="accent1"/>
+          </a:lnRef>
+          <a:fillRef idx="1">
+            <a:schemeClr val="lt1"/>
+          </a:fillRef>
+          <a:effectRef idx="0">
+            <a:schemeClr val="accent1"/>
+          </a:effectRef>
+          <a:fontRef idx="minor">
+            <a:schemeClr val="dk1"/>
+          </a:fontRef>
+        </p:style>
+        <p:txBody>
+          <a:bodyPr wrap="square" rtlCol="0">
+            <a:spAutoFit/>
+          </a:bodyPr>
+          <a:lstStyle/>
+          <a:p>
+            <a:pPr algn="ctr"/>
+            <a:r>
+              <a:rPr kumimoji="1" lang="en-US" altLang="ko-KR" sz="1200" dirty="0"/>
+              <a:t>2. </a:t>
+            </a:r>
+            <a:r>
+              <a:rPr kumimoji="1" lang="ko-KR" altLang="en-US" sz="1200" dirty="0"/>
+              <a:t>생성</a:t>
+            </a:r>
+            <a:endParaRPr kumimoji="1" lang="ko-Kore-KR" altLang="en-US" sz="1200" dirty="0"/>
+          </a:p>
+        </p:txBody>
+      </p:sp>
+      <p:sp>
+        <p:nvSpPr>
+          <p:cNvPr id="36" name="TextBox 35">
+            <a:extLst>
+              <a:ext uri="{FF2B5EF4-FFF2-40B4-BE49-F238E27FC236}">
+                <a16:creationId xmlns:a16="http://schemas.microsoft.com/office/drawing/2014/main" id="{BD36D000-6F6F-80E2-9A3D-134E9895DDCC}"/>
+              </a:ext>
+            </a:extLst>
+          </p:cNvPr>
+          <p:cNvSpPr txBox="1"/>
+          <p:nvPr/>
+        </p:nvSpPr>
+        <p:spPr>
+          <a:xfrm>
+            <a:off x="7504991" y="3189205"/>
+            <a:ext cx="813290" cy="276999"/>
+          </a:xfrm>
+          <a:prstGeom prst="rect">
+            <a:avLst/>
+          </a:prstGeom>
+          <a:ln/>
+        </p:spPr>
+        <p:style>
+          <a:lnRef idx="2">
+            <a:schemeClr val="accent1"/>
+          </a:lnRef>
+          <a:fillRef idx="1">
+            <a:schemeClr val="lt1"/>
+          </a:fillRef>
+          <a:effectRef idx="0">
+            <a:schemeClr val="accent1"/>
+          </a:effectRef>
+          <a:fontRef idx="minor">
+            <a:schemeClr val="dk1"/>
+          </a:fontRef>
+        </p:style>
+        <p:txBody>
+          <a:bodyPr wrap="square" rtlCol="0">
+            <a:spAutoFit/>
+          </a:bodyPr>
+          <a:lstStyle/>
+          <a:p>
+            <a:pPr algn="ctr"/>
+            <a:r>
+              <a:rPr kumimoji="1" lang="en-US" altLang="ko-KR" sz="1200" dirty="0"/>
+              <a:t>4.</a:t>
+            </a:r>
+            <a:r>
+              <a:rPr kumimoji="1" lang="ko-KR" altLang="en-US" sz="1200" dirty="0"/>
+              <a:t> 사용</a:t>
+            </a:r>
+            <a:endParaRPr kumimoji="1" lang="ko-Kore-KR" altLang="en-US" sz="1200" dirty="0"/>
+          </a:p>
+        </p:txBody>
+      </p:sp>
+      <p:sp>
+        <p:nvSpPr>
+          <p:cNvPr id="49" name="직사각형 48">
+            <a:extLst>
+              <a:ext uri="{FF2B5EF4-FFF2-40B4-BE49-F238E27FC236}">
+                <a16:creationId xmlns:a16="http://schemas.microsoft.com/office/drawing/2014/main" id="{879E37F5-D48E-4AF7-3DC9-90E524BFA215}"/>
+              </a:ext>
+            </a:extLst>
+          </p:cNvPr>
+          <p:cNvSpPr/>
+          <p:nvPr/>
+        </p:nvSpPr>
+        <p:spPr>
+          <a:xfrm>
+            <a:off x="10255855" y="1945754"/>
+            <a:ext cx="1804787" cy="786810"/>
+          </a:xfrm>
+          <a:prstGeom prst="rect">
+            <a:avLst/>
+          </a:prstGeom>
+        </p:spPr>
+        <p:style>
+          <a:lnRef idx="2">
+            <a:schemeClr val="accent1">
+              <a:shade val="50000"/>
+            </a:schemeClr>
+          </a:lnRef>
+          <a:fillRef idx="1">
+            <a:schemeClr val="accent1"/>
+          </a:fillRef>
+          <a:effectRef idx="0">
+            <a:schemeClr val="accent1"/>
+          </a:effectRef>
+          <a:fontRef idx="minor">
+            <a:schemeClr val="lt1"/>
+          </a:fontRef>
+        </p:style>
+        <p:txBody>
+          <a:bodyPr rtlCol="0" anchor="ctr"/>
+          <a:lstStyle/>
+          <a:p>
+            <a:pPr algn="ctr"/>
+            <a:r>
+              <a:rPr kumimoji="1" lang="en-US" altLang="ko-Kore-KR" dirty="0" err="1"/>
+              <a:t>BoardHandler</a:t>
+            </a:r>
+            <a:endParaRPr kumimoji="1" lang="ko-Kore-KR" altLang="en-US" dirty="0"/>
+          </a:p>
+        </p:txBody>
+      </p:sp>
+      <p:cxnSp>
+        <p:nvCxnSpPr>
+          <p:cNvPr id="53" name="직선 화살표 연결선 52">
+            <a:extLst>
+              <a:ext uri="{FF2B5EF4-FFF2-40B4-BE49-F238E27FC236}">
+                <a16:creationId xmlns:a16="http://schemas.microsoft.com/office/drawing/2014/main" id="{C6C6419B-C75D-7378-E298-7529BE32914A}"/>
+              </a:ext>
+            </a:extLst>
+          </p:cNvPr>
+          <p:cNvCxnSpPr>
+            <a:cxnSpLocks/>
+            <a:stCxn id="49" idx="2"/>
+            <a:endCxn id="23" idx="0"/>
+          </p:cNvCxnSpPr>
+          <p:nvPr/>
+        </p:nvCxnSpPr>
+        <p:spPr>
+          <a:xfrm>
+            <a:off x="11158249" y="2732564"/>
+            <a:ext cx="2" cy="1401271"/>
+          </a:xfrm>
+          <a:prstGeom prst="straightConnector1">
+            <a:avLst/>
+          </a:prstGeom>
+          <a:ln>
+            <a:tailEnd type="triangle"/>
+          </a:ln>
+        </p:spPr>
+        <p:style>
+          <a:lnRef idx="3">
+            <a:schemeClr val="accent1"/>
+          </a:lnRef>
+          <a:fillRef idx="0">
+            <a:schemeClr val="accent1"/>
+          </a:fillRef>
+          <a:effectRef idx="2">
+            <a:schemeClr val="accent1"/>
+          </a:effectRef>
+          <a:fontRef idx="minor">
+            <a:schemeClr val="tx1"/>
+          </a:fontRef>
+        </p:style>
+      </p:cxnSp>
+      <p:sp>
+        <p:nvSpPr>
+          <p:cNvPr id="56" name="TextBox 55">
+            <a:extLst>
+              <a:ext uri="{FF2B5EF4-FFF2-40B4-BE49-F238E27FC236}">
+                <a16:creationId xmlns:a16="http://schemas.microsoft.com/office/drawing/2014/main" id="{1D62A341-FA91-0A7C-8D0E-BD5465FD50AB}"/>
+              </a:ext>
+            </a:extLst>
+          </p:cNvPr>
+          <p:cNvSpPr txBox="1"/>
+          <p:nvPr/>
+        </p:nvSpPr>
+        <p:spPr>
+          <a:xfrm>
+            <a:off x="6761872" y="1610552"/>
+            <a:ext cx="2201547" cy="276999"/>
+          </a:xfrm>
+          <a:prstGeom prst="rect">
+            <a:avLst/>
+          </a:prstGeom>
+          <a:ln/>
+        </p:spPr>
+        <p:style>
+          <a:lnRef idx="2">
+            <a:schemeClr val="accent1"/>
+          </a:lnRef>
+          <a:fillRef idx="1">
+            <a:schemeClr val="lt1"/>
+          </a:fillRef>
+          <a:effectRef idx="0">
+            <a:schemeClr val="accent1"/>
+          </a:effectRef>
+          <a:fontRef idx="minor">
+            <a:schemeClr val="dk1"/>
+          </a:fontRef>
+        </p:style>
+        <p:txBody>
+          <a:bodyPr wrap="square" rtlCol="0">
+            <a:spAutoFit/>
+          </a:bodyPr>
+          <a:lstStyle/>
+          <a:p>
+            <a:pPr algn="ctr"/>
+            <a:r>
+              <a:rPr kumimoji="1" lang="ko-KR" altLang="en-US" sz="1200" dirty="0"/>
+              <a:t>자원에 대한 요청을 처리</a:t>
+            </a:r>
+            <a:endParaRPr kumimoji="1" lang="ko-Kore-KR" altLang="en-US" sz="1200" dirty="0"/>
+          </a:p>
+        </p:txBody>
+      </p:sp>
+      <p:sp>
+        <p:nvSpPr>
+          <p:cNvPr id="57" name="TextBox 56">
+            <a:extLst>
+              <a:ext uri="{FF2B5EF4-FFF2-40B4-BE49-F238E27FC236}">
+                <a16:creationId xmlns:a16="http://schemas.microsoft.com/office/drawing/2014/main" id="{B53A44D1-C0AD-8610-B703-654A2855BE75}"/>
+              </a:ext>
+            </a:extLst>
+          </p:cNvPr>
+          <p:cNvSpPr txBox="1"/>
+          <p:nvPr/>
+        </p:nvSpPr>
+        <p:spPr>
+          <a:xfrm>
+            <a:off x="4851281" y="4250241"/>
+            <a:ext cx="2124275" cy="461665"/>
+          </a:xfrm>
+          <a:prstGeom prst="rect">
+            <a:avLst/>
+          </a:prstGeom>
+          <a:ln/>
+        </p:spPr>
+        <p:style>
+          <a:lnRef idx="2">
+            <a:schemeClr val="accent1"/>
+          </a:lnRef>
+          <a:fillRef idx="1">
+            <a:schemeClr val="lt1"/>
+          </a:fillRef>
+          <a:effectRef idx="0">
+            <a:schemeClr val="accent1"/>
+          </a:effectRef>
+          <a:fontRef idx="minor">
+            <a:schemeClr val="dk1"/>
+          </a:fontRef>
+        </p:style>
+        <p:txBody>
+          <a:bodyPr wrap="square" rtlCol="0">
+            <a:spAutoFit/>
+          </a:bodyPr>
+          <a:lstStyle/>
+          <a:p>
+            <a:pPr marL="171450" indent="-171450" algn="ctr">
+              <a:buFont typeface="Arial" panose="020B0604020202020204" pitchFamily="34" charset="0"/>
+              <a:buChar char="•"/>
+            </a:pPr>
+            <a:r>
+              <a:rPr kumimoji="1" lang="ko-KR" altLang="en-US" sz="1200" dirty="0"/>
+              <a:t>요청 정보를 다루는 도구</a:t>
+            </a:r>
+            <a:endParaRPr kumimoji="1" lang="en-US" altLang="ko-KR" sz="1200" dirty="0"/>
+          </a:p>
+          <a:p>
+            <a:pPr marL="171450" indent="-171450" algn="ctr">
+              <a:buFont typeface="Arial" panose="020B0604020202020204" pitchFamily="34" charset="0"/>
+              <a:buChar char="•"/>
+            </a:pPr>
+            <a:r>
+              <a:rPr kumimoji="1" lang="ko-KR" altLang="en-US" sz="1200" dirty="0"/>
+              <a:t>응답 정보를 다루는 도구</a:t>
+            </a:r>
+            <a:endParaRPr kumimoji="1" lang="ko-Kore-KR" altLang="en-US" sz="1200" dirty="0"/>
+          </a:p>
+        </p:txBody>
+      </p:sp>
+      <p:sp>
+        <p:nvSpPr>
+          <p:cNvPr id="58" name="TextBox 57">
+            <a:extLst>
+              <a:ext uri="{FF2B5EF4-FFF2-40B4-BE49-F238E27FC236}">
+                <a16:creationId xmlns:a16="http://schemas.microsoft.com/office/drawing/2014/main" id="{3F3E13A4-611A-300E-8D95-195DA6FD51F7}"/>
+              </a:ext>
+            </a:extLst>
+          </p:cNvPr>
+          <p:cNvSpPr txBox="1"/>
+          <p:nvPr/>
+        </p:nvSpPr>
+        <p:spPr>
+          <a:xfrm>
+            <a:off x="9989500" y="3042527"/>
+            <a:ext cx="2230886" cy="646331"/>
+          </a:xfrm>
+          <a:prstGeom prst="rect">
+            <a:avLst/>
+          </a:prstGeom>
+          <a:ln/>
+        </p:spPr>
+        <p:style>
+          <a:lnRef idx="2">
+            <a:schemeClr val="accent1"/>
+          </a:lnRef>
+          <a:fillRef idx="1">
+            <a:schemeClr val="lt1"/>
+          </a:fillRef>
+          <a:effectRef idx="0">
+            <a:schemeClr val="accent1"/>
+          </a:effectRef>
+          <a:fontRef idx="minor">
+            <a:schemeClr val="dk1"/>
+          </a:fontRef>
+        </p:style>
+        <p:txBody>
+          <a:bodyPr wrap="square" rtlCol="0">
+            <a:spAutoFit/>
+          </a:bodyPr>
+          <a:lstStyle/>
+          <a:p>
+            <a:pPr marL="171450" indent="-171450" algn="ctr">
+              <a:buFont typeface="Arial" panose="020B0604020202020204" pitchFamily="34" charset="0"/>
+              <a:buChar char="•"/>
+            </a:pPr>
+            <a:r>
+              <a:rPr kumimoji="1" lang="en-US" altLang="ko-KR" sz="1200" dirty="0"/>
+              <a:t>/board/list </a:t>
+            </a:r>
+            <a:r>
+              <a:rPr kumimoji="1" lang="en-US" altLang="ko-KR" sz="1200" dirty="0">
+                <a:sym typeface="Wingdings" pitchFamily="2" charset="2"/>
+              </a:rPr>
+              <a:t> </a:t>
+            </a:r>
+            <a:r>
+              <a:rPr kumimoji="1" lang="en-US" altLang="ko-KR" sz="1200" dirty="0" err="1">
+                <a:sym typeface="Wingdings" pitchFamily="2" charset="2"/>
+              </a:rPr>
+              <a:t>onList</a:t>
+            </a:r>
+            <a:r>
+              <a:rPr kumimoji="1" lang="en-US" altLang="ko-KR" sz="1200" dirty="0">
+                <a:sym typeface="Wingdings" pitchFamily="2" charset="2"/>
+              </a:rPr>
+              <a:t>()</a:t>
+            </a:r>
+          </a:p>
+          <a:p>
+            <a:pPr marL="171450" indent="-171450" algn="ctr">
+              <a:buFont typeface="Arial" panose="020B0604020202020204" pitchFamily="34" charset="0"/>
+              <a:buChar char="•"/>
+            </a:pPr>
+            <a:r>
+              <a:rPr kumimoji="1" lang="en-US" altLang="ko-KR" sz="1200" dirty="0"/>
+              <a:t>/board/detail </a:t>
+            </a:r>
+            <a:r>
+              <a:rPr kumimoji="1" lang="en-US" altLang="ko-KR" sz="1200" dirty="0">
+                <a:sym typeface="Wingdings" pitchFamily="2" charset="2"/>
+              </a:rPr>
+              <a:t> </a:t>
+            </a:r>
+            <a:r>
+              <a:rPr kumimoji="1" lang="en-US" altLang="ko-KR" sz="1200" dirty="0" err="1">
+                <a:sym typeface="Wingdings" pitchFamily="2" charset="2"/>
+              </a:rPr>
+              <a:t>onDetail</a:t>
+            </a:r>
+            <a:r>
+              <a:rPr kumimoji="1" lang="en-US" altLang="ko-KR" sz="1200" dirty="0">
+                <a:sym typeface="Wingdings" pitchFamily="2" charset="2"/>
+              </a:rPr>
+              <a:t>()</a:t>
+            </a:r>
+          </a:p>
+          <a:p>
+            <a:pPr marL="171450" indent="-171450" algn="ctr">
+              <a:buFont typeface="Arial" panose="020B0604020202020204" pitchFamily="34" charset="0"/>
+              <a:buChar char="•"/>
+            </a:pPr>
+            <a:r>
+              <a:rPr kumimoji="1" lang="en-US" altLang="ko-Kore-KR" sz="1200" dirty="0">
+                <a:sym typeface="Wingdings" pitchFamily="2" charset="2"/>
+              </a:rPr>
+              <a:t>…</a:t>
+            </a:r>
+            <a:endParaRPr kumimoji="1" lang="ko-Kore-KR" altLang="en-US" sz="1200" dirty="0"/>
+          </a:p>
+        </p:txBody>
+      </p:sp>
+      <p:sp>
+        <p:nvSpPr>
+          <p:cNvPr id="59" name="직사각형 58">
+            <a:extLst>
+              <a:ext uri="{FF2B5EF4-FFF2-40B4-BE49-F238E27FC236}">
+                <a16:creationId xmlns:a16="http://schemas.microsoft.com/office/drawing/2014/main" id="{F7230F0E-026B-4BF9-5CD5-40FEDB700A21}"/>
+              </a:ext>
+            </a:extLst>
+          </p:cNvPr>
+          <p:cNvSpPr/>
+          <p:nvPr/>
+        </p:nvSpPr>
+        <p:spPr>
+          <a:xfrm>
+            <a:off x="3249195" y="595423"/>
+            <a:ext cx="9159000" cy="6124354"/>
+          </a:xfrm>
+          <a:prstGeom prst="rect">
+            <a:avLst/>
+          </a:prstGeom>
+          <a:noFill/>
+          <a:ln>
+            <a:solidFill>
+              <a:srgbClr val="8FFFDF"/>
+            </a:solidFill>
+          </a:ln>
+        </p:spPr>
+        <p:style>
+          <a:lnRef idx="2">
+            <a:schemeClr val="accent1">
+              <a:shade val="50000"/>
+            </a:schemeClr>
+          </a:lnRef>
+          <a:fillRef idx="1">
+            <a:schemeClr val="accent1"/>
+          </a:fillRef>
+          <a:effectRef idx="0">
+            <a:schemeClr val="accent1"/>
+          </a:effectRef>
+          <a:fontRef idx="minor">
+            <a:schemeClr val="lt1"/>
+          </a:fontRef>
+        </p:style>
+        <p:txBody>
+          <a:bodyPr rtlCol="0" anchor="ctr"/>
+          <a:lstStyle/>
+          <a:p>
+            <a:pPr algn="ctr"/>
+            <a:endParaRPr kumimoji="1" lang="ko-Kore-KR" altLang="en-US" dirty="0"/>
+          </a:p>
+        </p:txBody>
+      </p:sp>
+      <p:sp>
+        <p:nvSpPr>
+          <p:cNvPr id="60" name="TextBox 59">
+            <a:extLst>
+              <a:ext uri="{FF2B5EF4-FFF2-40B4-BE49-F238E27FC236}">
+                <a16:creationId xmlns:a16="http://schemas.microsoft.com/office/drawing/2014/main" id="{AD77AF49-F4F7-E757-8461-0B30C5F9AFCA}"/>
+              </a:ext>
+            </a:extLst>
+          </p:cNvPr>
+          <p:cNvSpPr txBox="1"/>
+          <p:nvPr/>
+        </p:nvSpPr>
+        <p:spPr>
+          <a:xfrm>
+            <a:off x="7217507" y="400551"/>
+            <a:ext cx="2201547" cy="553998"/>
+          </a:xfrm>
+          <a:prstGeom prst="rect">
+            <a:avLst/>
+          </a:prstGeom>
+          <a:ln>
+            <a:solidFill>
+              <a:srgbClr val="8FFFDF"/>
+            </a:solidFill>
+          </a:ln>
+        </p:spPr>
+        <p:style>
+          <a:lnRef idx="2">
+            <a:schemeClr val="accent1"/>
+          </a:lnRef>
+          <a:fillRef idx="1">
+            <a:schemeClr val="lt1"/>
+          </a:fillRef>
+          <a:effectRef idx="0">
+            <a:schemeClr val="accent1"/>
+          </a:effectRef>
+          <a:fontRef idx="minor">
+            <a:schemeClr val="dk1"/>
+          </a:fontRef>
+        </p:style>
+        <p:txBody>
+          <a:bodyPr wrap="square" rtlCol="0">
+            <a:spAutoFit/>
+          </a:bodyPr>
+          <a:lstStyle/>
+          <a:p>
+            <a:pPr algn="ctr"/>
+            <a:r>
+              <a:rPr kumimoji="1" lang="en-US" altLang="ko-Kore-KR" b="1" dirty="0"/>
+              <a:t>WAS</a:t>
+            </a:r>
+            <a:endParaRPr kumimoji="1" lang="en-US" altLang="ko-Kore-KR" sz="1200" b="1" dirty="0"/>
+          </a:p>
+          <a:p>
+            <a:pPr algn="ctr"/>
+            <a:r>
+              <a:rPr kumimoji="1" lang="en-US" altLang="ko-Kore-KR" sz="1200" dirty="0"/>
+              <a:t>Web Application Structure</a:t>
+            </a:r>
+            <a:endParaRPr kumimoji="1" lang="ko-Kore-KR" altLang="en-US" sz="1200" dirty="0"/>
+          </a:p>
+        </p:txBody>
+      </p:sp>
+    </p:spTree>
+    <p:extLst>
+      <p:ext uri="{BB962C8B-B14F-4D97-AF65-F5344CB8AC3E}">
+        <p14:creationId xmlns:p14="http://schemas.microsoft.com/office/powerpoint/2010/main" val="4139682881"/>
+      </p:ext>
+    </p:extLst>
+  </p:cSld>
+  <p:clrMapOvr>
+    <a:masterClrMapping/>
+  </p:clrMapOvr>
+</p:sld>
+</file>
+
+<file path=ppt/slides/slide23.xml><?xml version="1.0" encoding="utf-8"?>
+<p:sld xmlns:a="http://schemas.openxmlformats.org/drawingml/2006/main" xmlns:r="http://schemas.openxmlformats.org/officeDocument/2006/relationships" xmlns:p="http://schemas.openxmlformats.org/presentationml/2006/main">
+  <p:cSld>
+    <p:spTree>
+      <p:nvGrpSpPr>
+        <p:cNvPr id="1" name=""/>
+        <p:cNvGrpSpPr/>
+        <p:nvPr/>
+      </p:nvGrpSpPr>
+      <p:grpSpPr>
+        <a:xfrm>
+          <a:off x="0" y="0"/>
+          <a:ext cx="0" cy="0"/>
+          <a:chOff x="0" y="0"/>
+          <a:chExt cx="0" cy="0"/>
+        </a:xfrm>
+      </p:grpSpPr>
+      <p:cxnSp>
+        <p:nvCxnSpPr>
+          <p:cNvPr id="13" name="직선 화살표 연결선 12">
+            <a:extLst>
+              <a:ext uri="{FF2B5EF4-FFF2-40B4-BE49-F238E27FC236}">
+                <a16:creationId xmlns:a16="http://schemas.microsoft.com/office/drawing/2014/main" id="{BFD7FCD0-D891-4EB2-B486-7D5187EB13CC}"/>
+              </a:ext>
+            </a:extLst>
+          </p:cNvPr>
+          <p:cNvCxnSpPr>
+            <a:cxnSpLocks/>
+            <a:stCxn id="2" idx="3"/>
+          </p:cNvCxnSpPr>
+          <p:nvPr/>
+        </p:nvCxnSpPr>
+        <p:spPr>
+          <a:xfrm>
+            <a:off x="1750554" y="2339159"/>
+            <a:ext cx="1797640" cy="5316"/>
+          </a:xfrm>
+          <a:prstGeom prst="straightConnector1">
+            <a:avLst/>
+          </a:prstGeom>
+          <a:ln>
+            <a:headEnd type="triangle"/>
+            <a:tailEnd type="triangle"/>
+          </a:ln>
+        </p:spPr>
+        <p:style>
+          <a:lnRef idx="3">
+            <a:schemeClr val="accent1"/>
+          </a:lnRef>
+          <a:fillRef idx="0">
+            <a:schemeClr val="accent1"/>
+          </a:fillRef>
+          <a:effectRef idx="2">
+            <a:schemeClr val="accent1"/>
+          </a:effectRef>
+          <a:fontRef idx="minor">
+            <a:schemeClr val="tx1"/>
+          </a:fontRef>
+        </p:style>
+      </p:cxnSp>
+      <p:sp>
+        <p:nvSpPr>
+          <p:cNvPr id="2" name="직사각형 1">
+            <a:extLst>
+              <a:ext uri="{FF2B5EF4-FFF2-40B4-BE49-F238E27FC236}">
+                <a16:creationId xmlns:a16="http://schemas.microsoft.com/office/drawing/2014/main" id="{5A5C6F38-CCCD-1FC6-E46D-02F7190E5E71}"/>
+              </a:ext>
+            </a:extLst>
+          </p:cNvPr>
+          <p:cNvSpPr/>
+          <p:nvPr/>
+        </p:nvSpPr>
+        <p:spPr>
+          <a:xfrm>
+            <a:off x="7552" y="1945754"/>
+            <a:ext cx="1743002" cy="786810"/>
+          </a:xfrm>
+          <a:prstGeom prst="rect">
+            <a:avLst/>
+          </a:prstGeom>
+        </p:spPr>
+        <p:style>
+          <a:lnRef idx="2">
+            <a:schemeClr val="accent1">
+              <a:shade val="50000"/>
+            </a:schemeClr>
+          </a:lnRef>
+          <a:fillRef idx="1">
+            <a:schemeClr val="accent1"/>
+          </a:fillRef>
+          <a:effectRef idx="0">
+            <a:schemeClr val="accent1"/>
+          </a:effectRef>
+          <a:fontRef idx="minor">
+            <a:schemeClr val="lt1"/>
+          </a:fontRef>
+        </p:style>
+        <p:txBody>
+          <a:bodyPr rtlCol="0" anchor="ctr"/>
+          <a:lstStyle/>
+          <a:p>
+            <a:pPr algn="ctr"/>
+            <a:r>
+              <a:rPr kumimoji="1" lang="en-US" altLang="ko-Kore-KR" dirty="0"/>
+              <a:t>Web Browser</a:t>
+            </a:r>
+            <a:endParaRPr kumimoji="1" lang="ko-Kore-KR" altLang="en-US" dirty="0"/>
+          </a:p>
+        </p:txBody>
+      </p:sp>
+      <p:sp>
+        <p:nvSpPr>
+          <p:cNvPr id="8" name="TextBox 7">
+            <a:extLst>
+              <a:ext uri="{FF2B5EF4-FFF2-40B4-BE49-F238E27FC236}">
+                <a16:creationId xmlns:a16="http://schemas.microsoft.com/office/drawing/2014/main" id="{33D930B2-BEC3-6F98-84C7-A834D9854978}"/>
+              </a:ext>
+            </a:extLst>
+          </p:cNvPr>
+          <p:cNvSpPr txBox="1"/>
+          <p:nvPr/>
+        </p:nvSpPr>
+        <p:spPr>
+          <a:xfrm>
+            <a:off x="2242729" y="1773122"/>
+            <a:ext cx="813290" cy="276999"/>
+          </a:xfrm>
+          <a:prstGeom prst="rect">
+            <a:avLst/>
+          </a:prstGeom>
+          <a:ln/>
+        </p:spPr>
+        <p:style>
+          <a:lnRef idx="2">
+            <a:schemeClr val="accent1"/>
+          </a:lnRef>
+          <a:fillRef idx="1">
+            <a:schemeClr val="lt1"/>
+          </a:fillRef>
+          <a:effectRef idx="0">
+            <a:schemeClr val="accent1"/>
+          </a:effectRef>
+          <a:fontRef idx="minor">
+            <a:schemeClr val="dk1"/>
+          </a:fontRef>
+        </p:style>
+        <p:txBody>
+          <a:bodyPr wrap="square" rtlCol="0">
+            <a:spAutoFit/>
+          </a:bodyPr>
+          <a:lstStyle/>
+          <a:p>
+            <a:pPr algn="ctr"/>
+            <a:r>
+              <a:rPr kumimoji="1" lang="en-US" altLang="ko-KR" sz="1200" dirty="0"/>
+              <a:t>1. </a:t>
+            </a:r>
+            <a:r>
+              <a:rPr kumimoji="1" lang="ko-KR" altLang="en-US" sz="1200" dirty="0"/>
+              <a:t>요청</a:t>
+            </a:r>
+            <a:endParaRPr kumimoji="1" lang="ko-Kore-KR" altLang="en-US" sz="1200" dirty="0"/>
+          </a:p>
+        </p:txBody>
+      </p:sp>
+      <p:sp>
+        <p:nvSpPr>
+          <p:cNvPr id="9" name="TextBox 8">
+            <a:extLst>
+              <a:ext uri="{FF2B5EF4-FFF2-40B4-BE49-F238E27FC236}">
+                <a16:creationId xmlns:a16="http://schemas.microsoft.com/office/drawing/2014/main" id="{68E6CC02-54C3-DAC5-0D4E-FA53359B36C3}"/>
+              </a:ext>
+            </a:extLst>
+          </p:cNvPr>
+          <p:cNvSpPr txBox="1"/>
+          <p:nvPr/>
+        </p:nvSpPr>
+        <p:spPr>
+          <a:xfrm>
+            <a:off x="2242729" y="2650490"/>
+            <a:ext cx="813290" cy="276999"/>
+          </a:xfrm>
+          <a:prstGeom prst="rect">
+            <a:avLst/>
+          </a:prstGeom>
+          <a:ln/>
+        </p:spPr>
+        <p:style>
+          <a:lnRef idx="2">
+            <a:schemeClr val="accent1"/>
+          </a:lnRef>
+          <a:fillRef idx="1">
+            <a:schemeClr val="lt1"/>
+          </a:fillRef>
+          <a:effectRef idx="0">
+            <a:schemeClr val="accent1"/>
+          </a:effectRef>
+          <a:fontRef idx="minor">
+            <a:schemeClr val="dk1"/>
+          </a:fontRef>
+        </p:style>
+        <p:txBody>
+          <a:bodyPr wrap="square" rtlCol="0">
+            <a:spAutoFit/>
+          </a:bodyPr>
+          <a:lstStyle/>
+          <a:p>
+            <a:pPr algn="ctr"/>
+            <a:r>
+              <a:rPr kumimoji="1" lang="en-US" altLang="ko-KR" sz="1200" dirty="0"/>
+              <a:t>6. </a:t>
+            </a:r>
+            <a:r>
+              <a:rPr kumimoji="1" lang="ko-KR" altLang="en-US" sz="1200" dirty="0"/>
+              <a:t>응답</a:t>
+            </a:r>
+            <a:endParaRPr kumimoji="1" lang="ko-Kore-KR" altLang="en-US" sz="1200" dirty="0"/>
+          </a:p>
+        </p:txBody>
+      </p:sp>
+      <p:sp>
+        <p:nvSpPr>
+          <p:cNvPr id="10" name="TextBox 9">
+            <a:extLst>
+              <a:ext uri="{FF2B5EF4-FFF2-40B4-BE49-F238E27FC236}">
+                <a16:creationId xmlns:a16="http://schemas.microsoft.com/office/drawing/2014/main" id="{0AC11DCF-2BD2-E623-17F9-65B5BD69A8B2}"/>
+              </a:ext>
+            </a:extLst>
+          </p:cNvPr>
+          <p:cNvSpPr txBox="1"/>
+          <p:nvPr/>
+        </p:nvSpPr>
+        <p:spPr>
+          <a:xfrm>
+            <a:off x="2344942" y="2108324"/>
+            <a:ext cx="620234" cy="461665"/>
+          </a:xfrm>
+          <a:prstGeom prst="rect">
+            <a:avLst/>
+          </a:prstGeom>
+          <a:ln/>
+        </p:spPr>
+        <p:style>
+          <a:lnRef idx="3">
+            <a:schemeClr val="lt1"/>
+          </a:lnRef>
+          <a:fillRef idx="1">
+            <a:schemeClr val="accent2"/>
+          </a:fillRef>
+          <a:effectRef idx="1">
+            <a:schemeClr val="accent2"/>
+          </a:effectRef>
+          <a:fontRef idx="minor">
+            <a:schemeClr val="lt1"/>
+          </a:fontRef>
+        </p:style>
+        <p:txBody>
+          <a:bodyPr wrap="square" rtlCol="0">
+            <a:spAutoFit/>
+          </a:bodyPr>
+          <a:lstStyle/>
+          <a:p>
+            <a:pPr algn="ctr"/>
+            <a:r>
+              <a:rPr kumimoji="1" lang="en-US" altLang="ko-KR" sz="1200" b="1" dirty="0"/>
+              <a:t>HTTP</a:t>
+            </a:r>
+          </a:p>
+          <a:p>
+            <a:pPr algn="ctr"/>
+            <a:r>
+              <a:rPr kumimoji="1" lang="ko-KR" altLang="en-US" sz="1200" b="1" dirty="0"/>
+              <a:t>통신</a:t>
+            </a:r>
+            <a:endParaRPr kumimoji="1" lang="ko-Kore-KR" altLang="en-US" sz="1200" b="1" dirty="0"/>
+          </a:p>
+        </p:txBody>
+      </p:sp>
+      <p:sp>
+        <p:nvSpPr>
+          <p:cNvPr id="11" name="직사각형 10">
+            <a:extLst>
+              <a:ext uri="{FF2B5EF4-FFF2-40B4-BE49-F238E27FC236}">
+                <a16:creationId xmlns:a16="http://schemas.microsoft.com/office/drawing/2014/main" id="{4140DA0E-CB71-840C-523F-3BA52B3706F2}"/>
+              </a:ext>
+            </a:extLst>
+          </p:cNvPr>
+          <p:cNvSpPr/>
+          <p:nvPr/>
+        </p:nvSpPr>
+        <p:spPr>
+          <a:xfrm>
+            <a:off x="6764447" y="1945754"/>
+            <a:ext cx="2201547" cy="786810"/>
+          </a:xfrm>
+          <a:prstGeom prst="rect">
+            <a:avLst/>
+          </a:prstGeom>
+        </p:spPr>
+        <p:style>
+          <a:lnRef idx="2">
+            <a:schemeClr val="accent1">
+              <a:shade val="50000"/>
+            </a:schemeClr>
+          </a:lnRef>
+          <a:fillRef idx="1">
+            <a:schemeClr val="accent1"/>
+          </a:fillRef>
+          <a:effectRef idx="0">
+            <a:schemeClr val="accent1"/>
+          </a:effectRef>
+          <a:fontRef idx="minor">
+            <a:schemeClr val="lt1"/>
+          </a:fontRef>
+        </p:style>
+        <p:txBody>
+          <a:bodyPr rtlCol="0" anchor="ctr"/>
+          <a:lstStyle/>
+          <a:p>
+            <a:pPr algn="ctr"/>
+            <a:r>
+              <a:rPr kumimoji="1" lang="en-US" altLang="ko-Kore-KR" sz="1400" dirty="0"/>
+              <a:t>&lt;&lt;</a:t>
+            </a:r>
+            <a:r>
+              <a:rPr kumimoji="1" lang="en-US" altLang="ko-Kore-KR" sz="1400" dirty="0" err="1"/>
+              <a:t>HttpHandler</a:t>
+            </a:r>
+            <a:r>
+              <a:rPr kumimoji="1" lang="en-US" altLang="ko-Kore-KR" sz="1400" dirty="0"/>
+              <a:t>&gt;&gt;</a:t>
+            </a:r>
+          </a:p>
+          <a:p>
+            <a:pPr algn="ctr"/>
+            <a:r>
+              <a:rPr kumimoji="1" lang="en-US" altLang="ko-Kore-KR" dirty="0" err="1"/>
+              <a:t>MyHttpHandler</a:t>
+            </a:r>
+            <a:endParaRPr kumimoji="1" lang="ko-Kore-KR" altLang="en-US" dirty="0"/>
+          </a:p>
+        </p:txBody>
+      </p:sp>
+      <p:sp>
+        <p:nvSpPr>
+          <p:cNvPr id="16" name="TextBox 15">
+            <a:extLst>
+              <a:ext uri="{FF2B5EF4-FFF2-40B4-BE49-F238E27FC236}">
+                <a16:creationId xmlns:a16="http://schemas.microsoft.com/office/drawing/2014/main" id="{BB41F1E9-A21D-DF29-79C3-D7E700D0A643}"/>
+              </a:ext>
+            </a:extLst>
+          </p:cNvPr>
+          <p:cNvSpPr txBox="1"/>
+          <p:nvPr/>
+        </p:nvSpPr>
+        <p:spPr>
+          <a:xfrm>
+            <a:off x="5156321" y="1969824"/>
+            <a:ext cx="1206794" cy="276999"/>
+          </a:xfrm>
+          <a:prstGeom prst="rect">
+            <a:avLst/>
+          </a:prstGeom>
+          <a:ln/>
+        </p:spPr>
+        <p:style>
+          <a:lnRef idx="2">
+            <a:schemeClr val="accent1"/>
+          </a:lnRef>
+          <a:fillRef idx="1">
+            <a:schemeClr val="lt1"/>
+          </a:fillRef>
+          <a:effectRef idx="0">
+            <a:schemeClr val="accent1"/>
+          </a:effectRef>
+          <a:fontRef idx="minor">
+            <a:schemeClr val="dk1"/>
+          </a:fontRef>
+        </p:style>
+        <p:txBody>
+          <a:bodyPr wrap="square" rtlCol="0">
+            <a:spAutoFit/>
+          </a:bodyPr>
+          <a:lstStyle/>
+          <a:p>
+            <a:pPr algn="ctr"/>
+            <a:r>
+              <a:rPr kumimoji="1" lang="en-US" altLang="ko-Kore-KR" sz="1200" dirty="0"/>
+              <a:t>3. handle()</a:t>
+            </a:r>
+            <a:endParaRPr kumimoji="1" lang="ko-Kore-KR" altLang="en-US" sz="1200" dirty="0"/>
+          </a:p>
+        </p:txBody>
+      </p:sp>
+      <p:cxnSp>
+        <p:nvCxnSpPr>
+          <p:cNvPr id="24" name="직선 화살표 연결선 23">
+            <a:extLst>
+              <a:ext uri="{FF2B5EF4-FFF2-40B4-BE49-F238E27FC236}">
+                <a16:creationId xmlns:a16="http://schemas.microsoft.com/office/drawing/2014/main" id="{5AC47EC2-7130-F0D7-BA48-36F21A70585E}"/>
+              </a:ext>
+            </a:extLst>
+          </p:cNvPr>
+          <p:cNvCxnSpPr>
+            <a:cxnSpLocks/>
+            <a:stCxn id="11" idx="3"/>
+            <a:endCxn id="49" idx="1"/>
+          </p:cNvCxnSpPr>
+          <p:nvPr/>
+        </p:nvCxnSpPr>
+        <p:spPr>
+          <a:xfrm>
+            <a:off x="8965994" y="2339159"/>
+            <a:ext cx="1289861" cy="0"/>
+          </a:xfrm>
+          <a:prstGeom prst="straightConnector1">
+            <a:avLst/>
+          </a:prstGeom>
+          <a:ln>
+            <a:tailEnd type="triangle"/>
+          </a:ln>
+        </p:spPr>
+        <p:style>
+          <a:lnRef idx="3">
+            <a:schemeClr val="accent1"/>
+          </a:lnRef>
+          <a:fillRef idx="0">
+            <a:schemeClr val="accent1"/>
+          </a:fillRef>
+          <a:effectRef idx="2">
+            <a:schemeClr val="accent1"/>
+          </a:effectRef>
+          <a:fontRef idx="minor">
+            <a:schemeClr val="tx1"/>
+          </a:fontRef>
+        </p:style>
+      </p:cxnSp>
+      <p:sp>
+        <p:nvSpPr>
+          <p:cNvPr id="25" name="TextBox 24">
+            <a:extLst>
+              <a:ext uri="{FF2B5EF4-FFF2-40B4-BE49-F238E27FC236}">
+                <a16:creationId xmlns:a16="http://schemas.microsoft.com/office/drawing/2014/main" id="{C3C7725F-2A6F-E542-A350-AABD18989046}"/>
+              </a:ext>
+            </a:extLst>
+          </p:cNvPr>
+          <p:cNvSpPr txBox="1"/>
+          <p:nvPr/>
+        </p:nvSpPr>
+        <p:spPr>
+          <a:xfrm>
+            <a:off x="9162583" y="2200657"/>
+            <a:ext cx="842653" cy="276999"/>
+          </a:xfrm>
+          <a:prstGeom prst="rect">
+            <a:avLst/>
+          </a:prstGeom>
+          <a:ln/>
+        </p:spPr>
+        <p:style>
+          <a:lnRef idx="2">
+            <a:schemeClr val="accent1"/>
+          </a:lnRef>
+          <a:fillRef idx="1">
+            <a:schemeClr val="lt1"/>
+          </a:fillRef>
+          <a:effectRef idx="0">
+            <a:schemeClr val="accent1"/>
+          </a:effectRef>
+          <a:fontRef idx="minor">
+            <a:schemeClr val="dk1"/>
+          </a:fontRef>
+        </p:style>
+        <p:txBody>
+          <a:bodyPr wrap="square" rtlCol="0">
+            <a:spAutoFit/>
+          </a:bodyPr>
+          <a:lstStyle/>
+          <a:p>
+            <a:pPr algn="ctr"/>
+            <a:r>
+              <a:rPr kumimoji="1" lang="en-US" altLang="ko-Kore-KR" sz="1200" dirty="0"/>
+              <a:t>service()</a:t>
+            </a:r>
+            <a:endParaRPr kumimoji="1" lang="ko-Kore-KR" altLang="en-US" sz="1200" dirty="0"/>
+          </a:p>
+        </p:txBody>
+      </p:sp>
+      <p:sp>
+        <p:nvSpPr>
+          <p:cNvPr id="5" name="직사각형 4">
+            <a:extLst>
+              <a:ext uri="{FF2B5EF4-FFF2-40B4-BE49-F238E27FC236}">
+                <a16:creationId xmlns:a16="http://schemas.microsoft.com/office/drawing/2014/main" id="{83A9D411-0BD6-F534-C674-D5AF186870C0}"/>
+              </a:ext>
+            </a:extLst>
+          </p:cNvPr>
+          <p:cNvSpPr/>
+          <p:nvPr/>
+        </p:nvSpPr>
+        <p:spPr>
+          <a:xfrm>
+            <a:off x="3548194" y="1850061"/>
+            <a:ext cx="1206795" cy="988828"/>
+          </a:xfrm>
+          <a:prstGeom prst="rect">
+            <a:avLst/>
+          </a:prstGeom>
+        </p:spPr>
+        <p:style>
+          <a:lnRef idx="2">
+            <a:schemeClr val="accent1">
+              <a:shade val="50000"/>
+            </a:schemeClr>
+          </a:lnRef>
+          <a:fillRef idx="1">
+            <a:schemeClr val="accent1"/>
+          </a:fillRef>
+          <a:effectRef idx="0">
+            <a:schemeClr val="accent1"/>
+          </a:effectRef>
+          <a:fontRef idx="minor">
+            <a:schemeClr val="lt1"/>
+          </a:fontRef>
+        </p:style>
+        <p:txBody>
+          <a:bodyPr rtlCol="0" anchor="ctr"/>
+          <a:lstStyle/>
+          <a:p>
+            <a:pPr algn="ctr"/>
+            <a:r>
+              <a:rPr kumimoji="1" lang="en-US" altLang="ko-Kore-KR" dirty="0"/>
+              <a:t>Mini</a:t>
+            </a:r>
+          </a:p>
+          <a:p>
+            <a:pPr algn="ctr"/>
+            <a:r>
+              <a:rPr kumimoji="1" lang="en-US" altLang="ko-Kore-KR" dirty="0"/>
+              <a:t>Web</a:t>
+            </a:r>
+          </a:p>
+          <a:p>
+            <a:pPr algn="ctr"/>
+            <a:r>
+              <a:rPr kumimoji="1" lang="en-US" altLang="ko-Kore-KR" dirty="0"/>
+              <a:t>Server</a:t>
+            </a:r>
+            <a:endParaRPr kumimoji="1" lang="ko-Kore-KR" altLang="en-US" dirty="0"/>
+          </a:p>
+        </p:txBody>
+      </p:sp>
+      <p:sp>
+        <p:nvSpPr>
+          <p:cNvPr id="6" name="직사각형 5">
+            <a:extLst>
+              <a:ext uri="{FF2B5EF4-FFF2-40B4-BE49-F238E27FC236}">
+                <a16:creationId xmlns:a16="http://schemas.microsoft.com/office/drawing/2014/main" id="{7CF6667D-9990-398B-C301-C5340DA4B2B8}"/>
+              </a:ext>
+            </a:extLst>
+          </p:cNvPr>
+          <p:cNvSpPr/>
+          <p:nvPr/>
+        </p:nvSpPr>
+        <p:spPr>
+          <a:xfrm>
+            <a:off x="3493284" y="1494147"/>
+            <a:ext cx="1316611" cy="276999"/>
+          </a:xfrm>
+          <a:prstGeom prst="rect">
+            <a:avLst/>
+          </a:prstGeom>
+        </p:spPr>
+        <p:style>
+          <a:lnRef idx="2">
+            <a:schemeClr val="accent1"/>
+          </a:lnRef>
+          <a:fillRef idx="1">
+            <a:schemeClr val="lt1"/>
+          </a:fillRef>
+          <a:effectRef idx="0">
+            <a:schemeClr val="accent1"/>
+          </a:effectRef>
+          <a:fontRef idx="minor">
+            <a:schemeClr val="dk1"/>
+          </a:fontRef>
+        </p:style>
+        <p:txBody>
+          <a:bodyPr rtlCol="0" anchor="ctr"/>
+          <a:lstStyle/>
+          <a:p>
+            <a:pPr algn="ctr"/>
+            <a:r>
+              <a:rPr kumimoji="1" lang="en-US" altLang="ko-Kore-KR" sz="1400" dirty="0"/>
+              <a:t>HTTP Server</a:t>
+            </a:r>
+            <a:endParaRPr kumimoji="1" lang="ko-Kore-KR" altLang="en-US" sz="1400" dirty="0"/>
+          </a:p>
+        </p:txBody>
+      </p:sp>
+      <p:sp>
+        <p:nvSpPr>
+          <p:cNvPr id="14" name="모서리가 둥근 직사각형 13">
+            <a:extLst>
+              <a:ext uri="{FF2B5EF4-FFF2-40B4-BE49-F238E27FC236}">
+                <a16:creationId xmlns:a16="http://schemas.microsoft.com/office/drawing/2014/main" id="{6B88F310-DD43-280F-B86A-8F284FBF33D0}"/>
+              </a:ext>
+            </a:extLst>
+          </p:cNvPr>
+          <p:cNvSpPr/>
+          <p:nvPr/>
+        </p:nvSpPr>
+        <p:spPr>
+          <a:xfrm>
+            <a:off x="4851282" y="3599125"/>
+            <a:ext cx="2124276" cy="521000"/>
+          </a:xfrm>
+          <a:prstGeom prst="roundRect">
+            <a:avLst/>
+          </a:prstGeom>
+        </p:spPr>
+        <p:style>
+          <a:lnRef idx="2">
+            <a:schemeClr val="accent1">
+              <a:shade val="50000"/>
+            </a:schemeClr>
+          </a:lnRef>
+          <a:fillRef idx="1">
+            <a:schemeClr val="accent1"/>
+          </a:fillRef>
+          <a:effectRef idx="0">
+            <a:schemeClr val="accent1"/>
+          </a:effectRef>
+          <a:fontRef idx="minor">
+            <a:schemeClr val="lt1"/>
+          </a:fontRef>
+        </p:style>
+        <p:txBody>
+          <a:bodyPr rtlCol="0" anchor="ctr"/>
+          <a:lstStyle/>
+          <a:p>
+            <a:pPr algn="ctr"/>
+            <a:r>
+              <a:rPr kumimoji="1" lang="en-US" altLang="ko-Kore-KR" dirty="0" err="1"/>
+              <a:t>HTTPExchange</a:t>
+            </a:r>
+            <a:endParaRPr kumimoji="1" lang="ko-Kore-KR" altLang="en-US" dirty="0"/>
+          </a:p>
+        </p:txBody>
+      </p:sp>
+      <p:cxnSp>
+        <p:nvCxnSpPr>
+          <p:cNvPr id="17" name="꺾인 연결선[E] 16">
+            <a:extLst>
+              <a:ext uri="{FF2B5EF4-FFF2-40B4-BE49-F238E27FC236}">
+                <a16:creationId xmlns:a16="http://schemas.microsoft.com/office/drawing/2014/main" id="{BFBB2BD6-C14A-A225-8576-663DD3D900FC}"/>
+              </a:ext>
+            </a:extLst>
+          </p:cNvPr>
+          <p:cNvCxnSpPr>
+            <a:cxnSpLocks/>
+            <a:stCxn id="11" idx="2"/>
+            <a:endCxn id="14" idx="3"/>
+          </p:cNvCxnSpPr>
+          <p:nvPr/>
+        </p:nvCxnSpPr>
+        <p:spPr>
+          <a:xfrm rot="5400000">
+            <a:off x="6856860" y="2851263"/>
+            <a:ext cx="1127061" cy="889663"/>
+          </a:xfrm>
+          <a:prstGeom prst="bentConnector2">
+            <a:avLst/>
+          </a:prstGeom>
+          <a:ln>
+            <a:tailEnd type="triangle"/>
+          </a:ln>
+        </p:spPr>
+        <p:style>
+          <a:lnRef idx="3">
+            <a:schemeClr val="accent1"/>
+          </a:lnRef>
+          <a:fillRef idx="0">
+            <a:schemeClr val="accent1"/>
+          </a:fillRef>
+          <a:effectRef idx="2">
+            <a:schemeClr val="accent1"/>
+          </a:effectRef>
+          <a:fontRef idx="minor">
+            <a:schemeClr val="tx1"/>
+          </a:fontRef>
+        </p:style>
+      </p:cxnSp>
+      <p:cxnSp>
+        <p:nvCxnSpPr>
+          <p:cNvPr id="18" name="꺾인 연결선[E] 17">
+            <a:extLst>
+              <a:ext uri="{FF2B5EF4-FFF2-40B4-BE49-F238E27FC236}">
+                <a16:creationId xmlns:a16="http://schemas.microsoft.com/office/drawing/2014/main" id="{263C3138-B23F-34AE-71CE-69B43738B798}"/>
+              </a:ext>
+            </a:extLst>
+          </p:cNvPr>
+          <p:cNvCxnSpPr>
+            <a:cxnSpLocks/>
+            <a:stCxn id="5" idx="2"/>
+            <a:endCxn id="14" idx="1"/>
+          </p:cNvCxnSpPr>
+          <p:nvPr/>
+        </p:nvCxnSpPr>
+        <p:spPr>
+          <a:xfrm rot="16200000" flipH="1">
+            <a:off x="3991069" y="2999412"/>
+            <a:ext cx="1020736" cy="699690"/>
+          </a:xfrm>
+          <a:prstGeom prst="bentConnector2">
+            <a:avLst/>
+          </a:prstGeom>
+          <a:ln>
+            <a:tailEnd type="triangle"/>
+          </a:ln>
+        </p:spPr>
+        <p:style>
+          <a:lnRef idx="3">
+            <a:schemeClr val="accent1"/>
+          </a:lnRef>
+          <a:fillRef idx="0">
+            <a:schemeClr val="accent1"/>
+          </a:fillRef>
+          <a:effectRef idx="2">
+            <a:schemeClr val="accent1"/>
+          </a:effectRef>
+          <a:fontRef idx="minor">
+            <a:schemeClr val="tx1"/>
+          </a:fontRef>
+        </p:style>
+      </p:cxnSp>
+      <p:cxnSp>
+        <p:nvCxnSpPr>
+          <p:cNvPr id="31" name="직선 화살표 연결선 30">
+            <a:extLst>
+              <a:ext uri="{FF2B5EF4-FFF2-40B4-BE49-F238E27FC236}">
+                <a16:creationId xmlns:a16="http://schemas.microsoft.com/office/drawing/2014/main" id="{852816F0-0750-C594-5B16-DAD5CD57B23D}"/>
+              </a:ext>
+            </a:extLst>
+          </p:cNvPr>
+          <p:cNvCxnSpPr>
+            <a:cxnSpLocks/>
+            <a:stCxn id="5" idx="3"/>
+            <a:endCxn id="11" idx="1"/>
+          </p:cNvCxnSpPr>
+          <p:nvPr/>
+        </p:nvCxnSpPr>
+        <p:spPr>
+          <a:xfrm flipV="1">
+            <a:off x="4754989" y="2339159"/>
+            <a:ext cx="2009458" cy="5316"/>
+          </a:xfrm>
+          <a:prstGeom prst="straightConnector1">
+            <a:avLst/>
+          </a:prstGeom>
+          <a:ln>
+            <a:headEnd type="triangle"/>
+            <a:tailEnd type="triangle"/>
+          </a:ln>
+        </p:spPr>
+        <p:style>
+          <a:lnRef idx="3">
+            <a:schemeClr val="accent1"/>
+          </a:lnRef>
+          <a:fillRef idx="0">
+            <a:schemeClr val="accent1"/>
+          </a:fillRef>
+          <a:effectRef idx="2">
+            <a:schemeClr val="accent1"/>
+          </a:effectRef>
+          <a:fontRef idx="minor">
+            <a:schemeClr val="tx1"/>
+          </a:fontRef>
+        </p:style>
+      </p:cxnSp>
+      <p:sp>
+        <p:nvSpPr>
+          <p:cNvPr id="34" name="TextBox 33">
+            <a:extLst>
+              <a:ext uri="{FF2B5EF4-FFF2-40B4-BE49-F238E27FC236}">
+                <a16:creationId xmlns:a16="http://schemas.microsoft.com/office/drawing/2014/main" id="{CA6F102D-23B8-5345-04BA-2356728EA916}"/>
+              </a:ext>
+            </a:extLst>
+          </p:cNvPr>
+          <p:cNvSpPr txBox="1"/>
+          <p:nvPr/>
+        </p:nvSpPr>
+        <p:spPr>
+          <a:xfrm>
+            <a:off x="5156321" y="2431489"/>
+            <a:ext cx="1206794" cy="276999"/>
+          </a:xfrm>
+          <a:prstGeom prst="rect">
+            <a:avLst/>
+          </a:prstGeom>
+          <a:ln/>
+        </p:spPr>
+        <p:style>
+          <a:lnRef idx="2">
+            <a:schemeClr val="accent1"/>
+          </a:lnRef>
+          <a:fillRef idx="1">
+            <a:schemeClr val="lt1"/>
+          </a:fillRef>
+          <a:effectRef idx="0">
+            <a:schemeClr val="accent1"/>
+          </a:effectRef>
+          <a:fontRef idx="minor">
+            <a:schemeClr val="dk1"/>
+          </a:fontRef>
+        </p:style>
+        <p:txBody>
+          <a:bodyPr wrap="square" rtlCol="0">
+            <a:spAutoFit/>
+          </a:bodyPr>
+          <a:lstStyle/>
+          <a:p>
+            <a:pPr algn="ctr"/>
+            <a:r>
+              <a:rPr kumimoji="1" lang="en-US" altLang="ko-KR" sz="1200" dirty="0"/>
+              <a:t>5.</a:t>
+            </a:r>
+            <a:r>
+              <a:rPr kumimoji="1" lang="ko-KR" altLang="en-US" sz="1200" dirty="0"/>
+              <a:t> </a:t>
+            </a:r>
+            <a:r>
+              <a:rPr kumimoji="1" lang="en-US" altLang="ko-KR" sz="1200" dirty="0"/>
+              <a:t>return</a:t>
+            </a:r>
+            <a:endParaRPr kumimoji="1" lang="ko-Kore-KR" altLang="en-US" sz="1200" dirty="0"/>
+          </a:p>
+        </p:txBody>
+      </p:sp>
+      <p:sp>
+        <p:nvSpPr>
+          <p:cNvPr id="35" name="TextBox 34">
+            <a:extLst>
+              <a:ext uri="{FF2B5EF4-FFF2-40B4-BE49-F238E27FC236}">
+                <a16:creationId xmlns:a16="http://schemas.microsoft.com/office/drawing/2014/main" id="{BC3B1D8B-1C28-E10B-2D21-EEDA8F9C8326}"/>
+              </a:ext>
+            </a:extLst>
+          </p:cNvPr>
+          <p:cNvSpPr txBox="1"/>
+          <p:nvPr/>
+        </p:nvSpPr>
+        <p:spPr>
+          <a:xfrm>
+            <a:off x="3744945" y="3194803"/>
+            <a:ext cx="813290" cy="276999"/>
+          </a:xfrm>
+          <a:prstGeom prst="rect">
+            <a:avLst/>
+          </a:prstGeom>
+          <a:ln/>
+        </p:spPr>
+        <p:style>
+          <a:lnRef idx="2">
+            <a:schemeClr val="accent1"/>
+          </a:lnRef>
+          <a:fillRef idx="1">
+            <a:schemeClr val="lt1"/>
+          </a:fillRef>
+          <a:effectRef idx="0">
+            <a:schemeClr val="accent1"/>
+          </a:effectRef>
+          <a:fontRef idx="minor">
+            <a:schemeClr val="dk1"/>
+          </a:fontRef>
+        </p:style>
+        <p:txBody>
+          <a:bodyPr wrap="square" rtlCol="0">
+            <a:spAutoFit/>
+          </a:bodyPr>
+          <a:lstStyle/>
+          <a:p>
+            <a:pPr algn="ctr"/>
+            <a:r>
+              <a:rPr kumimoji="1" lang="en-US" altLang="ko-KR" sz="1200" dirty="0"/>
+              <a:t>2. </a:t>
+            </a:r>
+            <a:r>
+              <a:rPr kumimoji="1" lang="ko-KR" altLang="en-US" sz="1200" dirty="0"/>
+              <a:t>생성</a:t>
+            </a:r>
+            <a:endParaRPr kumimoji="1" lang="ko-Kore-KR" altLang="en-US" sz="1200" dirty="0"/>
+          </a:p>
+        </p:txBody>
+      </p:sp>
+      <p:sp>
+        <p:nvSpPr>
+          <p:cNvPr id="36" name="TextBox 35">
+            <a:extLst>
+              <a:ext uri="{FF2B5EF4-FFF2-40B4-BE49-F238E27FC236}">
+                <a16:creationId xmlns:a16="http://schemas.microsoft.com/office/drawing/2014/main" id="{BD36D000-6F6F-80E2-9A3D-134E9895DDCC}"/>
+              </a:ext>
+            </a:extLst>
+          </p:cNvPr>
+          <p:cNvSpPr txBox="1"/>
+          <p:nvPr/>
+        </p:nvSpPr>
+        <p:spPr>
+          <a:xfrm>
+            <a:off x="7504991" y="3189205"/>
+            <a:ext cx="813290" cy="276999"/>
+          </a:xfrm>
+          <a:prstGeom prst="rect">
+            <a:avLst/>
+          </a:prstGeom>
+          <a:ln/>
+        </p:spPr>
+        <p:style>
+          <a:lnRef idx="2">
+            <a:schemeClr val="accent1"/>
+          </a:lnRef>
+          <a:fillRef idx="1">
+            <a:schemeClr val="lt1"/>
+          </a:fillRef>
+          <a:effectRef idx="0">
+            <a:schemeClr val="accent1"/>
+          </a:effectRef>
+          <a:fontRef idx="minor">
+            <a:schemeClr val="dk1"/>
+          </a:fontRef>
+        </p:style>
+        <p:txBody>
+          <a:bodyPr wrap="square" rtlCol="0">
+            <a:spAutoFit/>
+          </a:bodyPr>
+          <a:lstStyle/>
+          <a:p>
+            <a:pPr algn="ctr"/>
+            <a:r>
+              <a:rPr kumimoji="1" lang="en-US" altLang="ko-KR" sz="1200" dirty="0"/>
+              <a:t>4.</a:t>
+            </a:r>
+            <a:r>
+              <a:rPr kumimoji="1" lang="ko-KR" altLang="en-US" sz="1200" dirty="0"/>
+              <a:t> 사용</a:t>
+            </a:r>
+            <a:endParaRPr kumimoji="1" lang="ko-Kore-KR" altLang="en-US" sz="1200" dirty="0"/>
+          </a:p>
+        </p:txBody>
+      </p:sp>
+      <p:sp>
+        <p:nvSpPr>
+          <p:cNvPr id="49" name="직사각형 48">
+            <a:extLst>
+              <a:ext uri="{FF2B5EF4-FFF2-40B4-BE49-F238E27FC236}">
+                <a16:creationId xmlns:a16="http://schemas.microsoft.com/office/drawing/2014/main" id="{879E37F5-D48E-4AF7-3DC9-90E524BFA215}"/>
+              </a:ext>
+            </a:extLst>
+          </p:cNvPr>
+          <p:cNvSpPr/>
+          <p:nvPr/>
+        </p:nvSpPr>
+        <p:spPr>
+          <a:xfrm>
+            <a:off x="10255855" y="1945754"/>
+            <a:ext cx="1804787" cy="786810"/>
+          </a:xfrm>
+          <a:prstGeom prst="rect">
+            <a:avLst/>
+          </a:prstGeom>
+        </p:spPr>
+        <p:style>
+          <a:lnRef idx="2">
+            <a:schemeClr val="accent1">
+              <a:shade val="50000"/>
+            </a:schemeClr>
+          </a:lnRef>
+          <a:fillRef idx="1">
+            <a:schemeClr val="accent1"/>
+          </a:fillRef>
+          <a:effectRef idx="0">
+            <a:schemeClr val="accent1"/>
+          </a:effectRef>
+          <a:fontRef idx="minor">
+            <a:schemeClr val="lt1"/>
+          </a:fontRef>
+        </p:style>
+        <p:txBody>
+          <a:bodyPr rtlCol="0" anchor="ctr"/>
+          <a:lstStyle/>
+          <a:p>
+            <a:pPr algn="ctr"/>
+            <a:r>
+              <a:rPr kumimoji="1" lang="en-US" altLang="ko-Kore-KR" dirty="0" err="1"/>
+              <a:t>BoardHandler</a:t>
+            </a:r>
+            <a:endParaRPr kumimoji="1" lang="ko-Kore-KR" altLang="en-US" dirty="0"/>
+          </a:p>
+        </p:txBody>
+      </p:sp>
+      <p:sp>
+        <p:nvSpPr>
+          <p:cNvPr id="56" name="TextBox 55">
+            <a:extLst>
+              <a:ext uri="{FF2B5EF4-FFF2-40B4-BE49-F238E27FC236}">
+                <a16:creationId xmlns:a16="http://schemas.microsoft.com/office/drawing/2014/main" id="{1D62A341-FA91-0A7C-8D0E-BD5465FD50AB}"/>
+              </a:ext>
+            </a:extLst>
+          </p:cNvPr>
+          <p:cNvSpPr txBox="1"/>
+          <p:nvPr/>
+        </p:nvSpPr>
+        <p:spPr>
+          <a:xfrm>
+            <a:off x="6761872" y="1610552"/>
+            <a:ext cx="2201547" cy="276999"/>
+          </a:xfrm>
+          <a:prstGeom prst="rect">
+            <a:avLst/>
+          </a:prstGeom>
+          <a:ln/>
+        </p:spPr>
+        <p:style>
+          <a:lnRef idx="2">
+            <a:schemeClr val="accent1"/>
+          </a:lnRef>
+          <a:fillRef idx="1">
+            <a:schemeClr val="lt1"/>
+          </a:fillRef>
+          <a:effectRef idx="0">
+            <a:schemeClr val="accent1"/>
+          </a:effectRef>
+          <a:fontRef idx="minor">
+            <a:schemeClr val="dk1"/>
+          </a:fontRef>
+        </p:style>
+        <p:txBody>
+          <a:bodyPr wrap="square" rtlCol="0">
+            <a:spAutoFit/>
+          </a:bodyPr>
+          <a:lstStyle/>
+          <a:p>
+            <a:pPr algn="ctr"/>
+            <a:r>
+              <a:rPr kumimoji="1" lang="ko-KR" altLang="en-US" sz="1200" dirty="0"/>
+              <a:t>자원에 대한 요청을 처리</a:t>
+            </a:r>
+            <a:endParaRPr kumimoji="1" lang="ko-Kore-KR" altLang="en-US" sz="1200" dirty="0"/>
+          </a:p>
+        </p:txBody>
+      </p:sp>
+      <p:sp>
+        <p:nvSpPr>
+          <p:cNvPr id="57" name="TextBox 56">
+            <a:extLst>
+              <a:ext uri="{FF2B5EF4-FFF2-40B4-BE49-F238E27FC236}">
+                <a16:creationId xmlns:a16="http://schemas.microsoft.com/office/drawing/2014/main" id="{B53A44D1-C0AD-8610-B703-654A2855BE75}"/>
+              </a:ext>
+            </a:extLst>
+          </p:cNvPr>
+          <p:cNvSpPr txBox="1"/>
+          <p:nvPr/>
+        </p:nvSpPr>
+        <p:spPr>
+          <a:xfrm>
+            <a:off x="4851281" y="4250241"/>
+            <a:ext cx="2124275" cy="461665"/>
+          </a:xfrm>
+          <a:prstGeom prst="rect">
+            <a:avLst/>
+          </a:prstGeom>
+          <a:ln/>
+        </p:spPr>
+        <p:style>
+          <a:lnRef idx="2">
+            <a:schemeClr val="accent1"/>
+          </a:lnRef>
+          <a:fillRef idx="1">
+            <a:schemeClr val="lt1"/>
+          </a:fillRef>
+          <a:effectRef idx="0">
+            <a:schemeClr val="accent1"/>
+          </a:effectRef>
+          <a:fontRef idx="minor">
+            <a:schemeClr val="dk1"/>
+          </a:fontRef>
+        </p:style>
+        <p:txBody>
+          <a:bodyPr wrap="square" rtlCol="0">
+            <a:spAutoFit/>
+          </a:bodyPr>
+          <a:lstStyle/>
+          <a:p>
+            <a:pPr marL="171450" indent="-171450" algn="ctr">
+              <a:buFont typeface="Arial" panose="020B0604020202020204" pitchFamily="34" charset="0"/>
+              <a:buChar char="•"/>
+            </a:pPr>
+            <a:r>
+              <a:rPr kumimoji="1" lang="ko-KR" altLang="en-US" sz="1200" dirty="0"/>
+              <a:t>요청 정보를 다루는 도구</a:t>
+            </a:r>
+            <a:endParaRPr kumimoji="1" lang="en-US" altLang="ko-KR" sz="1200" dirty="0"/>
+          </a:p>
+          <a:p>
+            <a:pPr marL="171450" indent="-171450" algn="ctr">
+              <a:buFont typeface="Arial" panose="020B0604020202020204" pitchFamily="34" charset="0"/>
+              <a:buChar char="•"/>
+            </a:pPr>
+            <a:r>
+              <a:rPr kumimoji="1" lang="ko-KR" altLang="en-US" sz="1200" dirty="0"/>
+              <a:t>응답 정보를 다루는 도구</a:t>
+            </a:r>
+            <a:endParaRPr kumimoji="1" lang="ko-Kore-KR" altLang="en-US" sz="1200" dirty="0"/>
+          </a:p>
+        </p:txBody>
+      </p:sp>
+      <p:sp>
+        <p:nvSpPr>
+          <p:cNvPr id="3" name="직사각형 2">
+            <a:extLst>
+              <a:ext uri="{FF2B5EF4-FFF2-40B4-BE49-F238E27FC236}">
+                <a16:creationId xmlns:a16="http://schemas.microsoft.com/office/drawing/2014/main" id="{0D127459-0EBC-DF70-2FD1-24443D267A5E}"/>
+              </a:ext>
+            </a:extLst>
+          </p:cNvPr>
+          <p:cNvSpPr/>
+          <p:nvPr/>
+        </p:nvSpPr>
+        <p:spPr>
+          <a:xfrm>
+            <a:off x="10255855" y="3333315"/>
+            <a:ext cx="1804787" cy="786810"/>
+          </a:xfrm>
+          <a:prstGeom prst="rect">
+            <a:avLst/>
+          </a:prstGeom>
+        </p:spPr>
+        <p:style>
+          <a:lnRef idx="2">
+            <a:schemeClr val="accent1">
+              <a:shade val="50000"/>
+            </a:schemeClr>
+          </a:lnRef>
+          <a:fillRef idx="1">
+            <a:schemeClr val="accent1"/>
+          </a:fillRef>
+          <a:effectRef idx="0">
+            <a:schemeClr val="accent1"/>
+          </a:effectRef>
+          <a:fontRef idx="minor">
+            <a:schemeClr val="lt1"/>
+          </a:fontRef>
+        </p:style>
+        <p:txBody>
+          <a:bodyPr rtlCol="0" anchor="ctr"/>
+          <a:lstStyle/>
+          <a:p>
+            <a:pPr algn="ctr"/>
+            <a:r>
+              <a:rPr kumimoji="1" lang="en-US" altLang="ko-Kore-KR" dirty="0" err="1"/>
+              <a:t>ErrorHandler</a:t>
+            </a:r>
+            <a:endParaRPr kumimoji="1" lang="ko-Kore-KR" altLang="en-US" dirty="0"/>
+          </a:p>
+        </p:txBody>
+      </p:sp>
+      <p:cxnSp>
+        <p:nvCxnSpPr>
+          <p:cNvPr id="7" name="직선 화살표 연결선 6">
+            <a:extLst>
+              <a:ext uri="{FF2B5EF4-FFF2-40B4-BE49-F238E27FC236}">
+                <a16:creationId xmlns:a16="http://schemas.microsoft.com/office/drawing/2014/main" id="{1D493A97-E3D9-5168-0B10-666690DB9510}"/>
+              </a:ext>
+            </a:extLst>
+          </p:cNvPr>
+          <p:cNvCxnSpPr>
+            <a:cxnSpLocks/>
+            <a:stCxn id="11" idx="3"/>
+            <a:endCxn id="3" idx="1"/>
+          </p:cNvCxnSpPr>
+          <p:nvPr/>
+        </p:nvCxnSpPr>
+        <p:spPr>
+          <a:xfrm>
+            <a:off x="8965994" y="2339159"/>
+            <a:ext cx="1289861" cy="1387561"/>
+          </a:xfrm>
+          <a:prstGeom prst="straightConnector1">
+            <a:avLst/>
+          </a:prstGeom>
+          <a:ln>
+            <a:tailEnd type="triangle"/>
+          </a:ln>
+        </p:spPr>
+        <p:style>
+          <a:lnRef idx="3">
+            <a:schemeClr val="accent1"/>
+          </a:lnRef>
+          <a:fillRef idx="0">
+            <a:schemeClr val="accent1"/>
+          </a:fillRef>
+          <a:effectRef idx="2">
+            <a:schemeClr val="accent1"/>
+          </a:effectRef>
+          <a:fontRef idx="minor">
+            <a:schemeClr val="tx1"/>
+          </a:fontRef>
+        </p:style>
+      </p:cxnSp>
+      <p:sp>
+        <p:nvSpPr>
+          <p:cNvPr id="20" name="직사각형 19">
+            <a:extLst>
+              <a:ext uri="{FF2B5EF4-FFF2-40B4-BE49-F238E27FC236}">
+                <a16:creationId xmlns:a16="http://schemas.microsoft.com/office/drawing/2014/main" id="{9A3C50AE-D7D5-5B4C-1B0D-027E5A3B05B6}"/>
+              </a:ext>
+            </a:extLst>
+          </p:cNvPr>
+          <p:cNvSpPr/>
+          <p:nvPr/>
+        </p:nvSpPr>
+        <p:spPr>
+          <a:xfrm>
+            <a:off x="10255855" y="4711906"/>
+            <a:ext cx="1804787" cy="786810"/>
+          </a:xfrm>
+          <a:prstGeom prst="rect">
+            <a:avLst/>
+          </a:prstGeom>
+        </p:spPr>
+        <p:style>
+          <a:lnRef idx="2">
+            <a:schemeClr val="accent1">
+              <a:shade val="50000"/>
+            </a:schemeClr>
+          </a:lnRef>
+          <a:fillRef idx="1">
+            <a:schemeClr val="accent1"/>
+          </a:fillRef>
+          <a:effectRef idx="0">
+            <a:schemeClr val="accent1"/>
+          </a:effectRef>
+          <a:fontRef idx="minor">
+            <a:schemeClr val="lt1"/>
+          </a:fontRef>
+        </p:style>
+        <p:txBody>
+          <a:bodyPr rtlCol="0" anchor="ctr"/>
+          <a:lstStyle/>
+          <a:p>
+            <a:pPr algn="ctr"/>
+            <a:r>
+              <a:rPr kumimoji="1" lang="en-US" altLang="ko-Kore-KR" dirty="0" err="1"/>
+              <a:t>BoardHandler</a:t>
+            </a:r>
+            <a:endParaRPr kumimoji="1" lang="ko-Kore-KR" altLang="en-US" dirty="0"/>
+          </a:p>
+        </p:txBody>
+      </p:sp>
+      <p:sp>
+        <p:nvSpPr>
+          <p:cNvPr id="21" name="직사각형 20">
+            <a:extLst>
+              <a:ext uri="{FF2B5EF4-FFF2-40B4-BE49-F238E27FC236}">
+                <a16:creationId xmlns:a16="http://schemas.microsoft.com/office/drawing/2014/main" id="{54495EB1-9865-8678-C4B5-E72C0F5A5EDA}"/>
+              </a:ext>
+            </a:extLst>
+          </p:cNvPr>
+          <p:cNvSpPr/>
+          <p:nvPr/>
+        </p:nvSpPr>
+        <p:spPr>
+          <a:xfrm>
+            <a:off x="10005235" y="5906296"/>
+            <a:ext cx="2055407" cy="786810"/>
+          </a:xfrm>
+          <a:prstGeom prst="rect">
+            <a:avLst/>
+          </a:prstGeom>
+        </p:spPr>
+        <p:style>
+          <a:lnRef idx="2">
+            <a:schemeClr val="accent1">
+              <a:shade val="50000"/>
+            </a:schemeClr>
+          </a:lnRef>
+          <a:fillRef idx="1">
+            <a:schemeClr val="accent1"/>
+          </a:fillRef>
+          <a:effectRef idx="0">
+            <a:schemeClr val="accent1"/>
+          </a:effectRef>
+          <a:fontRef idx="minor">
+            <a:schemeClr val="lt1"/>
+          </a:fontRef>
+        </p:style>
+        <p:txBody>
+          <a:bodyPr rtlCol="0" anchor="ctr"/>
+          <a:lstStyle/>
+          <a:p>
+            <a:pPr algn="ctr"/>
+            <a:r>
+              <a:rPr kumimoji="1" lang="en-US" altLang="ko-Kore-KR" dirty="0" err="1"/>
+              <a:t>MemberHandler</a:t>
+            </a:r>
+            <a:endParaRPr kumimoji="1" lang="ko-Kore-KR" altLang="en-US" dirty="0"/>
+          </a:p>
+        </p:txBody>
+      </p:sp>
+      <p:cxnSp>
+        <p:nvCxnSpPr>
+          <p:cNvPr id="22" name="직선 화살표 연결선 21">
+            <a:extLst>
+              <a:ext uri="{FF2B5EF4-FFF2-40B4-BE49-F238E27FC236}">
+                <a16:creationId xmlns:a16="http://schemas.microsoft.com/office/drawing/2014/main" id="{F487CB2C-998E-4B35-2465-55DF30F2A4EE}"/>
+              </a:ext>
+            </a:extLst>
+          </p:cNvPr>
+          <p:cNvCxnSpPr>
+            <a:cxnSpLocks/>
+            <a:stCxn id="11" idx="3"/>
+            <a:endCxn id="20" idx="1"/>
+          </p:cNvCxnSpPr>
+          <p:nvPr/>
+        </p:nvCxnSpPr>
+        <p:spPr>
+          <a:xfrm>
+            <a:off x="8965994" y="2339159"/>
+            <a:ext cx="1289861" cy="2766152"/>
+          </a:xfrm>
+          <a:prstGeom prst="straightConnector1">
+            <a:avLst/>
+          </a:prstGeom>
+          <a:ln>
+            <a:tailEnd type="triangle"/>
+          </a:ln>
+        </p:spPr>
+        <p:style>
+          <a:lnRef idx="3">
+            <a:schemeClr val="accent1"/>
+          </a:lnRef>
+          <a:fillRef idx="0">
+            <a:schemeClr val="accent1"/>
+          </a:fillRef>
+          <a:effectRef idx="2">
+            <a:schemeClr val="accent1"/>
+          </a:effectRef>
+          <a:fontRef idx="minor">
+            <a:schemeClr val="tx1"/>
+          </a:fontRef>
+        </p:style>
+      </p:cxnSp>
+      <p:cxnSp>
+        <p:nvCxnSpPr>
+          <p:cNvPr id="29" name="직선 화살표 연결선 28">
+            <a:extLst>
+              <a:ext uri="{FF2B5EF4-FFF2-40B4-BE49-F238E27FC236}">
+                <a16:creationId xmlns:a16="http://schemas.microsoft.com/office/drawing/2014/main" id="{10378F38-2FF9-E5D4-3838-5147B77877B3}"/>
+              </a:ext>
+            </a:extLst>
+          </p:cNvPr>
+          <p:cNvCxnSpPr>
+            <a:cxnSpLocks/>
+            <a:stCxn id="11" idx="3"/>
+            <a:endCxn id="21" idx="1"/>
+          </p:cNvCxnSpPr>
+          <p:nvPr/>
+        </p:nvCxnSpPr>
+        <p:spPr>
+          <a:xfrm>
+            <a:off x="8965994" y="2339159"/>
+            <a:ext cx="1039241" cy="3960542"/>
+          </a:xfrm>
+          <a:prstGeom prst="straightConnector1">
+            <a:avLst/>
+          </a:prstGeom>
+          <a:ln>
+            <a:tailEnd type="triangle"/>
+          </a:ln>
+        </p:spPr>
+        <p:style>
+          <a:lnRef idx="3">
+            <a:schemeClr val="accent1"/>
+          </a:lnRef>
+          <a:fillRef idx="0">
+            <a:schemeClr val="accent1"/>
+          </a:fillRef>
+          <a:effectRef idx="2">
+            <a:schemeClr val="accent1"/>
+          </a:effectRef>
+          <a:fontRef idx="minor">
+            <a:schemeClr val="tx1"/>
+          </a:fontRef>
+        </p:style>
+      </p:cxnSp>
+      <p:sp>
+        <p:nvSpPr>
+          <p:cNvPr id="12" name="TextBox 11">
+            <a:extLst>
+              <a:ext uri="{FF2B5EF4-FFF2-40B4-BE49-F238E27FC236}">
+                <a16:creationId xmlns:a16="http://schemas.microsoft.com/office/drawing/2014/main" id="{0E0C1253-74EC-9EFB-4E7A-78E1AE1A0A8D}"/>
+              </a:ext>
+            </a:extLst>
+          </p:cNvPr>
+          <p:cNvSpPr txBox="1"/>
+          <p:nvPr/>
+        </p:nvSpPr>
+        <p:spPr>
+          <a:xfrm>
+            <a:off x="9493443" y="2922835"/>
+            <a:ext cx="672590" cy="276999"/>
+          </a:xfrm>
+          <a:prstGeom prst="rect">
+            <a:avLst/>
+          </a:prstGeom>
+          <a:ln/>
+        </p:spPr>
+        <p:style>
+          <a:lnRef idx="2">
+            <a:schemeClr val="accent1"/>
+          </a:lnRef>
+          <a:fillRef idx="1">
+            <a:schemeClr val="lt1"/>
+          </a:fillRef>
+          <a:effectRef idx="0">
+            <a:schemeClr val="accent1"/>
+          </a:effectRef>
+          <a:fontRef idx="minor">
+            <a:schemeClr val="dk1"/>
+          </a:fontRef>
+        </p:style>
+        <p:txBody>
+          <a:bodyPr wrap="square" rtlCol="0">
+            <a:spAutoFit/>
+          </a:bodyPr>
+          <a:lstStyle/>
+          <a:p>
+            <a:pPr algn="ctr"/>
+            <a:r>
+              <a:rPr kumimoji="1" lang="en-US" altLang="ko-Kore-KR" sz="1200" dirty="0"/>
+              <a:t>error()</a:t>
+            </a:r>
+            <a:endParaRPr kumimoji="1" lang="ko-Kore-KR" altLang="en-US" sz="1200" dirty="0"/>
+          </a:p>
+        </p:txBody>
+      </p:sp>
+    </p:spTree>
+    <p:extLst>
+      <p:ext uri="{BB962C8B-B14F-4D97-AF65-F5344CB8AC3E}">
+        <p14:creationId xmlns:p14="http://schemas.microsoft.com/office/powerpoint/2010/main" val="1058856801"/>
+      </p:ext>
+    </p:extLst>
+  </p:cSld>
+  <p:clrMapOvr>
+    <a:masterClrMapping/>
+  </p:clrMapOvr>
+</p:sld>
+</file>
+
+<file path=ppt/slides/slide24.xml><?xml version="1.0" encoding="utf-8"?>
+<p:sld xmlns:a="http://schemas.openxmlformats.org/drawingml/2006/main" xmlns:r="http://schemas.openxmlformats.org/officeDocument/2006/relationships" xmlns:p="http://schemas.openxmlformats.org/presentationml/2006/main">
+  <p:cSld>
+    <p:spTree>
+      <p:nvGrpSpPr>
+        <p:cNvPr id="1" name=""/>
+        <p:cNvGrpSpPr/>
+        <p:nvPr/>
+      </p:nvGrpSpPr>
+      <p:grpSpPr>
+        <a:xfrm>
+          <a:off x="0" y="0"/>
+          <a:ext cx="0" cy="0"/>
+          <a:chOff x="0" y="0"/>
+          <a:chExt cx="0" cy="0"/>
+        </a:xfrm>
+      </p:grpSpPr>
+      <p:sp>
+        <p:nvSpPr>
+          <p:cNvPr id="2" name="직사각형 1">
+            <a:extLst>
+              <a:ext uri="{FF2B5EF4-FFF2-40B4-BE49-F238E27FC236}">
+                <a16:creationId xmlns:a16="http://schemas.microsoft.com/office/drawing/2014/main" id="{9EF1075D-77AA-10F5-5EEA-902F1C977275}"/>
+              </a:ext>
+            </a:extLst>
+          </p:cNvPr>
+          <p:cNvSpPr/>
+          <p:nvPr/>
+        </p:nvSpPr>
+        <p:spPr>
+          <a:xfrm>
+            <a:off x="1626781" y="1148316"/>
+            <a:ext cx="5794745" cy="4391247"/>
+          </a:xfrm>
+          <a:prstGeom prst="rect">
+            <a:avLst/>
+          </a:prstGeom>
+        </p:spPr>
+        <p:style>
+          <a:lnRef idx="2">
+            <a:schemeClr val="accent1"/>
+          </a:lnRef>
+          <a:fillRef idx="1">
+            <a:schemeClr val="lt1"/>
+          </a:fillRef>
+          <a:effectRef idx="0">
+            <a:schemeClr val="accent1"/>
+          </a:effectRef>
+          <a:fontRef idx="minor">
+            <a:schemeClr val="dk1"/>
+          </a:fontRef>
+        </p:style>
+        <p:txBody>
+          <a:bodyPr rtlCol="0" anchor="ctr"/>
+          <a:lstStyle/>
+          <a:p>
+            <a:r>
+              <a:rPr kumimoji="1" lang="en-US" altLang="ko-Kore-KR" dirty="0"/>
+              <a:t>&lt;table width = ‘1’&gt;</a:t>
+            </a:r>
+          </a:p>
+          <a:p>
+            <a:r>
+              <a:rPr kumimoji="1" lang="en-US" altLang="ko-Kore-KR" dirty="0"/>
+              <a:t>	</a:t>
+            </a:r>
+          </a:p>
+          <a:p>
+            <a:r>
+              <a:rPr kumimoji="1" lang="en-US" altLang="ko-Kore-KR" dirty="0"/>
+              <a:t>	&lt;tr&gt;</a:t>
+            </a:r>
+          </a:p>
+          <a:p>
+            <a:endParaRPr kumimoji="1" lang="en-US" altLang="ko-Kore-KR" dirty="0"/>
+          </a:p>
+          <a:p>
+            <a:r>
+              <a:rPr kumimoji="1" lang="en-US" altLang="ko-Kore-KR" dirty="0"/>
+              <a:t>		&lt;</a:t>
+            </a:r>
+            <a:r>
+              <a:rPr kumimoji="1" lang="en-US" altLang="ko-Kore-KR" dirty="0" err="1"/>
+              <a:t>th</a:t>
+            </a:r>
+            <a:r>
+              <a:rPr kumimoji="1" lang="en-US" altLang="ko-Kore-KR" dirty="0"/>
+              <a:t>&gt;--------&lt;/</a:t>
+            </a:r>
+            <a:r>
+              <a:rPr kumimoji="1" lang="en-US" altLang="ko-Kore-KR" dirty="0" err="1"/>
+              <a:t>th</a:t>
+            </a:r>
+            <a:r>
+              <a:rPr kumimoji="1" lang="en-US" altLang="ko-Kore-KR" dirty="0"/>
+              <a:t>&gt;</a:t>
+            </a:r>
+          </a:p>
+          <a:p>
+            <a:r>
+              <a:rPr kumimoji="1" lang="en-US" altLang="ko-Kore-KR" dirty="0"/>
+              <a:t>		.</a:t>
+            </a:r>
+          </a:p>
+          <a:p>
+            <a:r>
+              <a:rPr kumimoji="1" lang="en-US" altLang="ko-Kore-KR" dirty="0"/>
+              <a:t>		.</a:t>
+            </a:r>
+          </a:p>
+          <a:p>
+            <a:r>
+              <a:rPr kumimoji="1" lang="en-US" altLang="ko-Kore-KR" dirty="0"/>
+              <a:t>		.</a:t>
+            </a:r>
+          </a:p>
+          <a:p>
+            <a:r>
+              <a:rPr kumimoji="1" lang="en-US" altLang="ko-Kore-KR" dirty="0"/>
+              <a:t>		&lt;</a:t>
+            </a:r>
+            <a:r>
+              <a:rPr kumimoji="1" lang="en-US" altLang="ko-Kore-KR" dirty="0" err="1"/>
+              <a:t>th</a:t>
+            </a:r>
+            <a:r>
+              <a:rPr kumimoji="1" lang="en-US" altLang="ko-Kore-KR" dirty="0"/>
+              <a:t>&gt;--------&lt;/</a:t>
+            </a:r>
+            <a:r>
+              <a:rPr kumimoji="1" lang="en-US" altLang="ko-Kore-KR" dirty="0" err="1"/>
+              <a:t>th</a:t>
+            </a:r>
+            <a:r>
+              <a:rPr kumimoji="1" lang="en-US" altLang="ko-Kore-KR" dirty="0"/>
+              <a:t>&gt;</a:t>
+            </a:r>
+          </a:p>
+          <a:p>
+            <a:endParaRPr kumimoji="1" lang="en-US" altLang="ko-Kore-KR" dirty="0"/>
+          </a:p>
+          <a:p>
+            <a:r>
+              <a:rPr kumimoji="1" lang="en-US" altLang="ko-Kore-KR" dirty="0"/>
+              <a:t>	&lt;/tr&gt;</a:t>
+            </a:r>
+          </a:p>
+          <a:p>
+            <a:endParaRPr kumimoji="1" lang="en-US" altLang="ko-Kore-KR" dirty="0"/>
+          </a:p>
+          <a:p>
+            <a:r>
+              <a:rPr kumimoji="1" lang="en-US" altLang="ko-Kore-KR" dirty="0"/>
+              <a:t>&lt;/table&gt;</a:t>
+            </a:r>
+            <a:endParaRPr kumimoji="1" lang="ko-Kore-KR" altLang="en-US" dirty="0"/>
+          </a:p>
+        </p:txBody>
+      </p:sp>
+      <p:sp>
+        <p:nvSpPr>
+          <p:cNvPr id="3" name="직사각형 2">
+            <a:extLst>
+              <a:ext uri="{FF2B5EF4-FFF2-40B4-BE49-F238E27FC236}">
+                <a16:creationId xmlns:a16="http://schemas.microsoft.com/office/drawing/2014/main" id="{EA5CCC5C-163D-4078-86E8-ECC96085269E}"/>
+              </a:ext>
+            </a:extLst>
+          </p:cNvPr>
+          <p:cNvSpPr/>
+          <p:nvPr/>
+        </p:nvSpPr>
+        <p:spPr>
+          <a:xfrm>
+            <a:off x="1711845" y="931678"/>
+            <a:ext cx="723014" cy="361507"/>
+          </a:xfrm>
+          <a:prstGeom prst="rect">
+            <a:avLst/>
+          </a:prstGeom>
+        </p:spPr>
+        <p:style>
+          <a:lnRef idx="2">
+            <a:schemeClr val="accent4"/>
+          </a:lnRef>
+          <a:fillRef idx="1">
+            <a:schemeClr val="lt1"/>
+          </a:fillRef>
+          <a:effectRef idx="0">
+            <a:schemeClr val="accent4"/>
+          </a:effectRef>
+          <a:fontRef idx="minor">
+            <a:schemeClr val="dk1"/>
+          </a:fontRef>
+        </p:style>
+        <p:txBody>
+          <a:bodyPr rtlCol="0" anchor="ctr"/>
+          <a:lstStyle/>
+          <a:p>
+            <a:pPr algn="ctr"/>
+            <a:r>
+              <a:rPr kumimoji="1" lang="ko-KR" altLang="en-US" sz="1400" dirty="0" err="1"/>
+              <a:t>태그명</a:t>
+            </a:r>
+            <a:endParaRPr kumimoji="1" lang="ko-Kore-KR" altLang="en-US" sz="1400" dirty="0"/>
+          </a:p>
+        </p:txBody>
+      </p:sp>
+      <p:cxnSp>
+        <p:nvCxnSpPr>
+          <p:cNvPr id="4" name="직선 화살표 연결선 3">
+            <a:extLst>
+              <a:ext uri="{FF2B5EF4-FFF2-40B4-BE49-F238E27FC236}">
+                <a16:creationId xmlns:a16="http://schemas.microsoft.com/office/drawing/2014/main" id="{47753307-7A0B-AD0C-5B96-7D7249299DAD}"/>
+              </a:ext>
+            </a:extLst>
+          </p:cNvPr>
+          <p:cNvCxnSpPr>
+            <a:cxnSpLocks/>
+            <a:stCxn id="5" idx="0"/>
+            <a:endCxn id="3" idx="2"/>
+          </p:cNvCxnSpPr>
+          <p:nvPr/>
+        </p:nvCxnSpPr>
+        <p:spPr>
+          <a:xfrm flipH="1" flipV="1">
+            <a:off x="2073352" y="1293185"/>
+            <a:ext cx="47844" cy="253851"/>
+          </a:xfrm>
+          <a:prstGeom prst="straightConnector1">
+            <a:avLst/>
+          </a:prstGeom>
+          <a:ln>
+            <a:tailEnd type="triangle"/>
+          </a:ln>
+        </p:spPr>
+        <p:style>
+          <a:lnRef idx="3">
+            <a:schemeClr val="accent4"/>
+          </a:lnRef>
+          <a:fillRef idx="0">
+            <a:schemeClr val="accent4"/>
+          </a:fillRef>
+          <a:effectRef idx="2">
+            <a:schemeClr val="accent4"/>
+          </a:effectRef>
+          <a:fontRef idx="minor">
+            <a:schemeClr val="tx1"/>
+          </a:fontRef>
+        </p:style>
+      </p:cxnSp>
+      <p:sp>
+        <p:nvSpPr>
+          <p:cNvPr id="5" name="직사각형 4">
+            <a:extLst>
+              <a:ext uri="{FF2B5EF4-FFF2-40B4-BE49-F238E27FC236}">
+                <a16:creationId xmlns:a16="http://schemas.microsoft.com/office/drawing/2014/main" id="{FF9ED370-A4AD-0A14-BAE2-12258151E225}"/>
+              </a:ext>
+            </a:extLst>
+          </p:cNvPr>
+          <p:cNvSpPr/>
+          <p:nvPr/>
+        </p:nvSpPr>
+        <p:spPr>
+          <a:xfrm>
+            <a:off x="1850066" y="1547036"/>
+            <a:ext cx="542260" cy="361507"/>
+          </a:xfrm>
+          <a:prstGeom prst="rect">
+            <a:avLst/>
+          </a:prstGeom>
+          <a:noFill/>
+        </p:spPr>
+        <p:style>
+          <a:lnRef idx="2">
+            <a:schemeClr val="accent4"/>
+          </a:lnRef>
+          <a:fillRef idx="1">
+            <a:schemeClr val="lt1"/>
+          </a:fillRef>
+          <a:effectRef idx="0">
+            <a:schemeClr val="accent4"/>
+          </a:effectRef>
+          <a:fontRef idx="minor">
+            <a:schemeClr val="dk1"/>
+          </a:fontRef>
+        </p:style>
+        <p:txBody>
+          <a:bodyPr rtlCol="0" anchor="ctr"/>
+          <a:lstStyle/>
+          <a:p>
+            <a:pPr algn="ctr"/>
+            <a:endParaRPr kumimoji="1" lang="ko-Kore-KR" altLang="en-US" dirty="0"/>
+          </a:p>
+        </p:txBody>
+      </p:sp>
+      <p:sp>
+        <p:nvSpPr>
+          <p:cNvPr id="16" name="직사각형 15">
+            <a:extLst>
+              <a:ext uri="{FF2B5EF4-FFF2-40B4-BE49-F238E27FC236}">
+                <a16:creationId xmlns:a16="http://schemas.microsoft.com/office/drawing/2014/main" id="{9D115B12-6BD1-0379-0AEA-D6BC6761156A}"/>
+              </a:ext>
+            </a:extLst>
+          </p:cNvPr>
+          <p:cNvSpPr/>
+          <p:nvPr/>
+        </p:nvSpPr>
+        <p:spPr>
+          <a:xfrm>
+            <a:off x="2636874" y="276448"/>
+            <a:ext cx="1318437" cy="449226"/>
+          </a:xfrm>
+          <a:prstGeom prst="rect">
+            <a:avLst/>
+          </a:prstGeom>
+        </p:spPr>
+        <p:style>
+          <a:lnRef idx="2">
+            <a:schemeClr val="accent4"/>
+          </a:lnRef>
+          <a:fillRef idx="1">
+            <a:schemeClr val="lt1"/>
+          </a:fillRef>
+          <a:effectRef idx="0">
+            <a:schemeClr val="accent4"/>
+          </a:effectRef>
+          <a:fontRef idx="minor">
+            <a:schemeClr val="dk1"/>
+          </a:fontRef>
+        </p:style>
+        <p:txBody>
+          <a:bodyPr rtlCol="0" anchor="ctr"/>
+          <a:lstStyle/>
+          <a:p>
+            <a:pPr algn="ctr"/>
+            <a:r>
+              <a:rPr kumimoji="1" lang="ko-KR" altLang="en-US" sz="1400" dirty="0"/>
+              <a:t> </a:t>
+            </a:r>
+            <a:r>
+              <a:rPr kumimoji="1" lang="ko-KR" altLang="en-US" sz="1400" dirty="0" err="1"/>
+              <a:t>속성명</a:t>
+            </a:r>
+            <a:r>
+              <a:rPr kumimoji="1" lang="en-US" altLang="ko-KR" sz="1400" dirty="0"/>
+              <a:t>(attribute)</a:t>
+            </a:r>
+            <a:endParaRPr kumimoji="1" lang="ko-Kore-KR" altLang="en-US" sz="1400" dirty="0"/>
+          </a:p>
+        </p:txBody>
+      </p:sp>
+      <p:cxnSp>
+        <p:nvCxnSpPr>
+          <p:cNvPr id="17" name="직선 화살표 연결선 16">
+            <a:extLst>
+              <a:ext uri="{FF2B5EF4-FFF2-40B4-BE49-F238E27FC236}">
+                <a16:creationId xmlns:a16="http://schemas.microsoft.com/office/drawing/2014/main" id="{863050AC-8F39-6461-1CC0-411886904FBF}"/>
+              </a:ext>
+            </a:extLst>
+          </p:cNvPr>
+          <p:cNvCxnSpPr>
+            <a:cxnSpLocks/>
+            <a:stCxn id="18" idx="0"/>
+            <a:endCxn id="16" idx="2"/>
+          </p:cNvCxnSpPr>
+          <p:nvPr/>
+        </p:nvCxnSpPr>
+        <p:spPr>
+          <a:xfrm flipV="1">
+            <a:off x="2780415" y="725674"/>
+            <a:ext cx="515678" cy="821362"/>
+          </a:xfrm>
+          <a:prstGeom prst="straightConnector1">
+            <a:avLst/>
+          </a:prstGeom>
+          <a:ln>
+            <a:tailEnd type="triangle"/>
+          </a:ln>
+        </p:spPr>
+        <p:style>
+          <a:lnRef idx="3">
+            <a:schemeClr val="accent4"/>
+          </a:lnRef>
+          <a:fillRef idx="0">
+            <a:schemeClr val="accent4"/>
+          </a:fillRef>
+          <a:effectRef idx="2">
+            <a:schemeClr val="accent4"/>
+          </a:effectRef>
+          <a:fontRef idx="minor">
+            <a:schemeClr val="tx1"/>
+          </a:fontRef>
+        </p:style>
+      </p:cxnSp>
+      <p:sp>
+        <p:nvSpPr>
+          <p:cNvPr id="18" name="직사각형 17">
+            <a:extLst>
+              <a:ext uri="{FF2B5EF4-FFF2-40B4-BE49-F238E27FC236}">
+                <a16:creationId xmlns:a16="http://schemas.microsoft.com/office/drawing/2014/main" id="{169EC9AD-6A96-CC4E-F6B9-DB7273A6486D}"/>
+              </a:ext>
+            </a:extLst>
+          </p:cNvPr>
+          <p:cNvSpPr/>
+          <p:nvPr/>
+        </p:nvSpPr>
+        <p:spPr>
+          <a:xfrm>
+            <a:off x="2456123" y="1547036"/>
+            <a:ext cx="648584" cy="361507"/>
+          </a:xfrm>
+          <a:prstGeom prst="rect">
+            <a:avLst/>
+          </a:prstGeom>
+          <a:noFill/>
+        </p:spPr>
+        <p:style>
+          <a:lnRef idx="2">
+            <a:schemeClr val="accent4"/>
+          </a:lnRef>
+          <a:fillRef idx="1">
+            <a:schemeClr val="lt1"/>
+          </a:fillRef>
+          <a:effectRef idx="0">
+            <a:schemeClr val="accent4"/>
+          </a:effectRef>
+          <a:fontRef idx="minor">
+            <a:schemeClr val="dk1"/>
+          </a:fontRef>
+        </p:style>
+        <p:txBody>
+          <a:bodyPr rtlCol="0" anchor="ctr"/>
+          <a:lstStyle/>
+          <a:p>
+            <a:pPr algn="ctr"/>
+            <a:endParaRPr kumimoji="1" lang="ko-Kore-KR" altLang="en-US" dirty="0"/>
+          </a:p>
+        </p:txBody>
+      </p:sp>
+      <p:sp>
+        <p:nvSpPr>
+          <p:cNvPr id="22" name="직사각형 21">
+            <a:extLst>
+              <a:ext uri="{FF2B5EF4-FFF2-40B4-BE49-F238E27FC236}">
+                <a16:creationId xmlns:a16="http://schemas.microsoft.com/office/drawing/2014/main" id="{4AED5024-4E47-FC4E-B23B-7D3214A53122}"/>
+              </a:ext>
+            </a:extLst>
+          </p:cNvPr>
+          <p:cNvSpPr/>
+          <p:nvPr/>
+        </p:nvSpPr>
+        <p:spPr>
+          <a:xfrm>
+            <a:off x="3593804" y="931678"/>
+            <a:ext cx="723014" cy="361507"/>
+          </a:xfrm>
+          <a:prstGeom prst="rect">
+            <a:avLst/>
+          </a:prstGeom>
+        </p:spPr>
+        <p:style>
+          <a:lnRef idx="2">
+            <a:schemeClr val="accent4"/>
+          </a:lnRef>
+          <a:fillRef idx="1">
+            <a:schemeClr val="lt1"/>
+          </a:fillRef>
+          <a:effectRef idx="0">
+            <a:schemeClr val="accent4"/>
+          </a:effectRef>
+          <a:fontRef idx="minor">
+            <a:schemeClr val="dk1"/>
+          </a:fontRef>
+        </p:style>
+        <p:txBody>
+          <a:bodyPr rtlCol="0" anchor="ctr"/>
+          <a:lstStyle/>
+          <a:p>
+            <a:pPr algn="ctr"/>
+            <a:r>
+              <a:rPr kumimoji="1" lang="ko-KR" altLang="en-US" sz="1400" dirty="0"/>
+              <a:t>값</a:t>
+            </a:r>
+            <a:endParaRPr kumimoji="1" lang="ko-Kore-KR" altLang="en-US" sz="1400" dirty="0"/>
+          </a:p>
+        </p:txBody>
+      </p:sp>
+      <p:cxnSp>
+        <p:nvCxnSpPr>
+          <p:cNvPr id="23" name="직선 화살표 연결선 22">
+            <a:extLst>
+              <a:ext uri="{FF2B5EF4-FFF2-40B4-BE49-F238E27FC236}">
+                <a16:creationId xmlns:a16="http://schemas.microsoft.com/office/drawing/2014/main" id="{54BAF40F-2C72-2A54-BD2F-7D8C59FB8C10}"/>
+              </a:ext>
+            </a:extLst>
+          </p:cNvPr>
+          <p:cNvCxnSpPr>
+            <a:cxnSpLocks/>
+            <a:stCxn id="24" idx="0"/>
+            <a:endCxn id="22" idx="2"/>
+          </p:cNvCxnSpPr>
+          <p:nvPr/>
+        </p:nvCxnSpPr>
+        <p:spPr>
+          <a:xfrm flipV="1">
+            <a:off x="3490138" y="1293185"/>
+            <a:ext cx="465173" cy="253851"/>
+          </a:xfrm>
+          <a:prstGeom prst="straightConnector1">
+            <a:avLst/>
+          </a:prstGeom>
+          <a:ln>
+            <a:tailEnd type="triangle"/>
+          </a:ln>
+        </p:spPr>
+        <p:style>
+          <a:lnRef idx="3">
+            <a:schemeClr val="accent4"/>
+          </a:lnRef>
+          <a:fillRef idx="0">
+            <a:schemeClr val="accent4"/>
+          </a:fillRef>
+          <a:effectRef idx="2">
+            <a:schemeClr val="accent4"/>
+          </a:effectRef>
+          <a:fontRef idx="minor">
+            <a:schemeClr val="tx1"/>
+          </a:fontRef>
+        </p:style>
+      </p:cxnSp>
+      <p:sp>
+        <p:nvSpPr>
+          <p:cNvPr id="24" name="직사각형 23">
+            <a:extLst>
+              <a:ext uri="{FF2B5EF4-FFF2-40B4-BE49-F238E27FC236}">
+                <a16:creationId xmlns:a16="http://schemas.microsoft.com/office/drawing/2014/main" id="{C7683D8C-7B8B-989E-5C8D-90A8300AE997}"/>
+              </a:ext>
+            </a:extLst>
+          </p:cNvPr>
+          <p:cNvSpPr/>
+          <p:nvPr/>
+        </p:nvSpPr>
+        <p:spPr>
+          <a:xfrm>
+            <a:off x="3296093" y="1547036"/>
+            <a:ext cx="388089" cy="361507"/>
+          </a:xfrm>
+          <a:prstGeom prst="rect">
+            <a:avLst/>
+          </a:prstGeom>
+          <a:noFill/>
+        </p:spPr>
+        <p:style>
+          <a:lnRef idx="2">
+            <a:schemeClr val="accent4"/>
+          </a:lnRef>
+          <a:fillRef idx="1">
+            <a:schemeClr val="lt1"/>
+          </a:fillRef>
+          <a:effectRef idx="0">
+            <a:schemeClr val="accent4"/>
+          </a:effectRef>
+          <a:fontRef idx="minor">
+            <a:schemeClr val="dk1"/>
+          </a:fontRef>
+        </p:style>
+        <p:txBody>
+          <a:bodyPr rtlCol="0" anchor="ctr"/>
+          <a:lstStyle/>
+          <a:p>
+            <a:pPr algn="ctr"/>
+            <a:endParaRPr kumimoji="1" lang="ko-Kore-KR" altLang="en-US" dirty="0"/>
+          </a:p>
+        </p:txBody>
+      </p:sp>
+      <p:sp>
+        <p:nvSpPr>
+          <p:cNvPr id="32" name="직사각형 31">
+            <a:extLst>
+              <a:ext uri="{FF2B5EF4-FFF2-40B4-BE49-F238E27FC236}">
+                <a16:creationId xmlns:a16="http://schemas.microsoft.com/office/drawing/2014/main" id="{B1B2CF83-EDAE-29B2-C7C0-20F138C554D5}"/>
+              </a:ext>
+            </a:extLst>
+          </p:cNvPr>
+          <p:cNvSpPr/>
+          <p:nvPr/>
+        </p:nvSpPr>
+        <p:spPr>
+          <a:xfrm>
+            <a:off x="2620926" y="2114551"/>
+            <a:ext cx="542260" cy="361507"/>
+          </a:xfrm>
+          <a:prstGeom prst="rect">
+            <a:avLst/>
+          </a:prstGeom>
+          <a:noFill/>
+          <a:ln>
+            <a:solidFill>
+              <a:schemeClr val="accent6">
+                <a:lumMod val="60000"/>
+                <a:lumOff val="40000"/>
+              </a:schemeClr>
+            </a:solidFill>
+          </a:ln>
+        </p:spPr>
+        <p:style>
+          <a:lnRef idx="2">
+            <a:schemeClr val="accent4"/>
+          </a:lnRef>
+          <a:fillRef idx="1">
+            <a:schemeClr val="lt1"/>
+          </a:fillRef>
+          <a:effectRef idx="0">
+            <a:schemeClr val="accent4"/>
+          </a:effectRef>
+          <a:fontRef idx="minor">
+            <a:schemeClr val="dk1"/>
+          </a:fontRef>
+        </p:style>
+        <p:txBody>
+          <a:bodyPr rtlCol="0" anchor="ctr"/>
+          <a:lstStyle/>
+          <a:p>
+            <a:pPr algn="ctr"/>
+            <a:endParaRPr kumimoji="1" lang="ko-Kore-KR" altLang="en-US" dirty="0"/>
+          </a:p>
+        </p:txBody>
+      </p:sp>
+      <p:cxnSp>
+        <p:nvCxnSpPr>
+          <p:cNvPr id="37" name="꺾인 연결선[E] 36">
+            <a:extLst>
+              <a:ext uri="{FF2B5EF4-FFF2-40B4-BE49-F238E27FC236}">
+                <a16:creationId xmlns:a16="http://schemas.microsoft.com/office/drawing/2014/main" id="{5C8F029E-6506-A9E7-0278-0FA8C17F72E1}"/>
+              </a:ext>
+            </a:extLst>
+          </p:cNvPr>
+          <p:cNvCxnSpPr>
+            <a:stCxn id="32" idx="1"/>
+            <a:endCxn id="5" idx="2"/>
+          </p:cNvCxnSpPr>
+          <p:nvPr/>
+        </p:nvCxnSpPr>
+        <p:spPr>
+          <a:xfrm rot="10800000">
+            <a:off x="2121196" y="1908543"/>
+            <a:ext cx="499730" cy="386762"/>
+          </a:xfrm>
+          <a:prstGeom prst="bentConnector2">
+            <a:avLst/>
+          </a:prstGeom>
+          <a:ln>
+            <a:solidFill>
+              <a:schemeClr val="accent6">
+                <a:lumMod val="60000"/>
+                <a:lumOff val="40000"/>
+              </a:schemeClr>
+            </a:solidFill>
+            <a:tailEnd type="triangle"/>
+          </a:ln>
+        </p:spPr>
+        <p:style>
+          <a:lnRef idx="3">
+            <a:schemeClr val="accent5"/>
+          </a:lnRef>
+          <a:fillRef idx="0">
+            <a:schemeClr val="accent5"/>
+          </a:fillRef>
+          <a:effectRef idx="2">
+            <a:schemeClr val="accent5"/>
+          </a:effectRef>
+          <a:fontRef idx="minor">
+            <a:schemeClr val="tx1"/>
+          </a:fontRef>
+        </p:style>
+      </p:cxnSp>
+      <p:cxnSp>
+        <p:nvCxnSpPr>
+          <p:cNvPr id="38" name="꺾인 연결선[E] 37">
+            <a:extLst>
+              <a:ext uri="{FF2B5EF4-FFF2-40B4-BE49-F238E27FC236}">
+                <a16:creationId xmlns:a16="http://schemas.microsoft.com/office/drawing/2014/main" id="{C5B61684-85D5-CFD5-A2E1-BA4880C2B17F}"/>
+              </a:ext>
+            </a:extLst>
+          </p:cNvPr>
+          <p:cNvCxnSpPr>
+            <a:cxnSpLocks/>
+            <a:stCxn id="24" idx="3"/>
+            <a:endCxn id="32" idx="3"/>
+          </p:cNvCxnSpPr>
+          <p:nvPr/>
+        </p:nvCxnSpPr>
+        <p:spPr>
+          <a:xfrm flipH="1">
+            <a:off x="3163186" y="1727790"/>
+            <a:ext cx="520996" cy="567515"/>
+          </a:xfrm>
+          <a:prstGeom prst="bentConnector3">
+            <a:avLst>
+              <a:gd name="adj1" fmla="val -43877"/>
+            </a:avLst>
+          </a:prstGeom>
+          <a:ln>
+            <a:solidFill>
+              <a:schemeClr val="accent6">
+                <a:lumMod val="60000"/>
+                <a:lumOff val="40000"/>
+              </a:schemeClr>
+            </a:solidFill>
+            <a:tailEnd type="triangle"/>
+          </a:ln>
+        </p:spPr>
+        <p:style>
+          <a:lnRef idx="3">
+            <a:schemeClr val="accent5"/>
+          </a:lnRef>
+          <a:fillRef idx="0">
+            <a:schemeClr val="accent5"/>
+          </a:fillRef>
+          <a:effectRef idx="2">
+            <a:schemeClr val="accent5"/>
+          </a:effectRef>
+          <a:fontRef idx="minor">
+            <a:schemeClr val="tx1"/>
+          </a:fontRef>
+        </p:style>
+      </p:cxnSp>
+      <p:sp>
+        <p:nvSpPr>
+          <p:cNvPr id="41" name="직사각형 40">
+            <a:extLst>
+              <a:ext uri="{FF2B5EF4-FFF2-40B4-BE49-F238E27FC236}">
+                <a16:creationId xmlns:a16="http://schemas.microsoft.com/office/drawing/2014/main" id="{68879113-47EE-B1EB-CBBE-D614CD72B892}"/>
+              </a:ext>
+            </a:extLst>
+          </p:cNvPr>
+          <p:cNvSpPr/>
+          <p:nvPr/>
+        </p:nvSpPr>
+        <p:spPr>
+          <a:xfrm>
+            <a:off x="4021767" y="2073563"/>
+            <a:ext cx="723014" cy="198693"/>
+          </a:xfrm>
+          <a:prstGeom prst="rect">
+            <a:avLst/>
+          </a:prstGeom>
+          <a:ln>
+            <a:solidFill>
+              <a:schemeClr val="accent6">
+                <a:lumMod val="60000"/>
+                <a:lumOff val="40000"/>
+              </a:schemeClr>
+            </a:solidFill>
+          </a:ln>
+        </p:spPr>
+        <p:style>
+          <a:lnRef idx="2">
+            <a:schemeClr val="accent4"/>
+          </a:lnRef>
+          <a:fillRef idx="1">
+            <a:schemeClr val="lt1"/>
+          </a:fillRef>
+          <a:effectRef idx="0">
+            <a:schemeClr val="accent4"/>
+          </a:effectRef>
+          <a:fontRef idx="minor">
+            <a:schemeClr val="dk1"/>
+          </a:fontRef>
+        </p:style>
+        <p:txBody>
+          <a:bodyPr rtlCol="0" anchor="ctr"/>
+          <a:lstStyle/>
+          <a:p>
+            <a:pPr algn="ctr"/>
+            <a:r>
+              <a:rPr kumimoji="1" lang="ko-KR" altLang="en-US" sz="1000" dirty="0"/>
+              <a:t>자식태그</a:t>
+            </a:r>
+            <a:endParaRPr kumimoji="1" lang="ko-Kore-KR" altLang="en-US" sz="1000" dirty="0"/>
+          </a:p>
+        </p:txBody>
+      </p:sp>
+      <p:sp>
+        <p:nvSpPr>
+          <p:cNvPr id="44" name="직사각형 43">
+            <a:extLst>
+              <a:ext uri="{FF2B5EF4-FFF2-40B4-BE49-F238E27FC236}">
+                <a16:creationId xmlns:a16="http://schemas.microsoft.com/office/drawing/2014/main" id="{AE4CDB10-9D5E-4854-C7DE-01BDC19902CF}"/>
+              </a:ext>
+            </a:extLst>
+          </p:cNvPr>
+          <p:cNvSpPr/>
+          <p:nvPr/>
+        </p:nvSpPr>
+        <p:spPr>
+          <a:xfrm>
+            <a:off x="3101163" y="4792292"/>
+            <a:ext cx="723015" cy="361507"/>
+          </a:xfrm>
+          <a:prstGeom prst="rect">
+            <a:avLst/>
+          </a:prstGeom>
+          <a:ln>
+            <a:solidFill>
+              <a:srgbClr val="FDA9F7"/>
+            </a:solidFill>
+          </a:ln>
+        </p:spPr>
+        <p:style>
+          <a:lnRef idx="2">
+            <a:schemeClr val="accent4"/>
+          </a:lnRef>
+          <a:fillRef idx="1">
+            <a:schemeClr val="lt1"/>
+          </a:fillRef>
+          <a:effectRef idx="0">
+            <a:schemeClr val="accent4"/>
+          </a:effectRef>
+          <a:fontRef idx="minor">
+            <a:schemeClr val="dk1"/>
+          </a:fontRef>
+        </p:style>
+        <p:txBody>
+          <a:bodyPr rtlCol="0" anchor="ctr"/>
+          <a:lstStyle/>
+          <a:p>
+            <a:pPr algn="ctr"/>
+            <a:r>
+              <a:rPr kumimoji="1" lang="ko-KR" altLang="en-US" sz="1400" dirty="0" err="1"/>
+              <a:t>끝태그</a:t>
+            </a:r>
+            <a:endParaRPr kumimoji="1" lang="ko-Kore-KR" altLang="en-US" sz="1400" dirty="0"/>
+          </a:p>
+        </p:txBody>
+      </p:sp>
+      <p:cxnSp>
+        <p:nvCxnSpPr>
+          <p:cNvPr id="45" name="직선 화살표 연결선 44">
+            <a:extLst>
+              <a:ext uri="{FF2B5EF4-FFF2-40B4-BE49-F238E27FC236}">
+                <a16:creationId xmlns:a16="http://schemas.microsoft.com/office/drawing/2014/main" id="{38FB0534-F595-1633-CEE9-5A5467744ECB}"/>
+              </a:ext>
+            </a:extLst>
+          </p:cNvPr>
+          <p:cNvCxnSpPr>
+            <a:cxnSpLocks/>
+            <a:endCxn id="44" idx="1"/>
+          </p:cNvCxnSpPr>
+          <p:nvPr/>
+        </p:nvCxnSpPr>
+        <p:spPr>
+          <a:xfrm>
+            <a:off x="2620926" y="4973045"/>
+            <a:ext cx="480237" cy="1"/>
+          </a:xfrm>
+          <a:prstGeom prst="straightConnector1">
+            <a:avLst/>
+          </a:prstGeom>
+          <a:ln>
+            <a:solidFill>
+              <a:srgbClr val="FDA9F7"/>
+            </a:solidFill>
+            <a:tailEnd type="triangle"/>
+          </a:ln>
+        </p:spPr>
+        <p:style>
+          <a:lnRef idx="3">
+            <a:schemeClr val="accent4"/>
+          </a:lnRef>
+          <a:fillRef idx="0">
+            <a:schemeClr val="accent4"/>
+          </a:fillRef>
+          <a:effectRef idx="2">
+            <a:schemeClr val="accent4"/>
+          </a:effectRef>
+          <a:fontRef idx="minor">
+            <a:schemeClr val="tx1"/>
+          </a:fontRef>
+        </p:style>
+      </p:cxnSp>
+      <p:sp>
+        <p:nvSpPr>
+          <p:cNvPr id="46" name="직사각형 45">
+            <a:extLst>
+              <a:ext uri="{FF2B5EF4-FFF2-40B4-BE49-F238E27FC236}">
+                <a16:creationId xmlns:a16="http://schemas.microsoft.com/office/drawing/2014/main" id="{B03E351C-12D3-8E69-DC29-C992B3D5C57F}"/>
+              </a:ext>
+            </a:extLst>
+          </p:cNvPr>
+          <p:cNvSpPr/>
+          <p:nvPr/>
+        </p:nvSpPr>
+        <p:spPr>
+          <a:xfrm>
+            <a:off x="1762346" y="4781328"/>
+            <a:ext cx="874527" cy="361507"/>
+          </a:xfrm>
+          <a:prstGeom prst="rect">
+            <a:avLst/>
+          </a:prstGeom>
+          <a:noFill/>
+          <a:ln>
+            <a:solidFill>
+              <a:srgbClr val="FDA9F7"/>
+            </a:solidFill>
+          </a:ln>
+        </p:spPr>
+        <p:style>
+          <a:lnRef idx="2">
+            <a:schemeClr val="accent4"/>
+          </a:lnRef>
+          <a:fillRef idx="1">
+            <a:schemeClr val="lt1"/>
+          </a:fillRef>
+          <a:effectRef idx="0">
+            <a:schemeClr val="accent4"/>
+          </a:effectRef>
+          <a:fontRef idx="minor">
+            <a:schemeClr val="dk1"/>
+          </a:fontRef>
+        </p:style>
+        <p:txBody>
+          <a:bodyPr rtlCol="0" anchor="ctr"/>
+          <a:lstStyle/>
+          <a:p>
+            <a:pPr algn="ctr"/>
+            <a:endParaRPr kumimoji="1" lang="ko-Kore-KR" altLang="en-US" dirty="0"/>
+          </a:p>
+        </p:txBody>
+      </p:sp>
+      <p:sp>
+        <p:nvSpPr>
+          <p:cNvPr id="52" name="직사각형 51">
+            <a:extLst>
+              <a:ext uri="{FF2B5EF4-FFF2-40B4-BE49-F238E27FC236}">
+                <a16:creationId xmlns:a16="http://schemas.microsoft.com/office/drawing/2014/main" id="{65DB5212-1D39-E822-F616-522D2A292197}"/>
+              </a:ext>
+            </a:extLst>
+          </p:cNvPr>
+          <p:cNvSpPr/>
+          <p:nvPr/>
+        </p:nvSpPr>
+        <p:spPr>
+          <a:xfrm>
+            <a:off x="3253563" y="4944692"/>
+            <a:ext cx="723015" cy="361507"/>
+          </a:xfrm>
+          <a:prstGeom prst="rect">
+            <a:avLst/>
+          </a:prstGeom>
+          <a:ln>
+            <a:solidFill>
+              <a:srgbClr val="FDA9F7"/>
+            </a:solidFill>
+          </a:ln>
+        </p:spPr>
+        <p:style>
+          <a:lnRef idx="2">
+            <a:schemeClr val="accent4"/>
+          </a:lnRef>
+          <a:fillRef idx="1">
+            <a:schemeClr val="lt1"/>
+          </a:fillRef>
+          <a:effectRef idx="0">
+            <a:schemeClr val="accent4"/>
+          </a:effectRef>
+          <a:fontRef idx="minor">
+            <a:schemeClr val="dk1"/>
+          </a:fontRef>
+        </p:style>
+        <p:txBody>
+          <a:bodyPr rtlCol="0" anchor="ctr"/>
+          <a:lstStyle/>
+          <a:p>
+            <a:pPr algn="ctr"/>
+            <a:r>
+              <a:rPr kumimoji="1" lang="ko-KR" altLang="en-US" sz="1400" dirty="0" err="1"/>
+              <a:t>끝태그</a:t>
+            </a:r>
+            <a:endParaRPr kumimoji="1" lang="ko-Kore-KR" altLang="en-US" sz="1400" dirty="0"/>
+          </a:p>
+        </p:txBody>
+      </p:sp>
+      <p:cxnSp>
+        <p:nvCxnSpPr>
+          <p:cNvPr id="53" name="직선 화살표 연결선 52">
+            <a:extLst>
+              <a:ext uri="{FF2B5EF4-FFF2-40B4-BE49-F238E27FC236}">
+                <a16:creationId xmlns:a16="http://schemas.microsoft.com/office/drawing/2014/main" id="{B3CE87C0-E2B2-2DDD-1A95-13EF3A42D239}"/>
+              </a:ext>
+            </a:extLst>
+          </p:cNvPr>
+          <p:cNvCxnSpPr>
+            <a:cxnSpLocks/>
+            <a:endCxn id="52" idx="1"/>
+          </p:cNvCxnSpPr>
+          <p:nvPr/>
+        </p:nvCxnSpPr>
+        <p:spPr>
+          <a:xfrm>
+            <a:off x="2773326" y="5125445"/>
+            <a:ext cx="480237" cy="1"/>
+          </a:xfrm>
+          <a:prstGeom prst="straightConnector1">
+            <a:avLst/>
+          </a:prstGeom>
+          <a:ln>
+            <a:solidFill>
+              <a:srgbClr val="FDA9F7"/>
+            </a:solidFill>
+            <a:tailEnd type="triangle"/>
+          </a:ln>
+        </p:spPr>
+        <p:style>
+          <a:lnRef idx="3">
+            <a:schemeClr val="accent4"/>
+          </a:lnRef>
+          <a:fillRef idx="0">
+            <a:schemeClr val="accent4"/>
+          </a:fillRef>
+          <a:effectRef idx="2">
+            <a:schemeClr val="accent4"/>
+          </a:effectRef>
+          <a:fontRef idx="minor">
+            <a:schemeClr val="tx1"/>
+          </a:fontRef>
+        </p:style>
+      </p:cxnSp>
+      <p:sp>
+        <p:nvSpPr>
+          <p:cNvPr id="54" name="직사각형 53">
+            <a:extLst>
+              <a:ext uri="{FF2B5EF4-FFF2-40B4-BE49-F238E27FC236}">
+                <a16:creationId xmlns:a16="http://schemas.microsoft.com/office/drawing/2014/main" id="{BC12E842-D8E5-9DA6-32AC-B3B17C94D878}"/>
+              </a:ext>
+            </a:extLst>
+          </p:cNvPr>
+          <p:cNvSpPr/>
+          <p:nvPr/>
+        </p:nvSpPr>
+        <p:spPr>
+          <a:xfrm>
+            <a:off x="1914746" y="4933728"/>
+            <a:ext cx="874527" cy="361507"/>
+          </a:xfrm>
+          <a:prstGeom prst="rect">
+            <a:avLst/>
+          </a:prstGeom>
+          <a:noFill/>
+          <a:ln>
+            <a:solidFill>
+              <a:srgbClr val="FDA9F7"/>
+            </a:solidFill>
+          </a:ln>
+        </p:spPr>
+        <p:style>
+          <a:lnRef idx="2">
+            <a:schemeClr val="accent4"/>
+          </a:lnRef>
+          <a:fillRef idx="1">
+            <a:schemeClr val="lt1"/>
+          </a:fillRef>
+          <a:effectRef idx="0">
+            <a:schemeClr val="accent4"/>
+          </a:effectRef>
+          <a:fontRef idx="minor">
+            <a:schemeClr val="dk1"/>
+          </a:fontRef>
+        </p:style>
+        <p:txBody>
+          <a:bodyPr rtlCol="0" anchor="ctr"/>
+          <a:lstStyle/>
+          <a:p>
+            <a:pPr algn="ctr"/>
+            <a:endParaRPr kumimoji="1" lang="ko-Kore-KR" altLang="en-US" dirty="0"/>
+          </a:p>
+        </p:txBody>
+      </p:sp>
+      <p:sp>
+        <p:nvSpPr>
+          <p:cNvPr id="55" name="직사각형 54">
+            <a:extLst>
+              <a:ext uri="{FF2B5EF4-FFF2-40B4-BE49-F238E27FC236}">
+                <a16:creationId xmlns:a16="http://schemas.microsoft.com/office/drawing/2014/main" id="{6EBB74A8-6696-B58F-7436-A10A393F4576}"/>
+              </a:ext>
+            </a:extLst>
+          </p:cNvPr>
+          <p:cNvSpPr/>
+          <p:nvPr/>
+        </p:nvSpPr>
+        <p:spPr>
+          <a:xfrm>
+            <a:off x="318977" y="1542772"/>
+            <a:ext cx="970219" cy="361507"/>
+          </a:xfrm>
+          <a:prstGeom prst="rect">
+            <a:avLst/>
+          </a:prstGeom>
+          <a:ln>
+            <a:solidFill>
+              <a:srgbClr val="FDA9F7"/>
+            </a:solidFill>
+          </a:ln>
+        </p:spPr>
+        <p:style>
+          <a:lnRef idx="2">
+            <a:schemeClr val="accent4"/>
+          </a:lnRef>
+          <a:fillRef idx="1">
+            <a:schemeClr val="lt1"/>
+          </a:fillRef>
+          <a:effectRef idx="0">
+            <a:schemeClr val="accent4"/>
+          </a:effectRef>
+          <a:fontRef idx="minor">
+            <a:schemeClr val="dk1"/>
+          </a:fontRef>
+        </p:style>
+        <p:txBody>
+          <a:bodyPr rtlCol="0" anchor="ctr"/>
+          <a:lstStyle/>
+          <a:p>
+            <a:pPr algn="ctr"/>
+            <a:r>
+              <a:rPr kumimoji="1" lang="ko-KR" altLang="en-US" sz="1400" dirty="0"/>
+              <a:t>시작태그</a:t>
+            </a:r>
+            <a:endParaRPr kumimoji="1" lang="ko-Kore-KR" altLang="en-US" sz="1400" dirty="0"/>
+          </a:p>
+        </p:txBody>
+      </p:sp>
+      <p:cxnSp>
+        <p:nvCxnSpPr>
+          <p:cNvPr id="56" name="직선 화살표 연결선 55">
+            <a:extLst>
+              <a:ext uri="{FF2B5EF4-FFF2-40B4-BE49-F238E27FC236}">
+                <a16:creationId xmlns:a16="http://schemas.microsoft.com/office/drawing/2014/main" id="{F8B06300-D2B3-03C6-C589-2A6DBD7D92D5}"/>
+              </a:ext>
+            </a:extLst>
+          </p:cNvPr>
+          <p:cNvCxnSpPr>
+            <a:cxnSpLocks/>
+            <a:stCxn id="55" idx="3"/>
+            <a:endCxn id="57" idx="1"/>
+          </p:cNvCxnSpPr>
+          <p:nvPr/>
+        </p:nvCxnSpPr>
+        <p:spPr>
+          <a:xfrm>
+            <a:off x="1289196" y="1723526"/>
+            <a:ext cx="473150" cy="0"/>
+          </a:xfrm>
+          <a:prstGeom prst="straightConnector1">
+            <a:avLst/>
+          </a:prstGeom>
+          <a:ln>
+            <a:solidFill>
+              <a:srgbClr val="FDA9F7"/>
+            </a:solidFill>
+            <a:tailEnd type="triangle"/>
+          </a:ln>
+        </p:spPr>
+        <p:style>
+          <a:lnRef idx="3">
+            <a:schemeClr val="accent4"/>
+          </a:lnRef>
+          <a:fillRef idx="0">
+            <a:schemeClr val="accent4"/>
+          </a:fillRef>
+          <a:effectRef idx="2">
+            <a:schemeClr val="accent4"/>
+          </a:effectRef>
+          <a:fontRef idx="minor">
+            <a:schemeClr val="tx1"/>
+          </a:fontRef>
+        </p:style>
+      </p:cxnSp>
+      <p:sp>
+        <p:nvSpPr>
+          <p:cNvPr id="57" name="직사각형 56">
+            <a:extLst>
+              <a:ext uri="{FF2B5EF4-FFF2-40B4-BE49-F238E27FC236}">
+                <a16:creationId xmlns:a16="http://schemas.microsoft.com/office/drawing/2014/main" id="{87A7723E-A69C-1419-B010-8CC2D72D0384}"/>
+              </a:ext>
+            </a:extLst>
+          </p:cNvPr>
+          <p:cNvSpPr/>
+          <p:nvPr/>
+        </p:nvSpPr>
+        <p:spPr>
+          <a:xfrm>
+            <a:off x="1762346" y="1438055"/>
+            <a:ext cx="2061832" cy="570942"/>
+          </a:xfrm>
+          <a:prstGeom prst="rect">
+            <a:avLst/>
+          </a:prstGeom>
+          <a:noFill/>
+          <a:ln>
+            <a:solidFill>
+              <a:srgbClr val="FDA9F7"/>
+            </a:solidFill>
+          </a:ln>
+        </p:spPr>
+        <p:style>
+          <a:lnRef idx="2">
+            <a:schemeClr val="accent4"/>
+          </a:lnRef>
+          <a:fillRef idx="1">
+            <a:schemeClr val="lt1"/>
+          </a:fillRef>
+          <a:effectRef idx="0">
+            <a:schemeClr val="accent4"/>
+          </a:effectRef>
+          <a:fontRef idx="minor">
+            <a:schemeClr val="dk1"/>
+          </a:fontRef>
+        </p:style>
+        <p:txBody>
+          <a:bodyPr rtlCol="0" anchor="ctr"/>
+          <a:lstStyle/>
+          <a:p>
+            <a:pPr algn="ctr"/>
+            <a:endParaRPr kumimoji="1" lang="ko-Kore-KR" altLang="en-US" dirty="0"/>
+          </a:p>
+        </p:txBody>
+      </p:sp>
+      <p:sp>
+        <p:nvSpPr>
+          <p:cNvPr id="66" name="직사각형 65">
+            <a:extLst>
+              <a:ext uri="{FF2B5EF4-FFF2-40B4-BE49-F238E27FC236}">
+                <a16:creationId xmlns:a16="http://schemas.microsoft.com/office/drawing/2014/main" id="{DEA05BCD-666C-388D-904E-45D06B2D9F70}"/>
+              </a:ext>
+            </a:extLst>
+          </p:cNvPr>
+          <p:cNvSpPr/>
+          <p:nvPr/>
+        </p:nvSpPr>
+        <p:spPr>
+          <a:xfrm>
+            <a:off x="2392326" y="2060942"/>
+            <a:ext cx="3593803" cy="2578950"/>
+          </a:xfrm>
+          <a:prstGeom prst="rect">
+            <a:avLst/>
+          </a:prstGeom>
+          <a:noFill/>
+          <a:ln>
+            <a:solidFill>
+              <a:schemeClr val="accent6">
+                <a:lumMod val="60000"/>
+                <a:lumOff val="40000"/>
+              </a:schemeClr>
+            </a:solidFill>
+          </a:ln>
+        </p:spPr>
+        <p:style>
+          <a:lnRef idx="2">
+            <a:schemeClr val="accent4"/>
+          </a:lnRef>
+          <a:fillRef idx="1">
+            <a:schemeClr val="lt1"/>
+          </a:fillRef>
+          <a:effectRef idx="0">
+            <a:schemeClr val="accent4"/>
+          </a:effectRef>
+          <a:fontRef idx="minor">
+            <a:schemeClr val="dk1"/>
+          </a:fontRef>
+        </p:style>
+        <p:txBody>
+          <a:bodyPr rtlCol="0" anchor="ctr"/>
+          <a:lstStyle/>
+          <a:p>
+            <a:pPr algn="ctr"/>
+            <a:endParaRPr kumimoji="1" lang="ko-Kore-KR" altLang="en-US" dirty="0"/>
+          </a:p>
+        </p:txBody>
+      </p:sp>
+      <p:sp>
+        <p:nvSpPr>
+          <p:cNvPr id="33" name="직사각형 32">
+            <a:extLst>
+              <a:ext uri="{FF2B5EF4-FFF2-40B4-BE49-F238E27FC236}">
+                <a16:creationId xmlns:a16="http://schemas.microsoft.com/office/drawing/2014/main" id="{B45E7891-CD43-A9F4-9D73-FD9A1AE194C3}"/>
+              </a:ext>
+            </a:extLst>
+          </p:cNvPr>
+          <p:cNvSpPr/>
+          <p:nvPr/>
+        </p:nvSpPr>
+        <p:spPr>
+          <a:xfrm>
+            <a:off x="1258185" y="2076001"/>
+            <a:ext cx="723014" cy="198693"/>
+          </a:xfrm>
+          <a:prstGeom prst="rect">
+            <a:avLst/>
+          </a:prstGeom>
+          <a:ln>
+            <a:solidFill>
+              <a:schemeClr val="accent6">
+                <a:lumMod val="60000"/>
+                <a:lumOff val="40000"/>
+              </a:schemeClr>
+            </a:solidFill>
+          </a:ln>
+        </p:spPr>
+        <p:style>
+          <a:lnRef idx="2">
+            <a:schemeClr val="accent4"/>
+          </a:lnRef>
+          <a:fillRef idx="1">
+            <a:schemeClr val="lt1"/>
+          </a:fillRef>
+          <a:effectRef idx="0">
+            <a:schemeClr val="accent4"/>
+          </a:effectRef>
+          <a:fontRef idx="minor">
+            <a:schemeClr val="dk1"/>
+          </a:fontRef>
+        </p:style>
+        <p:txBody>
+          <a:bodyPr rtlCol="0" anchor="ctr"/>
+          <a:lstStyle/>
+          <a:p>
+            <a:pPr algn="ctr"/>
+            <a:r>
+              <a:rPr kumimoji="1" lang="ko-KR" altLang="en-US" sz="1000" dirty="0"/>
+              <a:t>부모태그</a:t>
+            </a:r>
+            <a:endParaRPr kumimoji="1" lang="ko-Kore-KR" altLang="en-US" sz="1000" dirty="0"/>
+          </a:p>
+        </p:txBody>
+      </p:sp>
+      <p:sp>
+        <p:nvSpPr>
+          <p:cNvPr id="67" name="직사각형 66">
+            <a:extLst>
+              <a:ext uri="{FF2B5EF4-FFF2-40B4-BE49-F238E27FC236}">
+                <a16:creationId xmlns:a16="http://schemas.microsoft.com/office/drawing/2014/main" id="{5B8A04C5-CF8F-B52D-9C06-B41285C49EEB}"/>
+              </a:ext>
+            </a:extLst>
+          </p:cNvPr>
+          <p:cNvSpPr/>
+          <p:nvPr/>
+        </p:nvSpPr>
+        <p:spPr>
+          <a:xfrm>
+            <a:off x="5844366" y="2476058"/>
+            <a:ext cx="723014" cy="198693"/>
+          </a:xfrm>
+          <a:prstGeom prst="rect">
+            <a:avLst/>
+          </a:prstGeom>
+          <a:ln>
+            <a:solidFill>
+              <a:schemeClr val="accent6">
+                <a:lumMod val="60000"/>
+                <a:lumOff val="40000"/>
+              </a:schemeClr>
+            </a:solidFill>
+          </a:ln>
+        </p:spPr>
+        <p:style>
+          <a:lnRef idx="2">
+            <a:schemeClr val="accent4"/>
+          </a:lnRef>
+          <a:fillRef idx="1">
+            <a:schemeClr val="lt1"/>
+          </a:fillRef>
+          <a:effectRef idx="0">
+            <a:schemeClr val="accent4"/>
+          </a:effectRef>
+          <a:fontRef idx="minor">
+            <a:schemeClr val="dk1"/>
+          </a:fontRef>
+        </p:style>
+        <p:txBody>
+          <a:bodyPr rtlCol="0" anchor="ctr"/>
+          <a:lstStyle/>
+          <a:p>
+            <a:pPr algn="ctr"/>
+            <a:r>
+              <a:rPr kumimoji="1" lang="ko-KR" altLang="en-US" sz="1000" dirty="0"/>
+              <a:t>자손태그</a:t>
+            </a:r>
+            <a:endParaRPr kumimoji="1" lang="ko-Kore-KR" altLang="en-US" sz="1000" dirty="0"/>
+          </a:p>
+        </p:txBody>
+      </p:sp>
+      <p:cxnSp>
+        <p:nvCxnSpPr>
+          <p:cNvPr id="68" name="꺾인 연결선[E] 67">
+            <a:extLst>
+              <a:ext uri="{FF2B5EF4-FFF2-40B4-BE49-F238E27FC236}">
+                <a16:creationId xmlns:a16="http://schemas.microsoft.com/office/drawing/2014/main" id="{17F2E17A-3950-3E95-45D3-49969DD11CF5}"/>
+              </a:ext>
+            </a:extLst>
+          </p:cNvPr>
+          <p:cNvCxnSpPr>
+            <a:cxnSpLocks/>
+            <a:stCxn id="24" idx="3"/>
+            <a:endCxn id="67" idx="0"/>
+          </p:cNvCxnSpPr>
+          <p:nvPr/>
+        </p:nvCxnSpPr>
+        <p:spPr>
+          <a:xfrm>
+            <a:off x="3684182" y="1727790"/>
+            <a:ext cx="2521691" cy="748268"/>
+          </a:xfrm>
+          <a:prstGeom prst="bentConnector2">
+            <a:avLst/>
+          </a:prstGeom>
+          <a:ln>
+            <a:solidFill>
+              <a:schemeClr val="accent6">
+                <a:lumMod val="60000"/>
+                <a:lumOff val="40000"/>
+              </a:schemeClr>
+            </a:solidFill>
+            <a:tailEnd type="triangle"/>
+          </a:ln>
+        </p:spPr>
+        <p:style>
+          <a:lnRef idx="3">
+            <a:schemeClr val="accent5"/>
+          </a:lnRef>
+          <a:fillRef idx="0">
+            <a:schemeClr val="accent5"/>
+          </a:fillRef>
+          <a:effectRef idx="2">
+            <a:schemeClr val="accent5"/>
+          </a:effectRef>
+          <a:fontRef idx="minor">
+            <a:schemeClr val="tx1"/>
+          </a:fontRef>
+        </p:style>
+      </p:cxnSp>
     </p:spTree>
     <p:extLst>
       <p:ext uri="{BB962C8B-B14F-4D97-AF65-F5344CB8AC3E}">
@@ -13238,7 +20414,7 @@
 </p:sld>
 </file>
 
-<file path=ppt/slides/slide23.xml><?xml version="1.0" encoding="utf-8"?>
+<file path=ppt/slides/slide25.xml><?xml version="1.0" encoding="utf-8"?>
 <p:sld xmlns:a="http://schemas.openxmlformats.org/drawingml/2006/main" xmlns:r="http://schemas.openxmlformats.org/officeDocument/2006/relationships" xmlns:p="http://schemas.openxmlformats.org/presentationml/2006/main">
   <p:cSld>
     <p:spTree>
@@ -13268,7 +20444,7 @@
 </p:sld>
 </file>
 
-<file path=ppt/slides/slide24.xml><?xml version="1.0" encoding="utf-8"?>
+<file path=ppt/slides/slide26.xml><?xml version="1.0" encoding="utf-8"?>
 <p:sld xmlns:a="http://schemas.openxmlformats.org/drawingml/2006/main" xmlns:r="http://schemas.openxmlformats.org/officeDocument/2006/relationships" xmlns:p="http://schemas.openxmlformats.org/presentationml/2006/main">
   <p:cSld>
     <p:spTree>
@@ -13298,7 +20474,7 @@
 </p:sld>
 </file>
 
-<file path=ppt/slides/slide25.xml><?xml version="1.0" encoding="utf-8"?>
+<file path=ppt/slides/slide27.xml><?xml version="1.0" encoding="utf-8"?>
 <p:sld xmlns:a="http://schemas.openxmlformats.org/drawingml/2006/main" xmlns:r="http://schemas.openxmlformats.org/officeDocument/2006/relationships" xmlns:p="http://schemas.openxmlformats.org/presentationml/2006/main">
   <p:cSld>
     <p:spTree>
@@ -13328,7 +20504,7 @@
 </p:sld>
 </file>
 
-<file path=ppt/slides/slide26.xml><?xml version="1.0" encoding="utf-8"?>
+<file path=ppt/slides/slide28.xml><?xml version="1.0" encoding="utf-8"?>
 <p:sld xmlns:a="http://schemas.openxmlformats.org/drawingml/2006/main" xmlns:r="http://schemas.openxmlformats.org/officeDocument/2006/relationships" xmlns:p="http://schemas.openxmlformats.org/presentationml/2006/main">
   <p:cSld>
     <p:spTree>
@@ -13358,7 +20534,7 @@
 </p:sld>
 </file>
 
-<file path=ppt/slides/slide27.xml><?xml version="1.0" encoding="utf-8"?>
+<file path=ppt/slides/slide29.xml><?xml version="1.0" encoding="utf-8"?>
 <p:sld xmlns:a="http://schemas.openxmlformats.org/drawingml/2006/main" xmlns:r="http://schemas.openxmlformats.org/officeDocument/2006/relationships" xmlns:p="http://schemas.openxmlformats.org/presentationml/2006/main">
   <p:cSld>
     <p:spTree>
@@ -13379,66 +20555,6 @@
     <p:extLst>
       <p:ext uri="{BB962C8B-B14F-4D97-AF65-F5344CB8AC3E}">
         <p14:creationId xmlns:p14="http://schemas.microsoft.com/office/powerpoint/2010/main" val="2376439181"/>
-      </p:ext>
-    </p:extLst>
-  </p:cSld>
-  <p:clrMapOvr>
-    <a:masterClrMapping/>
-  </p:clrMapOvr>
-</p:sld>
-</file>
-
-<file path=ppt/slides/slide28.xml><?xml version="1.0" encoding="utf-8"?>
-<p:sld xmlns:a="http://schemas.openxmlformats.org/drawingml/2006/main" xmlns:r="http://schemas.openxmlformats.org/officeDocument/2006/relationships" xmlns:p="http://schemas.openxmlformats.org/presentationml/2006/main">
-  <p:cSld>
-    <p:spTree>
-      <p:nvGrpSpPr>
-        <p:cNvPr id="1" name=""/>
-        <p:cNvGrpSpPr/>
-        <p:nvPr/>
-      </p:nvGrpSpPr>
-      <p:grpSpPr>
-        <a:xfrm>
-          <a:off x="0" y="0"/>
-          <a:ext cx="0" cy="0"/>
-          <a:chOff x="0" y="0"/>
-          <a:chExt cx="0" cy="0"/>
-        </a:xfrm>
-      </p:grpSpPr>
-    </p:spTree>
-    <p:extLst>
-      <p:ext uri="{BB962C8B-B14F-4D97-AF65-F5344CB8AC3E}">
-        <p14:creationId xmlns:p14="http://schemas.microsoft.com/office/powerpoint/2010/main" val="2469745398"/>
-      </p:ext>
-    </p:extLst>
-  </p:cSld>
-  <p:clrMapOvr>
-    <a:masterClrMapping/>
-  </p:clrMapOvr>
-</p:sld>
-</file>
-
-<file path=ppt/slides/slide29.xml><?xml version="1.0" encoding="utf-8"?>
-<p:sld xmlns:a="http://schemas.openxmlformats.org/drawingml/2006/main" xmlns:r="http://schemas.openxmlformats.org/officeDocument/2006/relationships" xmlns:p="http://schemas.openxmlformats.org/presentationml/2006/main">
-  <p:cSld>
-    <p:spTree>
-      <p:nvGrpSpPr>
-        <p:cNvPr id="1" name=""/>
-        <p:cNvGrpSpPr/>
-        <p:nvPr/>
-      </p:nvGrpSpPr>
-      <p:grpSpPr>
-        <a:xfrm>
-          <a:off x="0" y="0"/>
-          <a:ext cx="0" cy="0"/>
-          <a:chOff x="0" y="0"/>
-          <a:chExt cx="0" cy="0"/>
-        </a:xfrm>
-      </p:grpSpPr>
-    </p:spTree>
-    <p:extLst>
-      <p:ext uri="{BB962C8B-B14F-4D97-AF65-F5344CB8AC3E}">
-        <p14:creationId xmlns:p14="http://schemas.microsoft.com/office/powerpoint/2010/main" val="2650590517"/>
       </p:ext>
     </p:extLst>
   </p:cSld>
@@ -14196,7 +21312,7 @@
     </p:spTree>
     <p:extLst>
       <p:ext uri="{BB962C8B-B14F-4D97-AF65-F5344CB8AC3E}">
-        <p14:creationId xmlns:p14="http://schemas.microsoft.com/office/powerpoint/2010/main" val="486749095"/>
+        <p14:creationId xmlns:p14="http://schemas.microsoft.com/office/powerpoint/2010/main" val="2469745398"/>
       </p:ext>
     </p:extLst>
   </p:cSld>
@@ -14226,7 +21342,7 @@
     </p:spTree>
     <p:extLst>
       <p:ext uri="{BB962C8B-B14F-4D97-AF65-F5344CB8AC3E}">
-        <p14:creationId xmlns:p14="http://schemas.microsoft.com/office/powerpoint/2010/main" val="4187713137"/>
+        <p14:creationId xmlns:p14="http://schemas.microsoft.com/office/powerpoint/2010/main" val="2650590517"/>
       </p:ext>
     </p:extLst>
   </p:cSld>
@@ -14256,7 +21372,7 @@
     </p:spTree>
     <p:extLst>
       <p:ext uri="{BB962C8B-B14F-4D97-AF65-F5344CB8AC3E}">
-        <p14:creationId xmlns:p14="http://schemas.microsoft.com/office/powerpoint/2010/main" val="1518173281"/>
+        <p14:creationId xmlns:p14="http://schemas.microsoft.com/office/powerpoint/2010/main" val="486749095"/>
       </p:ext>
     </p:extLst>
   </p:cSld>
@@ -14286,7 +21402,7 @@
     </p:spTree>
     <p:extLst>
       <p:ext uri="{BB962C8B-B14F-4D97-AF65-F5344CB8AC3E}">
-        <p14:creationId xmlns:p14="http://schemas.microsoft.com/office/powerpoint/2010/main" val="1913576828"/>
+        <p14:creationId xmlns:p14="http://schemas.microsoft.com/office/powerpoint/2010/main" val="4187713137"/>
       </p:ext>
     </p:extLst>
   </p:cSld>
@@ -14316,7 +21432,7 @@
     </p:spTree>
     <p:extLst>
       <p:ext uri="{BB962C8B-B14F-4D97-AF65-F5344CB8AC3E}">
-        <p14:creationId xmlns:p14="http://schemas.microsoft.com/office/powerpoint/2010/main" val="2280015186"/>
+        <p14:creationId xmlns:p14="http://schemas.microsoft.com/office/powerpoint/2010/main" val="1518173281"/>
       </p:ext>
     </p:extLst>
   </p:cSld>
@@ -14346,7 +21462,7 @@
     </p:spTree>
     <p:extLst>
       <p:ext uri="{BB962C8B-B14F-4D97-AF65-F5344CB8AC3E}">
-        <p14:creationId xmlns:p14="http://schemas.microsoft.com/office/powerpoint/2010/main" val="3610269479"/>
+        <p14:creationId xmlns:p14="http://schemas.microsoft.com/office/powerpoint/2010/main" val="1913576828"/>
       </p:ext>
     </p:extLst>
   </p:cSld>
@@ -14376,7 +21492,7 @@
     </p:spTree>
     <p:extLst>
       <p:ext uri="{BB962C8B-B14F-4D97-AF65-F5344CB8AC3E}">
-        <p14:creationId xmlns:p14="http://schemas.microsoft.com/office/powerpoint/2010/main" val="3781693062"/>
+        <p14:creationId xmlns:p14="http://schemas.microsoft.com/office/powerpoint/2010/main" val="2280015186"/>
       </p:ext>
     </p:extLst>
   </p:cSld>
@@ -14406,7 +21522,7 @@
     </p:spTree>
     <p:extLst>
       <p:ext uri="{BB962C8B-B14F-4D97-AF65-F5344CB8AC3E}">
-        <p14:creationId xmlns:p14="http://schemas.microsoft.com/office/powerpoint/2010/main" val="3244153813"/>
+        <p14:creationId xmlns:p14="http://schemas.microsoft.com/office/powerpoint/2010/main" val="3610269479"/>
       </p:ext>
     </p:extLst>
   </p:cSld>
@@ -14436,7 +21552,7 @@
     </p:spTree>
     <p:extLst>
       <p:ext uri="{BB962C8B-B14F-4D97-AF65-F5344CB8AC3E}">
-        <p14:creationId xmlns:p14="http://schemas.microsoft.com/office/powerpoint/2010/main" val="3913396264"/>
+        <p14:creationId xmlns:p14="http://schemas.microsoft.com/office/powerpoint/2010/main" val="3781693062"/>
       </p:ext>
     </p:extLst>
   </p:cSld>
@@ -14466,7 +21582,7 @@
     </p:spTree>
     <p:extLst>
       <p:ext uri="{BB962C8B-B14F-4D97-AF65-F5344CB8AC3E}">
-        <p14:creationId xmlns:p14="http://schemas.microsoft.com/office/powerpoint/2010/main" val="682607786"/>
+        <p14:creationId xmlns:p14="http://schemas.microsoft.com/office/powerpoint/2010/main" val="3244153813"/>
       </p:ext>
     </p:extLst>
   </p:cSld>
@@ -15114,7 +22230,7 @@
     </p:spTree>
     <p:extLst>
       <p:ext uri="{BB962C8B-B14F-4D97-AF65-F5344CB8AC3E}">
-        <p14:creationId xmlns:p14="http://schemas.microsoft.com/office/powerpoint/2010/main" val="1180278508"/>
+        <p14:creationId xmlns:p14="http://schemas.microsoft.com/office/powerpoint/2010/main" val="3913396264"/>
       </p:ext>
     </p:extLst>
   </p:cSld>
@@ -15144,7 +22260,7 @@
     </p:spTree>
     <p:extLst>
       <p:ext uri="{BB962C8B-B14F-4D97-AF65-F5344CB8AC3E}">
-        <p14:creationId xmlns:p14="http://schemas.microsoft.com/office/powerpoint/2010/main" val="558197416"/>
+        <p14:creationId xmlns:p14="http://schemas.microsoft.com/office/powerpoint/2010/main" val="682607786"/>
       </p:ext>
     </p:extLst>
   </p:cSld>
@@ -15174,7 +22290,7 @@
     </p:spTree>
     <p:extLst>
       <p:ext uri="{BB962C8B-B14F-4D97-AF65-F5344CB8AC3E}">
-        <p14:creationId xmlns:p14="http://schemas.microsoft.com/office/powerpoint/2010/main" val="4066365308"/>
+        <p14:creationId xmlns:p14="http://schemas.microsoft.com/office/powerpoint/2010/main" val="1180278508"/>
       </p:ext>
     </p:extLst>
   </p:cSld>
@@ -15204,7 +22320,7 @@
     </p:spTree>
     <p:extLst>
       <p:ext uri="{BB962C8B-B14F-4D97-AF65-F5344CB8AC3E}">
-        <p14:creationId xmlns:p14="http://schemas.microsoft.com/office/powerpoint/2010/main" val="3523135999"/>
+        <p14:creationId xmlns:p14="http://schemas.microsoft.com/office/powerpoint/2010/main" val="558197416"/>
       </p:ext>
     </p:extLst>
   </p:cSld>
@@ -15234,7 +22350,7 @@
     </p:spTree>
     <p:extLst>
       <p:ext uri="{BB962C8B-B14F-4D97-AF65-F5344CB8AC3E}">
-        <p14:creationId xmlns:p14="http://schemas.microsoft.com/office/powerpoint/2010/main" val="3491279388"/>
+        <p14:creationId xmlns:p14="http://schemas.microsoft.com/office/powerpoint/2010/main" val="4066365308"/>
       </p:ext>
     </p:extLst>
   </p:cSld>
@@ -15264,7 +22380,7 @@
     </p:spTree>
     <p:extLst>
       <p:ext uri="{BB962C8B-B14F-4D97-AF65-F5344CB8AC3E}">
-        <p14:creationId xmlns:p14="http://schemas.microsoft.com/office/powerpoint/2010/main" val="1442108686"/>
+        <p14:creationId xmlns:p14="http://schemas.microsoft.com/office/powerpoint/2010/main" val="3523135999"/>
       </p:ext>
     </p:extLst>
   </p:cSld>
@@ -15294,7 +22410,7 @@
     </p:spTree>
     <p:extLst>
       <p:ext uri="{BB962C8B-B14F-4D97-AF65-F5344CB8AC3E}">
-        <p14:creationId xmlns:p14="http://schemas.microsoft.com/office/powerpoint/2010/main" val="1620877337"/>
+        <p14:creationId xmlns:p14="http://schemas.microsoft.com/office/powerpoint/2010/main" val="3491279388"/>
       </p:ext>
     </p:extLst>
   </p:cSld>
@@ -15324,7 +22440,7 @@
     </p:spTree>
     <p:extLst>
       <p:ext uri="{BB962C8B-B14F-4D97-AF65-F5344CB8AC3E}">
-        <p14:creationId xmlns:p14="http://schemas.microsoft.com/office/powerpoint/2010/main" val="2112818761"/>
+        <p14:creationId xmlns:p14="http://schemas.microsoft.com/office/powerpoint/2010/main" val="1442108686"/>
       </p:ext>
     </p:extLst>
   </p:cSld>
@@ -15354,7 +22470,37 @@
     </p:spTree>
     <p:extLst>
       <p:ext uri="{BB962C8B-B14F-4D97-AF65-F5344CB8AC3E}">
-        <p14:creationId xmlns:p14="http://schemas.microsoft.com/office/powerpoint/2010/main" val="4164900616"/>
+        <p14:creationId xmlns:p14="http://schemas.microsoft.com/office/powerpoint/2010/main" val="1620877337"/>
+      </p:ext>
+    </p:extLst>
+  </p:cSld>
+  <p:clrMapOvr>
+    <a:masterClrMapping/>
+  </p:clrMapOvr>
+</p:sld>
+</file>
+
+<file path=ppt/slides/slide49.xml><?xml version="1.0" encoding="utf-8"?>
+<p:sld xmlns:a="http://schemas.openxmlformats.org/drawingml/2006/main" xmlns:r="http://schemas.openxmlformats.org/officeDocument/2006/relationships" xmlns:p="http://schemas.openxmlformats.org/presentationml/2006/main">
+  <p:cSld>
+    <p:spTree>
+      <p:nvGrpSpPr>
+        <p:cNvPr id="1" name=""/>
+        <p:cNvGrpSpPr/>
+        <p:nvPr/>
+      </p:nvGrpSpPr>
+      <p:grpSpPr>
+        <a:xfrm>
+          <a:off x="0" y="0"/>
+          <a:ext cx="0" cy="0"/>
+          <a:chOff x="0" y="0"/>
+          <a:chExt cx="0" cy="0"/>
+        </a:xfrm>
+      </p:grpSpPr>
+    </p:spTree>
+    <p:extLst>
+      <p:ext uri="{BB962C8B-B14F-4D97-AF65-F5344CB8AC3E}">
+        <p14:creationId xmlns:p14="http://schemas.microsoft.com/office/powerpoint/2010/main" val="2112818761"/>
       </p:ext>
     </p:extLst>
   </p:cSld>
@@ -16815,6 +23961,36 @@
     <p:extLst>
       <p:ext uri="{BB962C8B-B14F-4D97-AF65-F5344CB8AC3E}">
         <p14:creationId xmlns:p14="http://schemas.microsoft.com/office/powerpoint/2010/main" val="12973516"/>
+      </p:ext>
+    </p:extLst>
+  </p:cSld>
+  <p:clrMapOvr>
+    <a:masterClrMapping/>
+  </p:clrMapOvr>
+</p:sld>
+</file>
+
+<file path=ppt/slides/slide50.xml><?xml version="1.0" encoding="utf-8"?>
+<p:sld xmlns:a="http://schemas.openxmlformats.org/drawingml/2006/main" xmlns:r="http://schemas.openxmlformats.org/officeDocument/2006/relationships" xmlns:p="http://schemas.openxmlformats.org/presentationml/2006/main">
+  <p:cSld>
+    <p:spTree>
+      <p:nvGrpSpPr>
+        <p:cNvPr id="1" name=""/>
+        <p:cNvGrpSpPr/>
+        <p:nvPr/>
+      </p:nvGrpSpPr>
+      <p:grpSpPr>
+        <a:xfrm>
+          <a:off x="0" y="0"/>
+          <a:ext cx="0" cy="0"/>
+          <a:chOff x="0" y="0"/>
+          <a:chExt cx="0" cy="0"/>
+        </a:xfrm>
+      </p:grpSpPr>
+    </p:spTree>
+    <p:extLst>
+      <p:ext uri="{BB962C8B-B14F-4D97-AF65-F5344CB8AC3E}">
+        <p14:creationId xmlns:p14="http://schemas.microsoft.com/office/powerpoint/2010/main" val="4164900616"/>
       </p:ext>
     </p:extLst>
   </p:cSld>
